--- a/zadanie_01/lists_imp/dojebanaprezentacjaolistachidlaczegomojaimplementacjajestlepszaastdssiepale.pptx
+++ b/zadanie_01/lists_imp/dojebanaprezentacjaolistachidlaczegomojaimplementacjajestlepszaastdssiepale.pptx
@@ -6,6 +6,8 @@
   </p:sldMasterIdLst>
   <p:sldIdLst>
     <p:sldId id="256" r:id="rId5"/>
+    <p:sldId id="258" r:id="rId6"/>
+    <p:sldId id="257" r:id="rId7"/>
   </p:sldIdLst>
   <p:sldSz cx="12192000" cy="6858000"/>
   <p:notesSz cx="6858000" cy="9144000"/>
@@ -3360,10 +3362,16 @@
         </p:nvSpPr>
         <p:spPr/>
         <p:txBody>
-          <a:bodyPr/>
-          <a:lstStyle/>
-          <a:p>
-            <a:endParaRPr lang="en-GB"/>
+          <a:bodyPr>
+            <a:normAutofit fontScale="90000"/>
+          </a:bodyPr>
+          <a:lstStyle/>
+          <a:p>
+            <a:r>
+              <a:rPr lang="pl-PL" dirty="0"/>
+              <a:t>Praktyczna implementacja list jedno i dwukierunkowych oraz cyklicznych.</a:t>
+            </a:r>
+            <a:endParaRPr lang="en-GB" dirty="0"/>
           </a:p>
         </p:txBody>
       </p:sp>
@@ -3396,6 +3404,262 @@
     <p:extLst>
       <p:ext uri="{BB962C8B-B14F-4D97-AF65-F5344CB8AC3E}">
         <p14:creationId xmlns:p14="http://schemas.microsoft.com/office/powerpoint/2010/main" val="1667013846"/>
+      </p:ext>
+    </p:extLst>
+  </p:cSld>
+  <p:clrMapOvr>
+    <a:masterClrMapping/>
+  </p:clrMapOvr>
+</p:sld>
+</file>
+
+<file path=ppt/slides/slide2.xml><?xml version="1.0" encoding="utf-8"?>
+<p:sld xmlns:a="http://schemas.openxmlformats.org/drawingml/2006/main" xmlns:r="http://schemas.openxmlformats.org/officeDocument/2006/relationships" xmlns:p="http://schemas.openxmlformats.org/presentationml/2006/main">
+  <p:cSld>
+    <p:spTree>
+      <p:nvGrpSpPr>
+        <p:cNvPr id="1" name=""/>
+        <p:cNvGrpSpPr/>
+        <p:nvPr/>
+      </p:nvGrpSpPr>
+      <p:grpSpPr>
+        <a:xfrm>
+          <a:off x="0" y="0"/>
+          <a:ext cx="0" cy="0"/>
+          <a:chOff x="0" y="0"/>
+          <a:chExt cx="0" cy="0"/>
+        </a:xfrm>
+      </p:grpSpPr>
+      <p:sp>
+        <p:nvSpPr>
+          <p:cNvPr id="2" name="Title 1">
+            <a:extLst>
+              <a:ext uri="{FF2B5EF4-FFF2-40B4-BE49-F238E27FC236}">
+                <a16:creationId xmlns:a16="http://schemas.microsoft.com/office/drawing/2014/main" id="{ED4BDC36-2049-6EA8-8F7E-A5BA91DCC88B}"/>
+              </a:ext>
+            </a:extLst>
+          </p:cNvPr>
+          <p:cNvSpPr>
+            <a:spLocks noGrp="1"/>
+          </p:cNvSpPr>
+          <p:nvPr>
+            <p:ph type="title"/>
+          </p:nvPr>
+        </p:nvSpPr>
+        <p:spPr/>
+        <p:txBody>
+          <a:bodyPr/>
+          <a:lstStyle/>
+          <a:p>
+            <a:endParaRPr lang="en-GB" dirty="0"/>
+          </a:p>
+        </p:txBody>
+      </p:sp>
+      <p:sp>
+        <p:nvSpPr>
+          <p:cNvPr id="3" name="Content Placeholder 2">
+            <a:extLst>
+              <a:ext uri="{FF2B5EF4-FFF2-40B4-BE49-F238E27FC236}">
+                <a16:creationId xmlns:a16="http://schemas.microsoft.com/office/drawing/2014/main" id="{B041833D-9EF0-4D9F-31A9-13993F40636B}"/>
+              </a:ext>
+            </a:extLst>
+          </p:cNvPr>
+          <p:cNvSpPr>
+            <a:spLocks noGrp="1"/>
+          </p:cNvSpPr>
+          <p:nvPr>
+            <p:ph idx="1"/>
+          </p:nvPr>
+        </p:nvSpPr>
+        <p:spPr/>
+        <p:txBody>
+          <a:bodyPr/>
+          <a:lstStyle/>
+          <a:p>
+            <a:endParaRPr lang="en-GB"/>
+          </a:p>
+        </p:txBody>
+      </p:sp>
+    </p:spTree>
+    <p:extLst>
+      <p:ext uri="{BB962C8B-B14F-4D97-AF65-F5344CB8AC3E}">
+        <p14:creationId xmlns:p14="http://schemas.microsoft.com/office/powerpoint/2010/main" val="545156900"/>
+      </p:ext>
+    </p:extLst>
+  </p:cSld>
+  <p:clrMapOvr>
+    <a:masterClrMapping/>
+  </p:clrMapOvr>
+</p:sld>
+</file>
+
+<file path=ppt/slides/slide3.xml><?xml version="1.0" encoding="utf-8"?>
+<p:sld xmlns:a="http://schemas.openxmlformats.org/drawingml/2006/main" xmlns:r="http://schemas.openxmlformats.org/officeDocument/2006/relationships" xmlns:p="http://schemas.openxmlformats.org/presentationml/2006/main">
+  <p:cSld>
+    <p:bg>
+      <p:bgPr>
+        <a:blipFill dpi="0" rotWithShape="1">
+          <a:blip r:embed="rId2">
+            <a:lum/>
+          </a:blip>
+          <a:srcRect/>
+          <a:stretch>
+            <a:fillRect l="-4000" r="-4000"/>
+          </a:stretch>
+        </a:blipFill>
+        <a:effectLst/>
+      </p:bgPr>
+    </p:bg>
+    <p:spTree>
+      <p:nvGrpSpPr>
+        <p:cNvPr id="1" name=""/>
+        <p:cNvGrpSpPr/>
+        <p:nvPr/>
+      </p:nvGrpSpPr>
+      <p:grpSpPr>
+        <a:xfrm>
+          <a:off x="0" y="0"/>
+          <a:ext cx="0" cy="0"/>
+          <a:chOff x="0" y="0"/>
+          <a:chExt cx="0" cy="0"/>
+        </a:xfrm>
+      </p:grpSpPr>
+      <p:sp>
+        <p:nvSpPr>
+          <p:cNvPr id="2" name="Title 1">
+            <a:extLst>
+              <a:ext uri="{FF2B5EF4-FFF2-40B4-BE49-F238E27FC236}">
+                <a16:creationId xmlns:a16="http://schemas.microsoft.com/office/drawing/2014/main" id="{49A0659D-2076-0916-C7B6-E84B6101C65E}"/>
+              </a:ext>
+            </a:extLst>
+          </p:cNvPr>
+          <p:cNvSpPr>
+            <a:spLocks noGrp="1"/>
+          </p:cNvSpPr>
+          <p:nvPr>
+            <p:ph type="title"/>
+          </p:nvPr>
+        </p:nvSpPr>
+        <p:spPr/>
+        <p:txBody>
+          <a:bodyPr/>
+          <a:lstStyle/>
+          <a:p>
+            <a:r>
+              <a:rPr lang="pl-PL" dirty="0">
+                <a:solidFill>
+                  <a:schemeClr val="bg1"/>
+                </a:solidFill>
+              </a:rPr>
+              <a:t>Wnioski	</a:t>
+            </a:r>
+            <a:endParaRPr lang="en-GB" dirty="0">
+              <a:solidFill>
+                <a:schemeClr val="bg1"/>
+              </a:solidFill>
+            </a:endParaRPr>
+          </a:p>
+        </p:txBody>
+      </p:sp>
+      <p:sp>
+        <p:nvSpPr>
+          <p:cNvPr id="3" name="Content Placeholder 2">
+            <a:extLst>
+              <a:ext uri="{FF2B5EF4-FFF2-40B4-BE49-F238E27FC236}">
+                <a16:creationId xmlns:a16="http://schemas.microsoft.com/office/drawing/2014/main" id="{9F367ABE-FE43-FE9C-2782-DCB81EDFAF2E}"/>
+              </a:ext>
+            </a:extLst>
+          </p:cNvPr>
+          <p:cNvSpPr>
+            <a:spLocks noGrp="1"/>
+          </p:cNvSpPr>
+          <p:nvPr>
+            <p:ph idx="1"/>
+          </p:nvPr>
+        </p:nvSpPr>
+        <p:spPr/>
+        <p:txBody>
+          <a:bodyPr/>
+          <a:lstStyle/>
+          <a:p>
+            <a:r>
+              <a:rPr lang="pl-PL" dirty="0">
+                <a:solidFill>
+                  <a:schemeClr val="bg1"/>
+                </a:solidFill>
+              </a:rPr>
+              <a:t>Scope creep to szmata i trzeba na to uważać</a:t>
+            </a:r>
+          </a:p>
+          <a:p>
+            <a:r>
+              <a:rPr lang="en-GB" dirty="0">
+                <a:solidFill>
+                  <a:schemeClr val="bg1"/>
+                </a:solidFill>
+              </a:rPr>
+              <a:t>AI </a:t>
+            </a:r>
+            <a:r>
+              <a:rPr lang="en-GB" dirty="0" err="1">
+                <a:solidFill>
+                  <a:schemeClr val="bg1"/>
+                </a:solidFill>
+              </a:rPr>
+              <a:t>nie</a:t>
+            </a:r>
+            <a:r>
+              <a:rPr lang="en-GB" dirty="0">
+                <a:solidFill>
+                  <a:schemeClr val="bg1"/>
+                </a:solidFill>
+              </a:rPr>
+              <a:t> jest </a:t>
+            </a:r>
+            <a:r>
+              <a:rPr lang="en-GB" dirty="0" err="1">
+                <a:solidFill>
+                  <a:schemeClr val="bg1"/>
+                </a:solidFill>
+              </a:rPr>
+              <a:t>dobre</a:t>
+            </a:r>
+            <a:r>
+              <a:rPr lang="en-GB" dirty="0">
+                <a:solidFill>
+                  <a:schemeClr val="bg1"/>
+                </a:solidFill>
+              </a:rPr>
+              <a:t> w </a:t>
+            </a:r>
+            <a:r>
+              <a:rPr lang="en-GB" dirty="0" err="1">
+                <a:solidFill>
+                  <a:schemeClr val="bg1"/>
+                </a:solidFill>
+              </a:rPr>
+              <a:t>wymy</a:t>
+            </a:r>
+            <a:r>
+              <a:rPr lang="pl-PL">
+                <a:solidFill>
+                  <a:schemeClr val="bg1"/>
+                </a:solidFill>
+              </a:rPr>
+              <a:t>ślaniu nowych rozwiązań</a:t>
+            </a:r>
+            <a:endParaRPr lang="en-GB" dirty="0">
+              <a:solidFill>
+                <a:schemeClr val="bg1"/>
+              </a:solidFill>
+            </a:endParaRPr>
+          </a:p>
+        </p:txBody>
+      </p:sp>
+    </p:spTree>
+    <p:extLst>
+      <p:ext uri="{BB962C8B-B14F-4D97-AF65-F5344CB8AC3E}">
+        <p14:creationId xmlns:p14="http://schemas.microsoft.com/office/powerpoint/2010/main" val="3880871455"/>
       </p:ext>
     </p:extLst>
   </p:cSld>

--- a/zadanie_01/lists_imp/dojebanaprezentacjaolistachidlaczegomojaimplementacjajestlepszaastdssiepale.pptx
+++ b/zadanie_01/lists_imp/dojebanaprezentacjaolistachidlaczegomojaimplementacjajestlepszaastdssiepale.pptx
@@ -2,12 +2,16 @@
 <file path=ppt/presentation.xml><?xml version="1.0" encoding="utf-8"?>
 <p:presentation xmlns:a="http://schemas.openxmlformats.org/drawingml/2006/main" xmlns:r="http://schemas.openxmlformats.org/officeDocument/2006/relationships" xmlns:p="http://schemas.openxmlformats.org/presentationml/2006/main" saveSubsetFonts="1">
   <p:sldMasterIdLst>
-    <p:sldMasterId id="2147483648" r:id="rId4"/>
+    <p:sldMasterId id="2147483660" r:id="rId4"/>
   </p:sldMasterIdLst>
   <p:sldIdLst>
     <p:sldId id="256" r:id="rId5"/>
     <p:sldId id="258" r:id="rId6"/>
-    <p:sldId id="257" r:id="rId7"/>
+    <p:sldId id="259" r:id="rId7"/>
+    <p:sldId id="260" r:id="rId8"/>
+    <p:sldId id="261" r:id="rId9"/>
+    <p:sldId id="262" r:id="rId10"/>
+    <p:sldId id="257" r:id="rId11"/>
   </p:sldIdLst>
   <p:sldSz cx="12192000" cy="6858000"/>
   <p:notesSz cx="6858000" cy="9144000"/>
@@ -15,7 +19,7 @@
     <a:defPPr>
       <a:defRPr lang="en-US"/>
     </a:defPPr>
-    <a:lvl1pPr marL="0" algn="l" defTabSz="914400" rtl="0" eaLnBrk="1" latinLnBrk="0" hangingPunct="1">
+    <a:lvl1pPr marL="0" algn="l" defTabSz="457200" rtl="0" eaLnBrk="1" latinLnBrk="0" hangingPunct="1">
       <a:defRPr sz="1800" kern="1200">
         <a:solidFill>
           <a:schemeClr val="tx1"/>
@@ -25,7 +29,7 @@
         <a:cs typeface="+mn-cs"/>
       </a:defRPr>
     </a:lvl1pPr>
-    <a:lvl2pPr marL="457200" algn="l" defTabSz="914400" rtl="0" eaLnBrk="1" latinLnBrk="0" hangingPunct="1">
+    <a:lvl2pPr marL="457200" algn="l" defTabSz="457200" rtl="0" eaLnBrk="1" latinLnBrk="0" hangingPunct="1">
       <a:defRPr sz="1800" kern="1200">
         <a:solidFill>
           <a:schemeClr val="tx1"/>
@@ -35,7 +39,7 @@
         <a:cs typeface="+mn-cs"/>
       </a:defRPr>
     </a:lvl2pPr>
-    <a:lvl3pPr marL="914400" algn="l" defTabSz="914400" rtl="0" eaLnBrk="1" latinLnBrk="0" hangingPunct="1">
+    <a:lvl3pPr marL="914400" algn="l" defTabSz="457200" rtl="0" eaLnBrk="1" latinLnBrk="0" hangingPunct="1">
       <a:defRPr sz="1800" kern="1200">
         <a:solidFill>
           <a:schemeClr val="tx1"/>
@@ -45,7 +49,7 @@
         <a:cs typeface="+mn-cs"/>
       </a:defRPr>
     </a:lvl3pPr>
-    <a:lvl4pPr marL="1371600" algn="l" defTabSz="914400" rtl="0" eaLnBrk="1" latinLnBrk="0" hangingPunct="1">
+    <a:lvl4pPr marL="1371600" algn="l" defTabSz="457200" rtl="0" eaLnBrk="1" latinLnBrk="0" hangingPunct="1">
       <a:defRPr sz="1800" kern="1200">
         <a:solidFill>
           <a:schemeClr val="tx1"/>
@@ -55,7 +59,7 @@
         <a:cs typeface="+mn-cs"/>
       </a:defRPr>
     </a:lvl4pPr>
-    <a:lvl5pPr marL="1828800" algn="l" defTabSz="914400" rtl="0" eaLnBrk="1" latinLnBrk="0" hangingPunct="1">
+    <a:lvl5pPr marL="1828800" algn="l" defTabSz="457200" rtl="0" eaLnBrk="1" latinLnBrk="0" hangingPunct="1">
       <a:defRPr sz="1800" kern="1200">
         <a:solidFill>
           <a:schemeClr val="tx1"/>
@@ -65,7 +69,7 @@
         <a:cs typeface="+mn-cs"/>
       </a:defRPr>
     </a:lvl5pPr>
-    <a:lvl6pPr marL="2286000" algn="l" defTabSz="914400" rtl="0" eaLnBrk="1" latinLnBrk="0" hangingPunct="1">
+    <a:lvl6pPr marL="2286000" algn="l" defTabSz="457200" rtl="0" eaLnBrk="1" latinLnBrk="0" hangingPunct="1">
       <a:defRPr sz="1800" kern="1200">
         <a:solidFill>
           <a:schemeClr val="tx1"/>
@@ -75,7 +79,7 @@
         <a:cs typeface="+mn-cs"/>
       </a:defRPr>
     </a:lvl6pPr>
-    <a:lvl7pPr marL="2743200" algn="l" defTabSz="914400" rtl="0" eaLnBrk="1" latinLnBrk="0" hangingPunct="1">
+    <a:lvl7pPr marL="2743200" algn="l" defTabSz="457200" rtl="0" eaLnBrk="1" latinLnBrk="0" hangingPunct="1">
       <a:defRPr sz="1800" kern="1200">
         <a:solidFill>
           <a:schemeClr val="tx1"/>
@@ -85,7 +89,7 @@
         <a:cs typeface="+mn-cs"/>
       </a:defRPr>
     </a:lvl7pPr>
-    <a:lvl8pPr marL="3200400" algn="l" defTabSz="914400" rtl="0" eaLnBrk="1" latinLnBrk="0" hangingPunct="1">
+    <a:lvl8pPr marL="3200400" algn="l" defTabSz="457200" rtl="0" eaLnBrk="1" latinLnBrk="0" hangingPunct="1">
       <a:defRPr sz="1800" kern="1200">
         <a:solidFill>
           <a:schemeClr val="tx1"/>
@@ -95,7 +99,7 @@
         <a:cs typeface="+mn-cs"/>
       </a:defRPr>
     </a:lvl8pPr>
-    <a:lvl9pPr marL="3657600" algn="l" defTabSz="914400" rtl="0" eaLnBrk="1" latinLnBrk="0" hangingPunct="1">
+    <a:lvl9pPr marL="3657600" algn="l" defTabSz="457200" rtl="0" eaLnBrk="1" latinLnBrk="0" hangingPunct="1">
       <a:defRPr sz="1800" kern="1200">
         <a:solidFill>
           <a:schemeClr val="tx1"/>
@@ -106,6 +110,11 @@
       </a:defRPr>
     </a:lvl9pPr>
   </p:defaultTextStyle>
+  <p:extLst>
+    <p:ext uri="{EFAFB233-063F-42B5-8137-9DF3F51BA10A}">
+      <p15:sldGuideLst xmlns:p15="http://schemas.microsoft.com/office/powerpoint/2012/main"/>
+    </p:ext>
+  </p:extLst>
 </p:presentation>
 </file>
 
@@ -128,13 +137,7 @@
       </p:grpSpPr>
       <p:sp>
         <p:nvSpPr>
-          <p:cNvPr id="2" name="Title 1">
-            <a:extLst>
-              <a:ext uri="{FF2B5EF4-FFF2-40B4-BE49-F238E27FC236}">
-                <a16:creationId xmlns:a16="http://schemas.microsoft.com/office/drawing/2014/main" id="{8D2CD23E-3482-8676-3206-602886A5A4D3}"/>
-              </a:ext>
-            </a:extLst>
-          </p:cNvPr>
+          <p:cNvPr id="2" name="Title 1"/>
           <p:cNvSpPr>
             <a:spLocks noGrp="1"/>
           </p:cNvSpPr>
@@ -144,15 +147,17 @@
         </p:nvSpPr>
         <p:spPr>
           <a:xfrm>
-            <a:off x="1524000" y="1122363"/>
-            <a:ext cx="9144000" cy="2387600"/>
+            <a:off x="1370693" y="1769540"/>
+            <a:ext cx="9440034" cy="1828801"/>
           </a:xfrm>
         </p:spPr>
         <p:txBody>
-          <a:bodyPr anchor="b"/>
+          <a:bodyPr anchor="b">
+            <a:normAutofit/>
+          </a:bodyPr>
           <a:lstStyle>
             <a:lvl1pPr algn="ctr">
-              <a:defRPr sz="6000"/>
+              <a:defRPr sz="5400"/>
             </a:lvl1pPr>
           </a:lstStyle>
           <a:p>
@@ -160,19 +165,13 @@
               <a:rPr lang="en-US"/>
               <a:t>Click to edit Master title style</a:t>
             </a:r>
-            <a:endParaRPr lang="en-GB"/>
-          </a:p>
-        </p:txBody>
-      </p:sp>
-      <p:sp>
-        <p:nvSpPr>
-          <p:cNvPr id="3" name="Subtitle 2">
-            <a:extLst>
-              <a:ext uri="{FF2B5EF4-FFF2-40B4-BE49-F238E27FC236}">
-                <a16:creationId xmlns:a16="http://schemas.microsoft.com/office/drawing/2014/main" id="{FDB83D97-7487-728A-5023-921A185AAF64}"/>
-              </a:ext>
-            </a:extLst>
-          </p:cNvPr>
+            <a:endParaRPr lang="en-US" dirty="0"/>
+          </a:p>
+        </p:txBody>
+      </p:sp>
+      <p:sp>
+        <p:nvSpPr>
+          <p:cNvPr id="3" name="Subtitle 2"/>
           <p:cNvSpPr>
             <a:spLocks noGrp="1"/>
           </p:cNvSpPr>
@@ -182,48 +181,100 @@
         </p:nvSpPr>
         <p:spPr>
           <a:xfrm>
-            <a:off x="1524000" y="3602038"/>
-            <a:ext cx="9144000" cy="1655762"/>
+            <a:off x="1370693" y="3598339"/>
+            <a:ext cx="9440034" cy="1049867"/>
           </a:xfrm>
         </p:spPr>
         <p:txBody>
-          <a:bodyPr/>
+          <a:bodyPr anchor="t"/>
           <a:lstStyle>
             <a:lvl1pPr marL="0" indent="0" algn="ctr">
               <a:buNone/>
-              <a:defRPr sz="2400"/>
+              <a:defRPr>
+                <a:solidFill>
+                  <a:schemeClr val="tx1"/>
+                </a:solidFill>
+              </a:defRPr>
             </a:lvl1pPr>
             <a:lvl2pPr marL="457200" indent="0" algn="ctr">
               <a:buNone/>
-              <a:defRPr sz="2000"/>
+              <a:defRPr>
+                <a:solidFill>
+                  <a:schemeClr val="tx1">
+                    <a:tint val="75000"/>
+                  </a:schemeClr>
+                </a:solidFill>
+              </a:defRPr>
             </a:lvl2pPr>
             <a:lvl3pPr marL="914400" indent="0" algn="ctr">
               <a:buNone/>
-              <a:defRPr sz="1800"/>
+              <a:defRPr>
+                <a:solidFill>
+                  <a:schemeClr val="tx1">
+                    <a:tint val="75000"/>
+                  </a:schemeClr>
+                </a:solidFill>
+              </a:defRPr>
             </a:lvl3pPr>
             <a:lvl4pPr marL="1371600" indent="0" algn="ctr">
               <a:buNone/>
-              <a:defRPr sz="1600"/>
+              <a:defRPr>
+                <a:solidFill>
+                  <a:schemeClr val="tx1">
+                    <a:tint val="75000"/>
+                  </a:schemeClr>
+                </a:solidFill>
+              </a:defRPr>
             </a:lvl4pPr>
             <a:lvl5pPr marL="1828800" indent="0" algn="ctr">
               <a:buNone/>
-              <a:defRPr sz="1600"/>
+              <a:defRPr>
+                <a:solidFill>
+                  <a:schemeClr val="tx1">
+                    <a:tint val="75000"/>
+                  </a:schemeClr>
+                </a:solidFill>
+              </a:defRPr>
             </a:lvl5pPr>
             <a:lvl6pPr marL="2286000" indent="0" algn="ctr">
               <a:buNone/>
-              <a:defRPr sz="1600"/>
+              <a:defRPr>
+                <a:solidFill>
+                  <a:schemeClr val="tx1">
+                    <a:tint val="75000"/>
+                  </a:schemeClr>
+                </a:solidFill>
+              </a:defRPr>
             </a:lvl6pPr>
             <a:lvl7pPr marL="2743200" indent="0" algn="ctr">
               <a:buNone/>
-              <a:defRPr sz="1600"/>
+              <a:defRPr>
+                <a:solidFill>
+                  <a:schemeClr val="tx1">
+                    <a:tint val="75000"/>
+                  </a:schemeClr>
+                </a:solidFill>
+              </a:defRPr>
             </a:lvl7pPr>
             <a:lvl8pPr marL="3200400" indent="0" algn="ctr">
               <a:buNone/>
-              <a:defRPr sz="1600"/>
+              <a:defRPr>
+                <a:solidFill>
+                  <a:schemeClr val="tx1">
+                    <a:tint val="75000"/>
+                  </a:schemeClr>
+                </a:solidFill>
+              </a:defRPr>
             </a:lvl8pPr>
             <a:lvl9pPr marL="3657600" indent="0" algn="ctr">
               <a:buNone/>
-              <a:defRPr sz="1600"/>
+              <a:defRPr>
+                <a:solidFill>
+                  <a:schemeClr val="tx1">
+                    <a:tint val="75000"/>
+                  </a:schemeClr>
+                </a:solidFill>
+              </a:defRPr>
             </a:lvl9pPr>
           </a:lstStyle>
           <a:p>
@@ -231,19 +282,13 @@
               <a:rPr lang="en-US"/>
               <a:t>Click to edit Master subtitle style</a:t>
             </a:r>
-            <a:endParaRPr lang="en-GB"/>
-          </a:p>
-        </p:txBody>
-      </p:sp>
-      <p:sp>
-        <p:nvSpPr>
-          <p:cNvPr id="4" name="Date Placeholder 3">
-            <a:extLst>
-              <a:ext uri="{FF2B5EF4-FFF2-40B4-BE49-F238E27FC236}">
-                <a16:creationId xmlns:a16="http://schemas.microsoft.com/office/drawing/2014/main" id="{1E02CD28-30D5-835A-8E14-727B6E7F0E2E}"/>
-              </a:ext>
-            </a:extLst>
-          </p:cNvPr>
+            <a:endParaRPr lang="en-US" dirty="0"/>
+          </a:p>
+        </p:txBody>
+      </p:sp>
+      <p:sp>
+        <p:nvSpPr>
+          <p:cNvPr id="4" name="Date Placeholder 3"/>
           <p:cNvSpPr>
             <a:spLocks noGrp="1"/>
           </p:cNvSpPr>
@@ -258,7 +303,7 @@
           <a:p>
             <a:fld id="{A22BCD6F-2A98-4151-B6C3-C15192657300}" type="datetimeFigureOut">
               <a:rPr lang="en-GB" smtClean="0"/>
-              <a:t>04/05/2025</a:t>
+              <a:t>05/05/2025</a:t>
             </a:fld>
             <a:endParaRPr lang="en-GB"/>
           </a:p>
@@ -266,13 +311,7 @@
       </p:sp>
       <p:sp>
         <p:nvSpPr>
-          <p:cNvPr id="5" name="Footer Placeholder 4">
-            <a:extLst>
-              <a:ext uri="{FF2B5EF4-FFF2-40B4-BE49-F238E27FC236}">
-                <a16:creationId xmlns:a16="http://schemas.microsoft.com/office/drawing/2014/main" id="{C9113636-B03D-0DB6-C9DE-F28F86623A62}"/>
-              </a:ext>
-            </a:extLst>
-          </p:cNvPr>
+          <p:cNvPr id="5" name="Footer Placeholder 4"/>
           <p:cNvSpPr>
             <a:spLocks noGrp="1"/>
           </p:cNvSpPr>
@@ -291,13 +330,7 @@
       </p:sp>
       <p:sp>
         <p:nvSpPr>
-          <p:cNvPr id="6" name="Slide Number Placeholder 5">
-            <a:extLst>
-              <a:ext uri="{FF2B5EF4-FFF2-40B4-BE49-F238E27FC236}">
-                <a16:creationId xmlns:a16="http://schemas.microsoft.com/office/drawing/2014/main" id="{B3D91884-EB04-7B9D-D9A6-16BC94185BC7}"/>
-              </a:ext>
-            </a:extLst>
-          </p:cNvPr>
+          <p:cNvPr id="6" name="Slide Number Placeholder 5"/>
           <p:cNvSpPr>
             <a:spLocks noGrp="1"/>
           </p:cNvSpPr>
@@ -321,7 +354,7 @@
     </p:spTree>
     <p:extLst>
       <p:ext uri="{BB962C8B-B14F-4D97-AF65-F5344CB8AC3E}">
-        <p14:creationId xmlns:p14="http://schemas.microsoft.com/office/powerpoint/2010/main" val="3787161227"/>
+        <p14:creationId xmlns:p14="http://schemas.microsoft.com/office/powerpoint/2010/main" val="3947727289"/>
       </p:ext>
     </p:extLst>
   </p:cSld>
@@ -332,6 +365,2582 @@
 </file>
 
 <file path=ppt/slideLayouts/slideLayout10.xml><?xml version="1.0" encoding="utf-8"?>
+<p:sldLayout xmlns:a="http://schemas.openxmlformats.org/drawingml/2006/main" xmlns:r="http://schemas.openxmlformats.org/officeDocument/2006/relationships" xmlns:p="http://schemas.openxmlformats.org/presentationml/2006/main" preserve="1">
+  <p:cSld name="Panoramic Picture with Caption">
+    <p:spTree>
+      <p:nvGrpSpPr>
+        <p:cNvPr id="1" name=""/>
+        <p:cNvGrpSpPr/>
+        <p:nvPr/>
+      </p:nvGrpSpPr>
+      <p:grpSpPr>
+        <a:xfrm>
+          <a:off x="0" y="0"/>
+          <a:ext cx="0" cy="0"/>
+          <a:chOff x="0" y="0"/>
+          <a:chExt cx="0" cy="0"/>
+        </a:xfrm>
+      </p:grpSpPr>
+      <p:pic>
+        <p:nvPicPr>
+          <p:cNvPr id="16" name="Picture 15" descr="Slate-V2-HD-panoPhotoInset.png"/>
+          <p:cNvPicPr>
+            <a:picLocks noChangeAspect="1"/>
+          </p:cNvPicPr>
+          <p:nvPr/>
+        </p:nvPicPr>
+        <p:blipFill>
+          <a:blip r:embed="rId2">
+            <a:extLst>
+              <a:ext uri="{28A0092B-C50C-407E-A947-70E740481C1C}">
+                <a14:useLocalDpi xmlns:a14="http://schemas.microsoft.com/office/drawing/2010/main" val="0"/>
+              </a:ext>
+            </a:extLst>
+          </a:blip>
+          <a:stretch>
+            <a:fillRect/>
+          </a:stretch>
+        </p:blipFill>
+        <p:spPr>
+          <a:xfrm>
+            <a:off x="1013883" y="547807"/>
+            <a:ext cx="10141799" cy="3816806"/>
+          </a:xfrm>
+          <a:prstGeom prst="rect">
+            <a:avLst/>
+          </a:prstGeom>
+        </p:spPr>
+      </p:pic>
+      <p:sp>
+        <p:nvSpPr>
+          <p:cNvPr id="2" name="Title 1"/>
+          <p:cNvSpPr>
+            <a:spLocks noGrp="1"/>
+          </p:cNvSpPr>
+          <p:nvPr>
+            <p:ph type="title"/>
+          </p:nvPr>
+        </p:nvSpPr>
+        <p:spPr>
+          <a:xfrm>
+            <a:off x="913806" y="4565255"/>
+            <a:ext cx="10355326" cy="543472"/>
+          </a:xfrm>
+        </p:spPr>
+        <p:txBody>
+          <a:bodyPr anchor="b">
+            <a:normAutofit/>
+          </a:bodyPr>
+          <a:lstStyle>
+            <a:lvl1pPr algn="ctr">
+              <a:defRPr sz="2800"/>
+            </a:lvl1pPr>
+          </a:lstStyle>
+          <a:p>
+            <a:r>
+              <a:rPr lang="en-US"/>
+              <a:t>Click to edit Master title style</a:t>
+            </a:r>
+            <a:endParaRPr lang="en-US" dirty="0"/>
+          </a:p>
+        </p:txBody>
+      </p:sp>
+      <p:sp>
+        <p:nvSpPr>
+          <p:cNvPr id="3" name="Picture Placeholder 2"/>
+          <p:cNvSpPr>
+            <a:spLocks noGrp="1" noChangeAspect="1"/>
+          </p:cNvSpPr>
+          <p:nvPr>
+            <p:ph type="pic" idx="1"/>
+          </p:nvPr>
+        </p:nvSpPr>
+        <p:spPr>
+          <a:xfrm>
+            <a:off x="1169349" y="695009"/>
+            <a:ext cx="9845346" cy="3525671"/>
+          </a:xfrm>
+          <a:effectLst>
+            <a:outerShdw blurRad="38100" dist="25400" dir="4440000">
+              <a:srgbClr val="000000">
+                <a:alpha val="36000"/>
+              </a:srgbClr>
+            </a:outerShdw>
+          </a:effectLst>
+        </p:spPr>
+        <p:txBody>
+          <a:bodyPr anchor="t">
+            <a:normAutofit/>
+          </a:bodyPr>
+          <a:lstStyle>
+            <a:lvl1pPr marL="0" indent="0" algn="ctr">
+              <a:buNone/>
+              <a:defRPr sz="2000"/>
+            </a:lvl1pPr>
+            <a:lvl2pPr marL="457200" indent="0">
+              <a:buNone/>
+              <a:defRPr sz="2000"/>
+            </a:lvl2pPr>
+            <a:lvl3pPr marL="914400" indent="0">
+              <a:buNone/>
+              <a:defRPr sz="2000"/>
+            </a:lvl3pPr>
+            <a:lvl4pPr marL="1371600" indent="0">
+              <a:buNone/>
+              <a:defRPr sz="2000"/>
+            </a:lvl4pPr>
+            <a:lvl5pPr marL="1828800" indent="0">
+              <a:buNone/>
+              <a:defRPr sz="2000"/>
+            </a:lvl5pPr>
+            <a:lvl6pPr marL="2286000" indent="0">
+              <a:buNone/>
+              <a:defRPr sz="2000"/>
+            </a:lvl6pPr>
+            <a:lvl7pPr marL="2743200" indent="0">
+              <a:buNone/>
+              <a:defRPr sz="2000"/>
+            </a:lvl7pPr>
+            <a:lvl8pPr marL="3200400" indent="0">
+              <a:buNone/>
+              <a:defRPr sz="2000"/>
+            </a:lvl8pPr>
+            <a:lvl9pPr marL="3657600" indent="0">
+              <a:buNone/>
+              <a:defRPr sz="2000"/>
+            </a:lvl9pPr>
+          </a:lstStyle>
+          <a:p>
+            <a:r>
+              <a:rPr lang="en-US"/>
+              <a:t>Click icon to add picture</a:t>
+            </a:r>
+            <a:endParaRPr lang="en-US" dirty="0"/>
+          </a:p>
+        </p:txBody>
+      </p:sp>
+      <p:sp>
+        <p:nvSpPr>
+          <p:cNvPr id="4" name="Text Placeholder 3"/>
+          <p:cNvSpPr>
+            <a:spLocks noGrp="1"/>
+          </p:cNvSpPr>
+          <p:nvPr>
+            <p:ph type="body" sz="half" idx="2"/>
+          </p:nvPr>
+        </p:nvSpPr>
+        <p:spPr>
+          <a:xfrm>
+            <a:off x="913795" y="5108728"/>
+            <a:ext cx="10353762" cy="682472"/>
+          </a:xfrm>
+        </p:spPr>
+        <p:txBody>
+          <a:bodyPr anchor="t"/>
+          <a:lstStyle>
+            <a:lvl1pPr marL="0" indent="0" algn="ctr">
+              <a:buNone/>
+              <a:defRPr sz="1600"/>
+            </a:lvl1pPr>
+            <a:lvl2pPr marL="457200" indent="0">
+              <a:buNone/>
+              <a:defRPr sz="1400"/>
+            </a:lvl2pPr>
+            <a:lvl3pPr marL="914400" indent="0">
+              <a:buNone/>
+              <a:defRPr sz="1200"/>
+            </a:lvl3pPr>
+            <a:lvl4pPr marL="1371600" indent="0">
+              <a:buNone/>
+              <a:defRPr sz="1000"/>
+            </a:lvl4pPr>
+            <a:lvl5pPr marL="1828800" indent="0">
+              <a:buNone/>
+              <a:defRPr sz="1000"/>
+            </a:lvl5pPr>
+            <a:lvl6pPr marL="2286000" indent="0">
+              <a:buNone/>
+              <a:defRPr sz="1000"/>
+            </a:lvl6pPr>
+            <a:lvl7pPr marL="2743200" indent="0">
+              <a:buNone/>
+              <a:defRPr sz="1000"/>
+            </a:lvl7pPr>
+            <a:lvl8pPr marL="3200400" indent="0">
+              <a:buNone/>
+              <a:defRPr sz="1000"/>
+            </a:lvl8pPr>
+            <a:lvl9pPr marL="3657600" indent="0">
+              <a:buNone/>
+              <a:defRPr sz="1000"/>
+            </a:lvl9pPr>
+          </a:lstStyle>
+          <a:p>
+            <a:pPr lvl="0"/>
+            <a:r>
+              <a:rPr lang="en-US"/>
+              <a:t>Click to edit Master text styles</a:t>
+            </a:r>
+          </a:p>
+        </p:txBody>
+      </p:sp>
+      <p:sp>
+        <p:nvSpPr>
+          <p:cNvPr id="5" name="Date Placeholder 4"/>
+          <p:cNvSpPr>
+            <a:spLocks noGrp="1"/>
+          </p:cNvSpPr>
+          <p:nvPr>
+            <p:ph type="dt" sz="half" idx="10"/>
+          </p:nvPr>
+        </p:nvSpPr>
+        <p:spPr/>
+        <p:txBody>
+          <a:bodyPr/>
+          <a:lstStyle/>
+          <a:p>
+            <a:fld id="{A22BCD6F-2A98-4151-B6C3-C15192657300}" type="datetimeFigureOut">
+              <a:rPr lang="en-GB" smtClean="0"/>
+              <a:t>05/05/2025</a:t>
+            </a:fld>
+            <a:endParaRPr lang="en-GB"/>
+          </a:p>
+        </p:txBody>
+      </p:sp>
+      <p:sp>
+        <p:nvSpPr>
+          <p:cNvPr id="6" name="Footer Placeholder 5"/>
+          <p:cNvSpPr>
+            <a:spLocks noGrp="1"/>
+          </p:cNvSpPr>
+          <p:nvPr>
+            <p:ph type="ftr" sz="quarter" idx="11"/>
+          </p:nvPr>
+        </p:nvSpPr>
+        <p:spPr/>
+        <p:txBody>
+          <a:bodyPr/>
+          <a:lstStyle/>
+          <a:p>
+            <a:endParaRPr lang="en-GB"/>
+          </a:p>
+        </p:txBody>
+      </p:sp>
+      <p:sp>
+        <p:nvSpPr>
+          <p:cNvPr id="7" name="Slide Number Placeholder 6"/>
+          <p:cNvSpPr>
+            <a:spLocks noGrp="1"/>
+          </p:cNvSpPr>
+          <p:nvPr>
+            <p:ph type="sldNum" sz="quarter" idx="12"/>
+          </p:nvPr>
+        </p:nvSpPr>
+        <p:spPr/>
+        <p:txBody>
+          <a:bodyPr/>
+          <a:lstStyle/>
+          <a:p>
+            <a:fld id="{076C8D9A-FA18-4E9D-B074-1C2F08E03965}" type="slidenum">
+              <a:rPr lang="en-GB" smtClean="0"/>
+              <a:t>‹#›</a:t>
+            </a:fld>
+            <a:endParaRPr lang="en-GB"/>
+          </a:p>
+        </p:txBody>
+      </p:sp>
+    </p:spTree>
+    <p:extLst>
+      <p:ext uri="{BB962C8B-B14F-4D97-AF65-F5344CB8AC3E}">
+        <p14:creationId xmlns:p14="http://schemas.microsoft.com/office/powerpoint/2010/main" val="1648855894"/>
+      </p:ext>
+    </p:extLst>
+  </p:cSld>
+  <p:clrMapOvr>
+    <a:masterClrMapping/>
+  </p:clrMapOvr>
+</p:sldLayout>
+</file>
+
+<file path=ppt/slideLayouts/slideLayout11.xml><?xml version="1.0" encoding="utf-8"?>
+<p:sldLayout xmlns:a="http://schemas.openxmlformats.org/drawingml/2006/main" xmlns:r="http://schemas.openxmlformats.org/officeDocument/2006/relationships" xmlns:p="http://schemas.openxmlformats.org/presentationml/2006/main" preserve="1">
+  <p:cSld name="Title and Caption">
+    <p:spTree>
+      <p:nvGrpSpPr>
+        <p:cNvPr id="1" name=""/>
+        <p:cNvGrpSpPr/>
+        <p:nvPr/>
+      </p:nvGrpSpPr>
+      <p:grpSpPr>
+        <a:xfrm>
+          <a:off x="0" y="0"/>
+          <a:ext cx="0" cy="0"/>
+          <a:chOff x="0" y="0"/>
+          <a:chExt cx="0" cy="0"/>
+        </a:xfrm>
+      </p:grpSpPr>
+      <p:sp>
+        <p:nvSpPr>
+          <p:cNvPr id="2" name="Title 1"/>
+          <p:cNvSpPr>
+            <a:spLocks noGrp="1"/>
+          </p:cNvSpPr>
+          <p:nvPr>
+            <p:ph type="title"/>
+          </p:nvPr>
+        </p:nvSpPr>
+        <p:spPr>
+          <a:xfrm>
+            <a:off x="913795" y="608437"/>
+            <a:ext cx="10353762" cy="3534344"/>
+          </a:xfrm>
+        </p:spPr>
+        <p:txBody>
+          <a:bodyPr anchor="ctr"/>
+          <a:lstStyle>
+            <a:lvl1pPr>
+              <a:defRPr sz="3200"/>
+            </a:lvl1pPr>
+          </a:lstStyle>
+          <a:p>
+            <a:r>
+              <a:rPr lang="en-US"/>
+              <a:t>Click to edit Master title style</a:t>
+            </a:r>
+            <a:endParaRPr lang="en-US" dirty="0"/>
+          </a:p>
+        </p:txBody>
+      </p:sp>
+      <p:sp>
+        <p:nvSpPr>
+          <p:cNvPr id="4" name="Text Placeholder 3"/>
+          <p:cNvSpPr>
+            <a:spLocks noGrp="1"/>
+          </p:cNvSpPr>
+          <p:nvPr>
+            <p:ph type="body" sz="half" idx="2"/>
+          </p:nvPr>
+        </p:nvSpPr>
+        <p:spPr>
+          <a:xfrm>
+            <a:off x="913794" y="4295180"/>
+            <a:ext cx="10353763" cy="1501826"/>
+          </a:xfrm>
+        </p:spPr>
+        <p:txBody>
+          <a:bodyPr anchor="ctr"/>
+          <a:lstStyle>
+            <a:lvl1pPr marL="0" indent="0" algn="ctr">
+              <a:buNone/>
+              <a:defRPr sz="1600"/>
+            </a:lvl1pPr>
+            <a:lvl2pPr marL="457200" indent="0">
+              <a:buNone/>
+              <a:defRPr sz="1400"/>
+            </a:lvl2pPr>
+            <a:lvl3pPr marL="914400" indent="0">
+              <a:buNone/>
+              <a:defRPr sz="1200"/>
+            </a:lvl3pPr>
+            <a:lvl4pPr marL="1371600" indent="0">
+              <a:buNone/>
+              <a:defRPr sz="1000"/>
+            </a:lvl4pPr>
+            <a:lvl5pPr marL="1828800" indent="0">
+              <a:buNone/>
+              <a:defRPr sz="1000"/>
+            </a:lvl5pPr>
+            <a:lvl6pPr marL="2286000" indent="0">
+              <a:buNone/>
+              <a:defRPr sz="1000"/>
+            </a:lvl6pPr>
+            <a:lvl7pPr marL="2743200" indent="0">
+              <a:buNone/>
+              <a:defRPr sz="1000"/>
+            </a:lvl7pPr>
+            <a:lvl8pPr marL="3200400" indent="0">
+              <a:buNone/>
+              <a:defRPr sz="1000"/>
+            </a:lvl8pPr>
+            <a:lvl9pPr marL="3657600" indent="0">
+              <a:buNone/>
+              <a:defRPr sz="1000"/>
+            </a:lvl9pPr>
+          </a:lstStyle>
+          <a:p>
+            <a:pPr lvl="0"/>
+            <a:r>
+              <a:rPr lang="en-US"/>
+              <a:t>Click to edit Master text styles</a:t>
+            </a:r>
+          </a:p>
+        </p:txBody>
+      </p:sp>
+      <p:sp>
+        <p:nvSpPr>
+          <p:cNvPr id="5" name="Date Placeholder 4"/>
+          <p:cNvSpPr>
+            <a:spLocks noGrp="1"/>
+          </p:cNvSpPr>
+          <p:nvPr>
+            <p:ph type="dt" sz="half" idx="10"/>
+          </p:nvPr>
+        </p:nvSpPr>
+        <p:spPr/>
+        <p:txBody>
+          <a:bodyPr/>
+          <a:lstStyle/>
+          <a:p>
+            <a:fld id="{A22BCD6F-2A98-4151-B6C3-C15192657300}" type="datetimeFigureOut">
+              <a:rPr lang="en-GB" smtClean="0"/>
+              <a:t>05/05/2025</a:t>
+            </a:fld>
+            <a:endParaRPr lang="en-GB"/>
+          </a:p>
+        </p:txBody>
+      </p:sp>
+      <p:sp>
+        <p:nvSpPr>
+          <p:cNvPr id="6" name="Footer Placeholder 5"/>
+          <p:cNvSpPr>
+            <a:spLocks noGrp="1"/>
+          </p:cNvSpPr>
+          <p:nvPr>
+            <p:ph type="ftr" sz="quarter" idx="11"/>
+          </p:nvPr>
+        </p:nvSpPr>
+        <p:spPr/>
+        <p:txBody>
+          <a:bodyPr/>
+          <a:lstStyle/>
+          <a:p>
+            <a:endParaRPr lang="en-GB"/>
+          </a:p>
+        </p:txBody>
+      </p:sp>
+      <p:sp>
+        <p:nvSpPr>
+          <p:cNvPr id="7" name="Slide Number Placeholder 6"/>
+          <p:cNvSpPr>
+            <a:spLocks noGrp="1"/>
+          </p:cNvSpPr>
+          <p:nvPr>
+            <p:ph type="sldNum" sz="quarter" idx="12"/>
+          </p:nvPr>
+        </p:nvSpPr>
+        <p:spPr/>
+        <p:txBody>
+          <a:bodyPr/>
+          <a:lstStyle/>
+          <a:p>
+            <a:fld id="{076C8D9A-FA18-4E9D-B074-1C2F08E03965}" type="slidenum">
+              <a:rPr lang="en-GB" smtClean="0"/>
+              <a:t>‹#›</a:t>
+            </a:fld>
+            <a:endParaRPr lang="en-GB"/>
+          </a:p>
+        </p:txBody>
+      </p:sp>
+    </p:spTree>
+    <p:extLst>
+      <p:ext uri="{BB962C8B-B14F-4D97-AF65-F5344CB8AC3E}">
+        <p14:creationId xmlns:p14="http://schemas.microsoft.com/office/powerpoint/2010/main" val="744448501"/>
+      </p:ext>
+    </p:extLst>
+  </p:cSld>
+  <p:clrMapOvr>
+    <a:masterClrMapping/>
+  </p:clrMapOvr>
+</p:sldLayout>
+</file>
+
+<file path=ppt/slideLayouts/slideLayout12.xml><?xml version="1.0" encoding="utf-8"?>
+<p:sldLayout xmlns:a="http://schemas.openxmlformats.org/drawingml/2006/main" xmlns:r="http://schemas.openxmlformats.org/officeDocument/2006/relationships" xmlns:p="http://schemas.openxmlformats.org/presentationml/2006/main" preserve="1">
+  <p:cSld name="Quote with Caption">
+    <p:spTree>
+      <p:nvGrpSpPr>
+        <p:cNvPr id="1" name=""/>
+        <p:cNvGrpSpPr/>
+        <p:nvPr/>
+      </p:nvGrpSpPr>
+      <p:grpSpPr>
+        <a:xfrm>
+          <a:off x="0" y="0"/>
+          <a:ext cx="0" cy="0"/>
+          <a:chOff x="0" y="0"/>
+          <a:chExt cx="0" cy="0"/>
+        </a:xfrm>
+      </p:grpSpPr>
+      <p:sp>
+        <p:nvSpPr>
+          <p:cNvPr id="2" name="Title 1"/>
+          <p:cNvSpPr>
+            <a:spLocks noGrp="1"/>
+          </p:cNvSpPr>
+          <p:nvPr>
+            <p:ph type="title"/>
+          </p:nvPr>
+        </p:nvSpPr>
+        <p:spPr>
+          <a:xfrm>
+            <a:off x="1446212" y="609600"/>
+            <a:ext cx="9302752" cy="2992904"/>
+          </a:xfrm>
+        </p:spPr>
+        <p:txBody>
+          <a:bodyPr anchor="ctr"/>
+          <a:lstStyle>
+            <a:lvl1pPr>
+              <a:defRPr sz="3200"/>
+            </a:lvl1pPr>
+          </a:lstStyle>
+          <a:p>
+            <a:r>
+              <a:rPr lang="en-US"/>
+              <a:t>Click to edit Master title style</a:t>
+            </a:r>
+            <a:endParaRPr lang="en-US" dirty="0"/>
+          </a:p>
+        </p:txBody>
+      </p:sp>
+      <p:sp>
+        <p:nvSpPr>
+          <p:cNvPr id="12" name="Text Placeholder 3"/>
+          <p:cNvSpPr>
+            <a:spLocks noGrp="1"/>
+          </p:cNvSpPr>
+          <p:nvPr>
+            <p:ph type="body" sz="half" idx="13"/>
+          </p:nvPr>
+        </p:nvSpPr>
+        <p:spPr>
+          <a:xfrm>
+            <a:off x="1720644" y="3610032"/>
+            <a:ext cx="8752299" cy="532749"/>
+          </a:xfrm>
+        </p:spPr>
+        <p:txBody>
+          <a:bodyPr anchor="t">
+            <a:normAutofit/>
+          </a:bodyPr>
+          <a:lstStyle>
+            <a:lvl1pPr marL="0" indent="0" algn="r">
+              <a:buNone/>
+              <a:defRPr sz="1400"/>
+            </a:lvl1pPr>
+            <a:lvl2pPr marL="457200" indent="0">
+              <a:buNone/>
+              <a:defRPr sz="1400"/>
+            </a:lvl2pPr>
+            <a:lvl3pPr marL="914400" indent="0">
+              <a:buNone/>
+              <a:defRPr sz="1200"/>
+            </a:lvl3pPr>
+            <a:lvl4pPr marL="1371600" indent="0">
+              <a:buNone/>
+              <a:defRPr sz="1000"/>
+            </a:lvl4pPr>
+            <a:lvl5pPr marL="1828800" indent="0">
+              <a:buNone/>
+              <a:defRPr sz="1000"/>
+            </a:lvl5pPr>
+            <a:lvl6pPr marL="2286000" indent="0">
+              <a:buNone/>
+              <a:defRPr sz="1000"/>
+            </a:lvl6pPr>
+            <a:lvl7pPr marL="2743200" indent="0">
+              <a:buNone/>
+              <a:defRPr sz="1000"/>
+            </a:lvl7pPr>
+            <a:lvl8pPr marL="3200400" indent="0">
+              <a:buNone/>
+              <a:defRPr sz="1000"/>
+            </a:lvl8pPr>
+            <a:lvl9pPr marL="3657600" indent="0">
+              <a:buNone/>
+              <a:defRPr sz="1000"/>
+            </a:lvl9pPr>
+          </a:lstStyle>
+          <a:p>
+            <a:pPr lvl="0"/>
+            <a:r>
+              <a:rPr lang="en-US"/>
+              <a:t>Click to edit Master text styles</a:t>
+            </a:r>
+          </a:p>
+        </p:txBody>
+      </p:sp>
+      <p:sp>
+        <p:nvSpPr>
+          <p:cNvPr id="4" name="Text Placeholder 3"/>
+          <p:cNvSpPr>
+            <a:spLocks noGrp="1"/>
+          </p:cNvSpPr>
+          <p:nvPr>
+            <p:ph type="body" sz="half" idx="2"/>
+          </p:nvPr>
+        </p:nvSpPr>
+        <p:spPr>
+          <a:xfrm>
+            <a:off x="913794" y="4304353"/>
+            <a:ext cx="10353763" cy="1489496"/>
+          </a:xfrm>
+        </p:spPr>
+        <p:txBody>
+          <a:bodyPr anchor="ctr">
+            <a:normAutofit/>
+          </a:bodyPr>
+          <a:lstStyle>
+            <a:lvl1pPr marL="0" indent="0" algn="ctr">
+              <a:buNone/>
+              <a:defRPr sz="1600"/>
+            </a:lvl1pPr>
+            <a:lvl2pPr marL="457200" indent="0">
+              <a:buNone/>
+              <a:defRPr sz="1400"/>
+            </a:lvl2pPr>
+            <a:lvl3pPr marL="914400" indent="0">
+              <a:buNone/>
+              <a:defRPr sz="1200"/>
+            </a:lvl3pPr>
+            <a:lvl4pPr marL="1371600" indent="0">
+              <a:buNone/>
+              <a:defRPr sz="1000"/>
+            </a:lvl4pPr>
+            <a:lvl5pPr marL="1828800" indent="0">
+              <a:buNone/>
+              <a:defRPr sz="1000"/>
+            </a:lvl5pPr>
+            <a:lvl6pPr marL="2286000" indent="0">
+              <a:buNone/>
+              <a:defRPr sz="1000"/>
+            </a:lvl6pPr>
+            <a:lvl7pPr marL="2743200" indent="0">
+              <a:buNone/>
+              <a:defRPr sz="1000"/>
+            </a:lvl7pPr>
+            <a:lvl8pPr marL="3200400" indent="0">
+              <a:buNone/>
+              <a:defRPr sz="1000"/>
+            </a:lvl8pPr>
+            <a:lvl9pPr marL="3657600" indent="0">
+              <a:buNone/>
+              <a:defRPr sz="1000"/>
+            </a:lvl9pPr>
+          </a:lstStyle>
+          <a:p>
+            <a:pPr lvl="0"/>
+            <a:r>
+              <a:rPr lang="en-US"/>
+              <a:t>Click to edit Master text styles</a:t>
+            </a:r>
+          </a:p>
+        </p:txBody>
+      </p:sp>
+      <p:sp>
+        <p:nvSpPr>
+          <p:cNvPr id="5" name="Date Placeholder 4"/>
+          <p:cNvSpPr>
+            <a:spLocks noGrp="1"/>
+          </p:cNvSpPr>
+          <p:nvPr>
+            <p:ph type="dt" sz="half" idx="10"/>
+          </p:nvPr>
+        </p:nvSpPr>
+        <p:spPr/>
+        <p:txBody>
+          <a:bodyPr/>
+          <a:lstStyle/>
+          <a:p>
+            <a:fld id="{A22BCD6F-2A98-4151-B6C3-C15192657300}" type="datetimeFigureOut">
+              <a:rPr lang="en-GB" smtClean="0"/>
+              <a:t>05/05/2025</a:t>
+            </a:fld>
+            <a:endParaRPr lang="en-GB"/>
+          </a:p>
+        </p:txBody>
+      </p:sp>
+      <p:sp>
+        <p:nvSpPr>
+          <p:cNvPr id="6" name="Footer Placeholder 5"/>
+          <p:cNvSpPr>
+            <a:spLocks noGrp="1"/>
+          </p:cNvSpPr>
+          <p:nvPr>
+            <p:ph type="ftr" sz="quarter" idx="11"/>
+          </p:nvPr>
+        </p:nvSpPr>
+        <p:spPr/>
+        <p:txBody>
+          <a:bodyPr/>
+          <a:lstStyle/>
+          <a:p>
+            <a:endParaRPr lang="en-GB"/>
+          </a:p>
+        </p:txBody>
+      </p:sp>
+      <p:sp>
+        <p:nvSpPr>
+          <p:cNvPr id="7" name="Slide Number Placeholder 6"/>
+          <p:cNvSpPr>
+            <a:spLocks noGrp="1"/>
+          </p:cNvSpPr>
+          <p:nvPr>
+            <p:ph type="sldNum" sz="quarter" idx="12"/>
+          </p:nvPr>
+        </p:nvSpPr>
+        <p:spPr/>
+        <p:txBody>
+          <a:bodyPr/>
+          <a:lstStyle/>
+          <a:p>
+            <a:fld id="{076C8D9A-FA18-4E9D-B074-1C2F08E03965}" type="slidenum">
+              <a:rPr lang="en-GB" smtClean="0"/>
+              <a:t>‹#›</a:t>
+            </a:fld>
+            <a:endParaRPr lang="en-GB"/>
+          </a:p>
+        </p:txBody>
+      </p:sp>
+      <p:sp>
+        <p:nvSpPr>
+          <p:cNvPr id="11" name="TextBox 10"/>
+          <p:cNvSpPr txBox="1"/>
+          <p:nvPr/>
+        </p:nvSpPr>
+        <p:spPr>
+          <a:xfrm>
+            <a:off x="990600" y="884796"/>
+            <a:ext cx="609600" cy="584776"/>
+          </a:xfrm>
+          <a:prstGeom prst="rect">
+            <a:avLst/>
+          </a:prstGeom>
+        </p:spPr>
+        <p:txBody>
+          <a:bodyPr vert="horz" lIns="91440" tIns="45720" rIns="91440" bIns="45720" rtlCol="0" anchor="ctr">
+            <a:noAutofit/>
+          </a:bodyPr>
+          <a:lstStyle>
+            <a:lvl1pPr>
+              <a:spcBef>
+                <a:spcPct val="0"/>
+              </a:spcBef>
+              <a:buNone/>
+              <a:defRPr sz="3200" b="0" cap="all">
+                <a:ln w="3175" cmpd="sng">
+                  <a:noFill/>
+                </a:ln>
+                <a:effectLst>
+                  <a:glow rad="38100">
+                    <a:schemeClr val="bg1">
+                      <a:lumMod val="65000"/>
+                      <a:lumOff val="35000"/>
+                      <a:alpha val="40000"/>
+                    </a:schemeClr>
+                  </a:glow>
+                  <a:outerShdw blurRad="28575" dist="38100" dir="14040000" algn="tl" rotWithShape="0">
+                    <a:srgbClr val="000000">
+                      <a:alpha val="25000"/>
+                    </a:srgbClr>
+                  </a:outerShdw>
+                </a:effectLst>
+              </a:defRPr>
+            </a:lvl1pPr>
+            <a:lvl2pPr>
+              <a:defRPr>
+                <a:solidFill>
+                  <a:schemeClr val="tx2"/>
+                </a:solidFill>
+              </a:defRPr>
+            </a:lvl2pPr>
+            <a:lvl3pPr>
+              <a:defRPr>
+                <a:solidFill>
+                  <a:schemeClr val="tx2"/>
+                </a:solidFill>
+              </a:defRPr>
+            </a:lvl3pPr>
+            <a:lvl4pPr>
+              <a:defRPr>
+                <a:solidFill>
+                  <a:schemeClr val="tx2"/>
+                </a:solidFill>
+              </a:defRPr>
+            </a:lvl4pPr>
+            <a:lvl5pPr>
+              <a:defRPr>
+                <a:solidFill>
+                  <a:schemeClr val="tx2"/>
+                </a:solidFill>
+              </a:defRPr>
+            </a:lvl5pPr>
+            <a:lvl6pPr>
+              <a:defRPr>
+                <a:solidFill>
+                  <a:schemeClr val="tx2"/>
+                </a:solidFill>
+              </a:defRPr>
+            </a:lvl6pPr>
+            <a:lvl7pPr>
+              <a:defRPr>
+                <a:solidFill>
+                  <a:schemeClr val="tx2"/>
+                </a:solidFill>
+              </a:defRPr>
+            </a:lvl7pPr>
+            <a:lvl8pPr>
+              <a:defRPr>
+                <a:solidFill>
+                  <a:schemeClr val="tx2"/>
+                </a:solidFill>
+              </a:defRPr>
+            </a:lvl8pPr>
+            <a:lvl9pPr>
+              <a:defRPr>
+                <a:solidFill>
+                  <a:schemeClr val="tx2"/>
+                </a:solidFill>
+              </a:defRPr>
+            </a:lvl9pPr>
+          </a:lstStyle>
+          <a:p>
+            <a:pPr lvl="0"/>
+            <a:r>
+              <a:rPr lang="en-US" sz="8000" dirty="0">
+                <a:solidFill>
+                  <a:schemeClr val="tx1"/>
+                </a:solidFill>
+                <a:effectLst/>
+              </a:rPr>
+              <a:t>“</a:t>
+            </a:r>
+          </a:p>
+        </p:txBody>
+      </p:sp>
+      <p:sp>
+        <p:nvSpPr>
+          <p:cNvPr id="13" name="TextBox 12"/>
+          <p:cNvSpPr txBox="1"/>
+          <p:nvPr/>
+        </p:nvSpPr>
+        <p:spPr>
+          <a:xfrm>
+            <a:off x="10504716" y="2928258"/>
+            <a:ext cx="609600" cy="584776"/>
+          </a:xfrm>
+          <a:prstGeom prst="rect">
+            <a:avLst/>
+          </a:prstGeom>
+        </p:spPr>
+        <p:txBody>
+          <a:bodyPr vert="horz" lIns="91440" tIns="45720" rIns="91440" bIns="45720" rtlCol="0" anchor="ctr">
+            <a:noAutofit/>
+          </a:bodyPr>
+          <a:lstStyle>
+            <a:lvl1pPr>
+              <a:spcBef>
+                <a:spcPct val="0"/>
+              </a:spcBef>
+              <a:buNone/>
+              <a:defRPr sz="3200" b="0" cap="all">
+                <a:ln w="3175" cmpd="sng">
+                  <a:noFill/>
+                </a:ln>
+                <a:effectLst>
+                  <a:glow rad="38100">
+                    <a:schemeClr val="bg1">
+                      <a:lumMod val="65000"/>
+                      <a:lumOff val="35000"/>
+                      <a:alpha val="40000"/>
+                    </a:schemeClr>
+                  </a:glow>
+                  <a:outerShdw blurRad="28575" dist="38100" dir="14040000" algn="tl" rotWithShape="0">
+                    <a:srgbClr val="000000">
+                      <a:alpha val="25000"/>
+                    </a:srgbClr>
+                  </a:outerShdw>
+                </a:effectLst>
+              </a:defRPr>
+            </a:lvl1pPr>
+            <a:lvl2pPr>
+              <a:defRPr>
+                <a:solidFill>
+                  <a:schemeClr val="tx2"/>
+                </a:solidFill>
+              </a:defRPr>
+            </a:lvl2pPr>
+            <a:lvl3pPr>
+              <a:defRPr>
+                <a:solidFill>
+                  <a:schemeClr val="tx2"/>
+                </a:solidFill>
+              </a:defRPr>
+            </a:lvl3pPr>
+            <a:lvl4pPr>
+              <a:defRPr>
+                <a:solidFill>
+                  <a:schemeClr val="tx2"/>
+                </a:solidFill>
+              </a:defRPr>
+            </a:lvl4pPr>
+            <a:lvl5pPr>
+              <a:defRPr>
+                <a:solidFill>
+                  <a:schemeClr val="tx2"/>
+                </a:solidFill>
+              </a:defRPr>
+            </a:lvl5pPr>
+            <a:lvl6pPr>
+              <a:defRPr>
+                <a:solidFill>
+                  <a:schemeClr val="tx2"/>
+                </a:solidFill>
+              </a:defRPr>
+            </a:lvl6pPr>
+            <a:lvl7pPr>
+              <a:defRPr>
+                <a:solidFill>
+                  <a:schemeClr val="tx2"/>
+                </a:solidFill>
+              </a:defRPr>
+            </a:lvl7pPr>
+            <a:lvl8pPr>
+              <a:defRPr>
+                <a:solidFill>
+                  <a:schemeClr val="tx2"/>
+                </a:solidFill>
+              </a:defRPr>
+            </a:lvl8pPr>
+            <a:lvl9pPr>
+              <a:defRPr>
+                <a:solidFill>
+                  <a:schemeClr val="tx2"/>
+                </a:solidFill>
+              </a:defRPr>
+            </a:lvl9pPr>
+          </a:lstStyle>
+          <a:p>
+            <a:pPr lvl="0" algn="r"/>
+            <a:r>
+              <a:rPr lang="en-US" sz="8000" dirty="0">
+                <a:solidFill>
+                  <a:schemeClr val="tx1"/>
+                </a:solidFill>
+                <a:effectLst/>
+              </a:rPr>
+              <a:t>”</a:t>
+            </a:r>
+          </a:p>
+        </p:txBody>
+      </p:sp>
+    </p:spTree>
+    <p:extLst>
+      <p:ext uri="{BB962C8B-B14F-4D97-AF65-F5344CB8AC3E}">
+        <p14:creationId xmlns:p14="http://schemas.microsoft.com/office/powerpoint/2010/main" val="1311428348"/>
+      </p:ext>
+    </p:extLst>
+  </p:cSld>
+  <p:clrMapOvr>
+    <a:masterClrMapping/>
+  </p:clrMapOvr>
+</p:sldLayout>
+</file>
+
+<file path=ppt/slideLayouts/slideLayout13.xml><?xml version="1.0" encoding="utf-8"?>
+<p:sldLayout xmlns:a="http://schemas.openxmlformats.org/drawingml/2006/main" xmlns:r="http://schemas.openxmlformats.org/officeDocument/2006/relationships" xmlns:p="http://schemas.openxmlformats.org/presentationml/2006/main" preserve="1">
+  <p:cSld name="Name Card">
+    <p:spTree>
+      <p:nvGrpSpPr>
+        <p:cNvPr id="1" name=""/>
+        <p:cNvGrpSpPr/>
+        <p:nvPr/>
+      </p:nvGrpSpPr>
+      <p:grpSpPr>
+        <a:xfrm>
+          <a:off x="0" y="0"/>
+          <a:ext cx="0" cy="0"/>
+          <a:chOff x="0" y="0"/>
+          <a:chExt cx="0" cy="0"/>
+        </a:xfrm>
+      </p:grpSpPr>
+      <p:sp>
+        <p:nvSpPr>
+          <p:cNvPr id="2" name="Title 1"/>
+          <p:cNvSpPr>
+            <a:spLocks noGrp="1"/>
+          </p:cNvSpPr>
+          <p:nvPr>
+            <p:ph type="title"/>
+          </p:nvPr>
+        </p:nvSpPr>
+        <p:spPr>
+          <a:xfrm>
+            <a:off x="913794" y="2126942"/>
+            <a:ext cx="10353763" cy="2511835"/>
+          </a:xfrm>
+        </p:spPr>
+        <p:txBody>
+          <a:bodyPr anchor="b"/>
+          <a:lstStyle>
+            <a:lvl1pPr>
+              <a:defRPr sz="3200"/>
+            </a:lvl1pPr>
+          </a:lstStyle>
+          <a:p>
+            <a:r>
+              <a:rPr lang="en-US"/>
+              <a:t>Click to edit Master title style</a:t>
+            </a:r>
+            <a:endParaRPr lang="en-US" dirty="0"/>
+          </a:p>
+        </p:txBody>
+      </p:sp>
+      <p:sp>
+        <p:nvSpPr>
+          <p:cNvPr id="4" name="Text Placeholder 3"/>
+          <p:cNvSpPr>
+            <a:spLocks noGrp="1"/>
+          </p:cNvSpPr>
+          <p:nvPr>
+            <p:ph type="body" sz="half" idx="2"/>
+          </p:nvPr>
+        </p:nvSpPr>
+        <p:spPr>
+          <a:xfrm>
+            <a:off x="913784" y="4650556"/>
+            <a:ext cx="10352199" cy="1140644"/>
+          </a:xfrm>
+        </p:spPr>
+        <p:txBody>
+          <a:bodyPr anchor="t"/>
+          <a:lstStyle>
+            <a:lvl1pPr marL="0" indent="0" algn="ctr">
+              <a:buNone/>
+              <a:defRPr sz="1600"/>
+            </a:lvl1pPr>
+            <a:lvl2pPr marL="457200" indent="0">
+              <a:buNone/>
+              <a:defRPr sz="1400"/>
+            </a:lvl2pPr>
+            <a:lvl3pPr marL="914400" indent="0">
+              <a:buNone/>
+              <a:defRPr sz="1200"/>
+            </a:lvl3pPr>
+            <a:lvl4pPr marL="1371600" indent="0">
+              <a:buNone/>
+              <a:defRPr sz="1000"/>
+            </a:lvl4pPr>
+            <a:lvl5pPr marL="1828800" indent="0">
+              <a:buNone/>
+              <a:defRPr sz="1000"/>
+            </a:lvl5pPr>
+            <a:lvl6pPr marL="2286000" indent="0">
+              <a:buNone/>
+              <a:defRPr sz="1000"/>
+            </a:lvl6pPr>
+            <a:lvl7pPr marL="2743200" indent="0">
+              <a:buNone/>
+              <a:defRPr sz="1000"/>
+            </a:lvl7pPr>
+            <a:lvl8pPr marL="3200400" indent="0">
+              <a:buNone/>
+              <a:defRPr sz="1000"/>
+            </a:lvl8pPr>
+            <a:lvl9pPr marL="3657600" indent="0">
+              <a:buNone/>
+              <a:defRPr sz="1000"/>
+            </a:lvl9pPr>
+          </a:lstStyle>
+          <a:p>
+            <a:pPr lvl="0"/>
+            <a:r>
+              <a:rPr lang="en-US"/>
+              <a:t>Click to edit Master text styles</a:t>
+            </a:r>
+          </a:p>
+        </p:txBody>
+      </p:sp>
+      <p:sp>
+        <p:nvSpPr>
+          <p:cNvPr id="5" name="Date Placeholder 4"/>
+          <p:cNvSpPr>
+            <a:spLocks noGrp="1"/>
+          </p:cNvSpPr>
+          <p:nvPr>
+            <p:ph type="dt" sz="half" idx="10"/>
+          </p:nvPr>
+        </p:nvSpPr>
+        <p:spPr/>
+        <p:txBody>
+          <a:bodyPr/>
+          <a:lstStyle/>
+          <a:p>
+            <a:fld id="{A22BCD6F-2A98-4151-B6C3-C15192657300}" type="datetimeFigureOut">
+              <a:rPr lang="en-GB" smtClean="0"/>
+              <a:t>05/05/2025</a:t>
+            </a:fld>
+            <a:endParaRPr lang="en-GB"/>
+          </a:p>
+        </p:txBody>
+      </p:sp>
+      <p:sp>
+        <p:nvSpPr>
+          <p:cNvPr id="6" name="Footer Placeholder 5"/>
+          <p:cNvSpPr>
+            <a:spLocks noGrp="1"/>
+          </p:cNvSpPr>
+          <p:nvPr>
+            <p:ph type="ftr" sz="quarter" idx="11"/>
+          </p:nvPr>
+        </p:nvSpPr>
+        <p:spPr/>
+        <p:txBody>
+          <a:bodyPr/>
+          <a:lstStyle/>
+          <a:p>
+            <a:endParaRPr lang="en-GB"/>
+          </a:p>
+        </p:txBody>
+      </p:sp>
+      <p:sp>
+        <p:nvSpPr>
+          <p:cNvPr id="7" name="Slide Number Placeholder 6"/>
+          <p:cNvSpPr>
+            <a:spLocks noGrp="1"/>
+          </p:cNvSpPr>
+          <p:nvPr>
+            <p:ph type="sldNum" sz="quarter" idx="12"/>
+          </p:nvPr>
+        </p:nvSpPr>
+        <p:spPr/>
+        <p:txBody>
+          <a:bodyPr/>
+          <a:lstStyle/>
+          <a:p>
+            <a:fld id="{076C8D9A-FA18-4E9D-B074-1C2F08E03965}" type="slidenum">
+              <a:rPr lang="en-GB" smtClean="0"/>
+              <a:t>‹#›</a:t>
+            </a:fld>
+            <a:endParaRPr lang="en-GB"/>
+          </a:p>
+        </p:txBody>
+      </p:sp>
+    </p:spTree>
+    <p:extLst>
+      <p:ext uri="{BB962C8B-B14F-4D97-AF65-F5344CB8AC3E}">
+        <p14:creationId xmlns:p14="http://schemas.microsoft.com/office/powerpoint/2010/main" val="91676296"/>
+      </p:ext>
+    </p:extLst>
+  </p:cSld>
+  <p:clrMapOvr>
+    <a:masterClrMapping/>
+  </p:clrMapOvr>
+</p:sldLayout>
+</file>
+
+<file path=ppt/slideLayouts/slideLayout14.xml><?xml version="1.0" encoding="utf-8"?>
+<p:sldLayout xmlns:a="http://schemas.openxmlformats.org/drawingml/2006/main" xmlns:r="http://schemas.openxmlformats.org/officeDocument/2006/relationships" xmlns:p="http://schemas.openxmlformats.org/presentationml/2006/main" preserve="1">
+  <p:cSld name="3 Column">
+    <p:spTree>
+      <p:nvGrpSpPr>
+        <p:cNvPr id="1" name=""/>
+        <p:cNvGrpSpPr/>
+        <p:nvPr/>
+      </p:nvGrpSpPr>
+      <p:grpSpPr>
+        <a:xfrm>
+          <a:off x="0" y="0"/>
+          <a:ext cx="0" cy="0"/>
+          <a:chOff x="0" y="0"/>
+          <a:chExt cx="0" cy="0"/>
+        </a:xfrm>
+      </p:grpSpPr>
+      <p:sp>
+        <p:nvSpPr>
+          <p:cNvPr id="15" name="Title 1"/>
+          <p:cNvSpPr>
+            <a:spLocks noGrp="1"/>
+          </p:cNvSpPr>
+          <p:nvPr>
+            <p:ph type="title"/>
+          </p:nvPr>
+        </p:nvSpPr>
+        <p:spPr>
+          <a:xfrm>
+            <a:off x="913795" y="609600"/>
+            <a:ext cx="10353762" cy="970450"/>
+          </a:xfrm>
+        </p:spPr>
+        <p:txBody>
+          <a:bodyPr/>
+          <a:lstStyle/>
+          <a:p>
+            <a:r>
+              <a:rPr lang="en-US"/>
+              <a:t>Click to edit Master title style</a:t>
+            </a:r>
+            <a:endParaRPr lang="en-US" dirty="0"/>
+          </a:p>
+        </p:txBody>
+      </p:sp>
+      <p:sp>
+        <p:nvSpPr>
+          <p:cNvPr id="7" name="Text Placeholder 2"/>
+          <p:cNvSpPr>
+            <a:spLocks noGrp="1"/>
+          </p:cNvSpPr>
+          <p:nvPr>
+            <p:ph type="body" idx="1"/>
+          </p:nvPr>
+        </p:nvSpPr>
+        <p:spPr>
+          <a:xfrm>
+            <a:off x="913795" y="1885950"/>
+            <a:ext cx="3300984" cy="576262"/>
+          </a:xfrm>
+        </p:spPr>
+        <p:txBody>
+          <a:bodyPr anchor="b">
+            <a:noAutofit/>
+          </a:bodyPr>
+          <a:lstStyle>
+            <a:lvl1pPr marL="0" indent="0" algn="ctr">
+              <a:buNone/>
+              <a:defRPr sz="2400" b="0">
+                <a:solidFill>
+                  <a:schemeClr val="tx1"/>
+                </a:solidFill>
+              </a:defRPr>
+            </a:lvl1pPr>
+            <a:lvl2pPr marL="457200" indent="0">
+              <a:buNone/>
+              <a:defRPr sz="2000" b="1"/>
+            </a:lvl2pPr>
+            <a:lvl3pPr marL="914400" indent="0">
+              <a:buNone/>
+              <a:defRPr sz="1800" b="1"/>
+            </a:lvl3pPr>
+            <a:lvl4pPr marL="1371600" indent="0">
+              <a:buNone/>
+              <a:defRPr sz="1600" b="1"/>
+            </a:lvl4pPr>
+            <a:lvl5pPr marL="1828800" indent="0">
+              <a:buNone/>
+              <a:defRPr sz="1600" b="1"/>
+            </a:lvl5pPr>
+            <a:lvl6pPr marL="2286000" indent="0">
+              <a:buNone/>
+              <a:defRPr sz="1600" b="1"/>
+            </a:lvl6pPr>
+            <a:lvl7pPr marL="2743200" indent="0">
+              <a:buNone/>
+              <a:defRPr sz="1600" b="1"/>
+            </a:lvl7pPr>
+            <a:lvl8pPr marL="3200400" indent="0">
+              <a:buNone/>
+              <a:defRPr sz="1600" b="1"/>
+            </a:lvl8pPr>
+            <a:lvl9pPr marL="3657600" indent="0">
+              <a:buNone/>
+              <a:defRPr sz="1600" b="1"/>
+            </a:lvl9pPr>
+          </a:lstStyle>
+          <a:p>
+            <a:pPr lvl="0"/>
+            <a:r>
+              <a:rPr lang="en-US"/>
+              <a:t>Click to edit Master text styles</a:t>
+            </a:r>
+          </a:p>
+        </p:txBody>
+      </p:sp>
+      <p:sp>
+        <p:nvSpPr>
+          <p:cNvPr id="8" name="Text Placeholder 3"/>
+          <p:cNvSpPr>
+            <a:spLocks noGrp="1"/>
+          </p:cNvSpPr>
+          <p:nvPr>
+            <p:ph type="body" sz="half" idx="15"/>
+          </p:nvPr>
+        </p:nvSpPr>
+        <p:spPr>
+          <a:xfrm>
+            <a:off x="913795" y="2571750"/>
+            <a:ext cx="3300984" cy="3219450"/>
+          </a:xfrm>
+        </p:spPr>
+        <p:txBody>
+          <a:bodyPr anchor="t">
+            <a:normAutofit/>
+          </a:bodyPr>
+          <a:lstStyle>
+            <a:lvl1pPr marL="0" indent="0" algn="ctr">
+              <a:buNone/>
+              <a:defRPr sz="1400"/>
+            </a:lvl1pPr>
+            <a:lvl2pPr marL="457200" indent="0">
+              <a:buNone/>
+              <a:defRPr sz="1200"/>
+            </a:lvl2pPr>
+            <a:lvl3pPr marL="914400" indent="0">
+              <a:buNone/>
+              <a:defRPr sz="1000"/>
+            </a:lvl3pPr>
+            <a:lvl4pPr marL="1371600" indent="0">
+              <a:buNone/>
+              <a:defRPr sz="900"/>
+            </a:lvl4pPr>
+            <a:lvl5pPr marL="1828800" indent="0">
+              <a:buNone/>
+              <a:defRPr sz="900"/>
+            </a:lvl5pPr>
+            <a:lvl6pPr marL="2286000" indent="0">
+              <a:buNone/>
+              <a:defRPr sz="900"/>
+            </a:lvl6pPr>
+            <a:lvl7pPr marL="2743200" indent="0">
+              <a:buNone/>
+              <a:defRPr sz="900"/>
+            </a:lvl7pPr>
+            <a:lvl8pPr marL="3200400" indent="0">
+              <a:buNone/>
+              <a:defRPr sz="900"/>
+            </a:lvl8pPr>
+            <a:lvl9pPr marL="3657600" indent="0">
+              <a:buNone/>
+              <a:defRPr sz="900"/>
+            </a:lvl9pPr>
+          </a:lstStyle>
+          <a:p>
+            <a:pPr lvl="0"/>
+            <a:r>
+              <a:rPr lang="en-US"/>
+              <a:t>Click to edit Master text styles</a:t>
+            </a:r>
+          </a:p>
+        </p:txBody>
+      </p:sp>
+      <p:sp>
+        <p:nvSpPr>
+          <p:cNvPr id="9" name="Text Placeholder 4"/>
+          <p:cNvSpPr>
+            <a:spLocks noGrp="1"/>
+          </p:cNvSpPr>
+          <p:nvPr>
+            <p:ph type="body" sz="quarter" idx="3"/>
+          </p:nvPr>
+        </p:nvSpPr>
+        <p:spPr>
+          <a:xfrm>
+            <a:off x="4446711" y="1885950"/>
+            <a:ext cx="3300984" cy="576262"/>
+          </a:xfrm>
+        </p:spPr>
+        <p:txBody>
+          <a:bodyPr anchor="b">
+            <a:noAutofit/>
+          </a:bodyPr>
+          <a:lstStyle>
+            <a:lvl1pPr marL="0" indent="0" algn="ctr">
+              <a:buNone/>
+              <a:defRPr sz="2400" b="0">
+                <a:solidFill>
+                  <a:schemeClr val="tx1"/>
+                </a:solidFill>
+              </a:defRPr>
+            </a:lvl1pPr>
+            <a:lvl2pPr marL="457200" indent="0">
+              <a:buNone/>
+              <a:defRPr sz="2000" b="1"/>
+            </a:lvl2pPr>
+            <a:lvl3pPr marL="914400" indent="0">
+              <a:buNone/>
+              <a:defRPr sz="1800" b="1"/>
+            </a:lvl3pPr>
+            <a:lvl4pPr marL="1371600" indent="0">
+              <a:buNone/>
+              <a:defRPr sz="1600" b="1"/>
+            </a:lvl4pPr>
+            <a:lvl5pPr marL="1828800" indent="0">
+              <a:buNone/>
+              <a:defRPr sz="1600" b="1"/>
+            </a:lvl5pPr>
+            <a:lvl6pPr marL="2286000" indent="0">
+              <a:buNone/>
+              <a:defRPr sz="1600" b="1"/>
+            </a:lvl6pPr>
+            <a:lvl7pPr marL="2743200" indent="0">
+              <a:buNone/>
+              <a:defRPr sz="1600" b="1"/>
+            </a:lvl7pPr>
+            <a:lvl8pPr marL="3200400" indent="0">
+              <a:buNone/>
+              <a:defRPr sz="1600" b="1"/>
+            </a:lvl8pPr>
+            <a:lvl9pPr marL="3657600" indent="0">
+              <a:buNone/>
+              <a:defRPr sz="1600" b="1"/>
+            </a:lvl9pPr>
+          </a:lstStyle>
+          <a:p>
+            <a:pPr lvl="0"/>
+            <a:r>
+              <a:rPr lang="en-US"/>
+              <a:t>Click to edit Master text styles</a:t>
+            </a:r>
+          </a:p>
+        </p:txBody>
+      </p:sp>
+      <p:sp>
+        <p:nvSpPr>
+          <p:cNvPr id="10" name="Text Placeholder 3"/>
+          <p:cNvSpPr>
+            <a:spLocks noGrp="1"/>
+          </p:cNvSpPr>
+          <p:nvPr>
+            <p:ph type="body" sz="half" idx="16"/>
+          </p:nvPr>
+        </p:nvSpPr>
+        <p:spPr>
+          <a:xfrm>
+            <a:off x="4441435" y="2571750"/>
+            <a:ext cx="3300984" cy="3219450"/>
+          </a:xfrm>
+        </p:spPr>
+        <p:txBody>
+          <a:bodyPr anchor="t">
+            <a:normAutofit/>
+          </a:bodyPr>
+          <a:lstStyle>
+            <a:lvl1pPr marL="0" indent="0" algn="ctr">
+              <a:buNone/>
+              <a:defRPr sz="1400"/>
+            </a:lvl1pPr>
+            <a:lvl2pPr marL="457200" indent="0">
+              <a:buNone/>
+              <a:defRPr sz="1200"/>
+            </a:lvl2pPr>
+            <a:lvl3pPr marL="914400" indent="0">
+              <a:buNone/>
+              <a:defRPr sz="1000"/>
+            </a:lvl3pPr>
+            <a:lvl4pPr marL="1371600" indent="0">
+              <a:buNone/>
+              <a:defRPr sz="900"/>
+            </a:lvl4pPr>
+            <a:lvl5pPr marL="1828800" indent="0">
+              <a:buNone/>
+              <a:defRPr sz="900"/>
+            </a:lvl5pPr>
+            <a:lvl6pPr marL="2286000" indent="0">
+              <a:buNone/>
+              <a:defRPr sz="900"/>
+            </a:lvl6pPr>
+            <a:lvl7pPr marL="2743200" indent="0">
+              <a:buNone/>
+              <a:defRPr sz="900"/>
+            </a:lvl7pPr>
+            <a:lvl8pPr marL="3200400" indent="0">
+              <a:buNone/>
+              <a:defRPr sz="900"/>
+            </a:lvl8pPr>
+            <a:lvl9pPr marL="3657600" indent="0">
+              <a:buNone/>
+              <a:defRPr sz="900"/>
+            </a:lvl9pPr>
+          </a:lstStyle>
+          <a:p>
+            <a:pPr lvl="0"/>
+            <a:r>
+              <a:rPr lang="en-US"/>
+              <a:t>Click to edit Master text styles</a:t>
+            </a:r>
+          </a:p>
+        </p:txBody>
+      </p:sp>
+      <p:sp>
+        <p:nvSpPr>
+          <p:cNvPr id="11" name="Text Placeholder 4"/>
+          <p:cNvSpPr>
+            <a:spLocks noGrp="1"/>
+          </p:cNvSpPr>
+          <p:nvPr>
+            <p:ph type="body" sz="quarter" idx="13"/>
+          </p:nvPr>
+        </p:nvSpPr>
+        <p:spPr>
+          <a:xfrm>
+            <a:off x="7966572" y="1885950"/>
+            <a:ext cx="3300984" cy="576262"/>
+          </a:xfrm>
+        </p:spPr>
+        <p:txBody>
+          <a:bodyPr anchor="b">
+            <a:noAutofit/>
+          </a:bodyPr>
+          <a:lstStyle>
+            <a:lvl1pPr marL="0" indent="0" algn="ctr">
+              <a:buNone/>
+              <a:defRPr sz="2400" b="0">
+                <a:solidFill>
+                  <a:schemeClr val="tx1"/>
+                </a:solidFill>
+              </a:defRPr>
+            </a:lvl1pPr>
+            <a:lvl2pPr marL="457200" indent="0">
+              <a:buNone/>
+              <a:defRPr sz="2000" b="1"/>
+            </a:lvl2pPr>
+            <a:lvl3pPr marL="914400" indent="0">
+              <a:buNone/>
+              <a:defRPr sz="1800" b="1"/>
+            </a:lvl3pPr>
+            <a:lvl4pPr marL="1371600" indent="0">
+              <a:buNone/>
+              <a:defRPr sz="1600" b="1"/>
+            </a:lvl4pPr>
+            <a:lvl5pPr marL="1828800" indent="0">
+              <a:buNone/>
+              <a:defRPr sz="1600" b="1"/>
+            </a:lvl5pPr>
+            <a:lvl6pPr marL="2286000" indent="0">
+              <a:buNone/>
+              <a:defRPr sz="1600" b="1"/>
+            </a:lvl6pPr>
+            <a:lvl7pPr marL="2743200" indent="0">
+              <a:buNone/>
+              <a:defRPr sz="1600" b="1"/>
+            </a:lvl7pPr>
+            <a:lvl8pPr marL="3200400" indent="0">
+              <a:buNone/>
+              <a:defRPr sz="1600" b="1"/>
+            </a:lvl8pPr>
+            <a:lvl9pPr marL="3657600" indent="0">
+              <a:buNone/>
+              <a:defRPr sz="1600" b="1"/>
+            </a:lvl9pPr>
+          </a:lstStyle>
+          <a:p>
+            <a:pPr lvl="0"/>
+            <a:r>
+              <a:rPr lang="en-US"/>
+              <a:t>Click to edit Master text styles</a:t>
+            </a:r>
+          </a:p>
+        </p:txBody>
+      </p:sp>
+      <p:sp>
+        <p:nvSpPr>
+          <p:cNvPr id="12" name="Text Placeholder 3"/>
+          <p:cNvSpPr>
+            <a:spLocks noGrp="1"/>
+          </p:cNvSpPr>
+          <p:nvPr>
+            <p:ph type="body" sz="half" idx="17"/>
+          </p:nvPr>
+        </p:nvSpPr>
+        <p:spPr>
+          <a:xfrm>
+            <a:off x="7966572" y="2571750"/>
+            <a:ext cx="3300984" cy="3219450"/>
+          </a:xfrm>
+        </p:spPr>
+        <p:txBody>
+          <a:bodyPr anchor="t">
+            <a:normAutofit/>
+          </a:bodyPr>
+          <a:lstStyle>
+            <a:lvl1pPr marL="0" indent="0" algn="ctr">
+              <a:buNone/>
+              <a:defRPr sz="1400"/>
+            </a:lvl1pPr>
+            <a:lvl2pPr marL="457200" indent="0">
+              <a:buNone/>
+              <a:defRPr sz="1200"/>
+            </a:lvl2pPr>
+            <a:lvl3pPr marL="914400" indent="0">
+              <a:buNone/>
+              <a:defRPr sz="1000"/>
+            </a:lvl3pPr>
+            <a:lvl4pPr marL="1371600" indent="0">
+              <a:buNone/>
+              <a:defRPr sz="900"/>
+            </a:lvl4pPr>
+            <a:lvl5pPr marL="1828800" indent="0">
+              <a:buNone/>
+              <a:defRPr sz="900"/>
+            </a:lvl5pPr>
+            <a:lvl6pPr marL="2286000" indent="0">
+              <a:buNone/>
+              <a:defRPr sz="900"/>
+            </a:lvl6pPr>
+            <a:lvl7pPr marL="2743200" indent="0">
+              <a:buNone/>
+              <a:defRPr sz="900"/>
+            </a:lvl7pPr>
+            <a:lvl8pPr marL="3200400" indent="0">
+              <a:buNone/>
+              <a:defRPr sz="900"/>
+            </a:lvl8pPr>
+            <a:lvl9pPr marL="3657600" indent="0">
+              <a:buNone/>
+              <a:defRPr sz="900"/>
+            </a:lvl9pPr>
+          </a:lstStyle>
+          <a:p>
+            <a:pPr lvl="0"/>
+            <a:r>
+              <a:rPr lang="en-US"/>
+              <a:t>Click to edit Master text styles</a:t>
+            </a:r>
+          </a:p>
+        </p:txBody>
+      </p:sp>
+      <p:sp>
+        <p:nvSpPr>
+          <p:cNvPr id="3" name="Date Placeholder 2"/>
+          <p:cNvSpPr>
+            <a:spLocks noGrp="1"/>
+          </p:cNvSpPr>
+          <p:nvPr>
+            <p:ph type="dt" sz="half" idx="10"/>
+          </p:nvPr>
+        </p:nvSpPr>
+        <p:spPr/>
+        <p:txBody>
+          <a:bodyPr/>
+          <a:lstStyle/>
+          <a:p>
+            <a:fld id="{A22BCD6F-2A98-4151-B6C3-C15192657300}" type="datetimeFigureOut">
+              <a:rPr lang="en-GB" smtClean="0"/>
+              <a:t>05/05/2025</a:t>
+            </a:fld>
+            <a:endParaRPr lang="en-GB"/>
+          </a:p>
+        </p:txBody>
+      </p:sp>
+      <p:sp>
+        <p:nvSpPr>
+          <p:cNvPr id="4" name="Footer Placeholder 3"/>
+          <p:cNvSpPr>
+            <a:spLocks noGrp="1"/>
+          </p:cNvSpPr>
+          <p:nvPr>
+            <p:ph type="ftr" sz="quarter" idx="11"/>
+          </p:nvPr>
+        </p:nvSpPr>
+        <p:spPr/>
+        <p:txBody>
+          <a:bodyPr/>
+          <a:lstStyle/>
+          <a:p>
+            <a:endParaRPr lang="en-GB"/>
+          </a:p>
+        </p:txBody>
+      </p:sp>
+      <p:sp>
+        <p:nvSpPr>
+          <p:cNvPr id="5" name="Slide Number Placeholder 4"/>
+          <p:cNvSpPr>
+            <a:spLocks noGrp="1"/>
+          </p:cNvSpPr>
+          <p:nvPr>
+            <p:ph type="sldNum" sz="quarter" idx="12"/>
+          </p:nvPr>
+        </p:nvSpPr>
+        <p:spPr/>
+        <p:txBody>
+          <a:bodyPr/>
+          <a:lstStyle/>
+          <a:p>
+            <a:fld id="{076C8D9A-FA18-4E9D-B074-1C2F08E03965}" type="slidenum">
+              <a:rPr lang="en-GB" smtClean="0"/>
+              <a:t>‹#›</a:t>
+            </a:fld>
+            <a:endParaRPr lang="en-GB"/>
+          </a:p>
+        </p:txBody>
+      </p:sp>
+    </p:spTree>
+    <p:extLst>
+      <p:ext uri="{BB962C8B-B14F-4D97-AF65-F5344CB8AC3E}">
+        <p14:creationId xmlns:p14="http://schemas.microsoft.com/office/powerpoint/2010/main" val="1214146594"/>
+      </p:ext>
+    </p:extLst>
+  </p:cSld>
+  <p:clrMapOvr>
+    <a:masterClrMapping/>
+  </p:clrMapOvr>
+</p:sldLayout>
+</file>
+
+<file path=ppt/slideLayouts/slideLayout15.xml><?xml version="1.0" encoding="utf-8"?>
+<p:sldLayout xmlns:a="http://schemas.openxmlformats.org/drawingml/2006/main" xmlns:r="http://schemas.openxmlformats.org/officeDocument/2006/relationships" xmlns:p="http://schemas.openxmlformats.org/presentationml/2006/main" preserve="1">
+  <p:cSld name="3 Picture Column">
+    <p:spTree>
+      <p:nvGrpSpPr>
+        <p:cNvPr id="1" name=""/>
+        <p:cNvGrpSpPr/>
+        <p:nvPr/>
+      </p:nvGrpSpPr>
+      <p:grpSpPr>
+        <a:xfrm>
+          <a:off x="0" y="0"/>
+          <a:ext cx="0" cy="0"/>
+          <a:chOff x="0" y="0"/>
+          <a:chExt cx="0" cy="0"/>
+        </a:xfrm>
+      </p:grpSpPr>
+      <p:pic>
+        <p:nvPicPr>
+          <p:cNvPr id="2" name="Picture 1" descr="Slate-V2-HD-3colPhotoInset.png"/>
+          <p:cNvPicPr>
+            <a:picLocks noChangeAspect="1"/>
+          </p:cNvPicPr>
+          <p:nvPr/>
+        </p:nvPicPr>
+        <p:blipFill>
+          <a:blip r:embed="rId2">
+            <a:extLst>
+              <a:ext uri="{28A0092B-C50C-407E-A947-70E740481C1C}">
+                <a14:useLocalDpi xmlns:a14="http://schemas.microsoft.com/office/drawing/2010/main" val="0"/>
+              </a:ext>
+            </a:extLst>
+          </a:blip>
+          <a:stretch>
+            <a:fillRect/>
+          </a:stretch>
+        </p:blipFill>
+        <p:spPr>
+          <a:xfrm>
+            <a:off x="897962" y="1818214"/>
+            <a:ext cx="3339972" cy="1847851"/>
+          </a:xfrm>
+          <a:prstGeom prst="rect">
+            <a:avLst/>
+          </a:prstGeom>
+        </p:spPr>
+      </p:pic>
+      <p:pic>
+        <p:nvPicPr>
+          <p:cNvPr id="36" name="Picture 35" descr="Slate-V2-HD-3colPhotoInset.png"/>
+          <p:cNvPicPr>
+            <a:picLocks noChangeAspect="1"/>
+          </p:cNvPicPr>
+          <p:nvPr/>
+        </p:nvPicPr>
+        <p:blipFill>
+          <a:blip r:embed="rId2">
+            <a:extLst>
+              <a:ext uri="{28A0092B-C50C-407E-A947-70E740481C1C}">
+                <a14:useLocalDpi xmlns:a14="http://schemas.microsoft.com/office/drawing/2010/main" val="0"/>
+              </a:ext>
+            </a:extLst>
+          </a:blip>
+          <a:stretch>
+            <a:fillRect/>
+          </a:stretch>
+        </p:blipFill>
+        <p:spPr>
+          <a:xfrm>
+            <a:off x="4403800" y="1818214"/>
+            <a:ext cx="3339972" cy="1847851"/>
+          </a:xfrm>
+          <a:prstGeom prst="rect">
+            <a:avLst/>
+          </a:prstGeom>
+        </p:spPr>
+      </p:pic>
+      <p:pic>
+        <p:nvPicPr>
+          <p:cNvPr id="37" name="Picture 36" descr="Slate-V2-HD-3colPhotoInset.png"/>
+          <p:cNvPicPr>
+            <a:picLocks noChangeAspect="1"/>
+          </p:cNvPicPr>
+          <p:nvPr/>
+        </p:nvPicPr>
+        <p:blipFill>
+          <a:blip r:embed="rId2">
+            <a:extLst>
+              <a:ext uri="{28A0092B-C50C-407E-A947-70E740481C1C}">
+                <a14:useLocalDpi xmlns:a14="http://schemas.microsoft.com/office/drawing/2010/main" val="0"/>
+              </a:ext>
+            </a:extLst>
+          </a:blip>
+          <a:stretch>
+            <a:fillRect/>
+          </a:stretch>
+        </p:blipFill>
+        <p:spPr>
+          <a:xfrm>
+            <a:off x="7936051" y="1818214"/>
+            <a:ext cx="3339972" cy="1847851"/>
+          </a:xfrm>
+          <a:prstGeom prst="rect">
+            <a:avLst/>
+          </a:prstGeom>
+        </p:spPr>
+      </p:pic>
+      <p:sp>
+        <p:nvSpPr>
+          <p:cNvPr id="30" name="Title 1"/>
+          <p:cNvSpPr>
+            <a:spLocks noGrp="1"/>
+          </p:cNvSpPr>
+          <p:nvPr>
+            <p:ph type="title"/>
+          </p:nvPr>
+        </p:nvSpPr>
+        <p:spPr>
+          <a:xfrm>
+            <a:off x="913794" y="609600"/>
+            <a:ext cx="10353763" cy="970450"/>
+          </a:xfrm>
+        </p:spPr>
+        <p:txBody>
+          <a:bodyPr/>
+          <a:lstStyle/>
+          <a:p>
+            <a:r>
+              <a:rPr lang="en-US"/>
+              <a:t>Click to edit Master title style</a:t>
+            </a:r>
+            <a:endParaRPr lang="en-US" dirty="0"/>
+          </a:p>
+        </p:txBody>
+      </p:sp>
+      <p:sp>
+        <p:nvSpPr>
+          <p:cNvPr id="19" name="Text Placeholder 2"/>
+          <p:cNvSpPr>
+            <a:spLocks noGrp="1"/>
+          </p:cNvSpPr>
+          <p:nvPr>
+            <p:ph type="body" idx="1"/>
+          </p:nvPr>
+        </p:nvSpPr>
+        <p:spPr>
+          <a:xfrm>
+            <a:off x="913795" y="3904106"/>
+            <a:ext cx="3300984" cy="576262"/>
+          </a:xfrm>
+        </p:spPr>
+        <p:txBody>
+          <a:bodyPr anchor="b">
+            <a:noAutofit/>
+          </a:bodyPr>
+          <a:lstStyle>
+            <a:lvl1pPr marL="0" indent="0" algn="ctr">
+              <a:buNone/>
+              <a:defRPr sz="2000" b="0">
+                <a:solidFill>
+                  <a:schemeClr val="tx1"/>
+                </a:solidFill>
+              </a:defRPr>
+            </a:lvl1pPr>
+            <a:lvl2pPr marL="457200" indent="0">
+              <a:buNone/>
+              <a:defRPr sz="2000" b="1"/>
+            </a:lvl2pPr>
+            <a:lvl3pPr marL="914400" indent="0">
+              <a:buNone/>
+              <a:defRPr sz="1800" b="1"/>
+            </a:lvl3pPr>
+            <a:lvl4pPr marL="1371600" indent="0">
+              <a:buNone/>
+              <a:defRPr sz="1600" b="1"/>
+            </a:lvl4pPr>
+            <a:lvl5pPr marL="1828800" indent="0">
+              <a:buNone/>
+              <a:defRPr sz="1600" b="1"/>
+            </a:lvl5pPr>
+            <a:lvl6pPr marL="2286000" indent="0">
+              <a:buNone/>
+              <a:defRPr sz="1600" b="1"/>
+            </a:lvl6pPr>
+            <a:lvl7pPr marL="2743200" indent="0">
+              <a:buNone/>
+              <a:defRPr sz="1600" b="1"/>
+            </a:lvl7pPr>
+            <a:lvl8pPr marL="3200400" indent="0">
+              <a:buNone/>
+              <a:defRPr sz="1600" b="1"/>
+            </a:lvl8pPr>
+            <a:lvl9pPr marL="3657600" indent="0">
+              <a:buNone/>
+              <a:defRPr sz="1600" b="1"/>
+            </a:lvl9pPr>
+          </a:lstStyle>
+          <a:p>
+            <a:pPr lvl="0"/>
+            <a:r>
+              <a:rPr lang="en-US"/>
+              <a:t>Click to edit Master text styles</a:t>
+            </a:r>
+          </a:p>
+        </p:txBody>
+      </p:sp>
+      <p:sp>
+        <p:nvSpPr>
+          <p:cNvPr id="20" name="Picture Placeholder 2"/>
+          <p:cNvSpPr>
+            <a:spLocks noGrp="1" noChangeAspect="1"/>
+          </p:cNvSpPr>
+          <p:nvPr>
+            <p:ph type="pic" idx="15"/>
+          </p:nvPr>
+        </p:nvSpPr>
+        <p:spPr>
+          <a:xfrm>
+            <a:off x="1018102" y="1938918"/>
+            <a:ext cx="3092368" cy="1602954"/>
+          </a:xfrm>
+          <a:prstGeom prst="roundRect">
+            <a:avLst>
+              <a:gd name="adj" fmla="val 1858"/>
+            </a:avLst>
+          </a:prstGeom>
+          <a:effectLst>
+            <a:outerShdw blurRad="38100" dist="25400" dir="4440000">
+              <a:srgbClr val="000000">
+                <a:alpha val="36000"/>
+              </a:srgbClr>
+            </a:outerShdw>
+          </a:effectLst>
+        </p:spPr>
+        <p:txBody>
+          <a:bodyPr anchor="t">
+            <a:normAutofit/>
+          </a:bodyPr>
+          <a:lstStyle>
+            <a:lvl1pPr marL="0" indent="0" algn="ctr">
+              <a:buNone/>
+              <a:defRPr sz="1600"/>
+            </a:lvl1pPr>
+            <a:lvl2pPr marL="457200" indent="0">
+              <a:buNone/>
+              <a:defRPr sz="1600"/>
+            </a:lvl2pPr>
+            <a:lvl3pPr marL="914400" indent="0">
+              <a:buNone/>
+              <a:defRPr sz="1600"/>
+            </a:lvl3pPr>
+            <a:lvl4pPr marL="1371600" indent="0">
+              <a:buNone/>
+              <a:defRPr sz="1600"/>
+            </a:lvl4pPr>
+            <a:lvl5pPr marL="1828800" indent="0">
+              <a:buNone/>
+              <a:defRPr sz="1600"/>
+            </a:lvl5pPr>
+            <a:lvl6pPr marL="2286000" indent="0">
+              <a:buNone/>
+              <a:defRPr sz="1600"/>
+            </a:lvl6pPr>
+            <a:lvl7pPr marL="2743200" indent="0">
+              <a:buNone/>
+              <a:defRPr sz="1600"/>
+            </a:lvl7pPr>
+            <a:lvl8pPr marL="3200400" indent="0">
+              <a:buNone/>
+              <a:defRPr sz="1600"/>
+            </a:lvl8pPr>
+            <a:lvl9pPr marL="3657600" indent="0">
+              <a:buNone/>
+              <a:defRPr sz="1600"/>
+            </a:lvl9pPr>
+          </a:lstStyle>
+          <a:p>
+            <a:r>
+              <a:rPr lang="en-US"/>
+              <a:t>Click icon to add picture</a:t>
+            </a:r>
+            <a:endParaRPr lang="en-US" dirty="0"/>
+          </a:p>
+        </p:txBody>
+      </p:sp>
+      <p:sp>
+        <p:nvSpPr>
+          <p:cNvPr id="21" name="Text Placeholder 3"/>
+          <p:cNvSpPr>
+            <a:spLocks noGrp="1"/>
+          </p:cNvSpPr>
+          <p:nvPr>
+            <p:ph type="body" sz="half" idx="18"/>
+          </p:nvPr>
+        </p:nvSpPr>
+        <p:spPr>
+          <a:xfrm>
+            <a:off x="913795" y="4480368"/>
+            <a:ext cx="3300984" cy="1310833"/>
+          </a:xfrm>
+        </p:spPr>
+        <p:txBody>
+          <a:bodyPr anchor="t">
+            <a:normAutofit/>
+          </a:bodyPr>
+          <a:lstStyle>
+            <a:lvl1pPr marL="0" indent="0" algn="ctr">
+              <a:buNone/>
+              <a:defRPr sz="1400"/>
+            </a:lvl1pPr>
+            <a:lvl2pPr marL="457200" indent="0">
+              <a:buNone/>
+              <a:defRPr sz="1200"/>
+            </a:lvl2pPr>
+            <a:lvl3pPr marL="914400" indent="0">
+              <a:buNone/>
+              <a:defRPr sz="1000"/>
+            </a:lvl3pPr>
+            <a:lvl4pPr marL="1371600" indent="0">
+              <a:buNone/>
+              <a:defRPr sz="900"/>
+            </a:lvl4pPr>
+            <a:lvl5pPr marL="1828800" indent="0">
+              <a:buNone/>
+              <a:defRPr sz="900"/>
+            </a:lvl5pPr>
+            <a:lvl6pPr marL="2286000" indent="0">
+              <a:buNone/>
+              <a:defRPr sz="900"/>
+            </a:lvl6pPr>
+            <a:lvl7pPr marL="2743200" indent="0">
+              <a:buNone/>
+              <a:defRPr sz="900"/>
+            </a:lvl7pPr>
+            <a:lvl8pPr marL="3200400" indent="0">
+              <a:buNone/>
+              <a:defRPr sz="900"/>
+            </a:lvl8pPr>
+            <a:lvl9pPr marL="3657600" indent="0">
+              <a:buNone/>
+              <a:defRPr sz="900"/>
+            </a:lvl9pPr>
+          </a:lstStyle>
+          <a:p>
+            <a:pPr lvl="0"/>
+            <a:r>
+              <a:rPr lang="en-US"/>
+              <a:t>Click to edit Master text styles</a:t>
+            </a:r>
+          </a:p>
+        </p:txBody>
+      </p:sp>
+      <p:sp>
+        <p:nvSpPr>
+          <p:cNvPr id="22" name="Text Placeholder 4"/>
+          <p:cNvSpPr>
+            <a:spLocks noGrp="1"/>
+          </p:cNvSpPr>
+          <p:nvPr>
+            <p:ph type="body" sz="quarter" idx="3"/>
+          </p:nvPr>
+        </p:nvSpPr>
+        <p:spPr>
+          <a:xfrm>
+            <a:off x="4442788" y="3904106"/>
+            <a:ext cx="3300984" cy="576262"/>
+          </a:xfrm>
+        </p:spPr>
+        <p:txBody>
+          <a:bodyPr anchor="b">
+            <a:noAutofit/>
+          </a:bodyPr>
+          <a:lstStyle>
+            <a:lvl1pPr marL="0" indent="0" algn="ctr">
+              <a:buNone/>
+              <a:defRPr sz="2000" b="0">
+                <a:solidFill>
+                  <a:schemeClr val="tx1"/>
+                </a:solidFill>
+              </a:defRPr>
+            </a:lvl1pPr>
+            <a:lvl2pPr marL="457200" indent="0">
+              <a:buNone/>
+              <a:defRPr sz="2000" b="1"/>
+            </a:lvl2pPr>
+            <a:lvl3pPr marL="914400" indent="0">
+              <a:buNone/>
+              <a:defRPr sz="1800" b="1"/>
+            </a:lvl3pPr>
+            <a:lvl4pPr marL="1371600" indent="0">
+              <a:buNone/>
+              <a:defRPr sz="1600" b="1"/>
+            </a:lvl4pPr>
+            <a:lvl5pPr marL="1828800" indent="0">
+              <a:buNone/>
+              <a:defRPr sz="1600" b="1"/>
+            </a:lvl5pPr>
+            <a:lvl6pPr marL="2286000" indent="0">
+              <a:buNone/>
+              <a:defRPr sz="1600" b="1"/>
+            </a:lvl6pPr>
+            <a:lvl7pPr marL="2743200" indent="0">
+              <a:buNone/>
+              <a:defRPr sz="1600" b="1"/>
+            </a:lvl7pPr>
+            <a:lvl8pPr marL="3200400" indent="0">
+              <a:buNone/>
+              <a:defRPr sz="1600" b="1"/>
+            </a:lvl8pPr>
+            <a:lvl9pPr marL="3657600" indent="0">
+              <a:buNone/>
+              <a:defRPr sz="1600" b="1"/>
+            </a:lvl9pPr>
+          </a:lstStyle>
+          <a:p>
+            <a:pPr lvl="0"/>
+            <a:r>
+              <a:rPr lang="en-US"/>
+              <a:t>Click to edit Master text styles</a:t>
+            </a:r>
+          </a:p>
+        </p:txBody>
+      </p:sp>
+      <p:sp>
+        <p:nvSpPr>
+          <p:cNvPr id="23" name="Picture Placeholder 2"/>
+          <p:cNvSpPr>
+            <a:spLocks noGrp="1" noChangeAspect="1"/>
+          </p:cNvSpPr>
+          <p:nvPr>
+            <p:ph type="pic" idx="21"/>
+          </p:nvPr>
+        </p:nvSpPr>
+        <p:spPr>
+          <a:xfrm>
+            <a:off x="4545743" y="1939094"/>
+            <a:ext cx="3092368" cy="1608164"/>
+          </a:xfrm>
+          <a:prstGeom prst="roundRect">
+            <a:avLst>
+              <a:gd name="adj" fmla="val 1858"/>
+            </a:avLst>
+          </a:prstGeom>
+          <a:effectLst>
+            <a:outerShdw blurRad="38100" dist="25400" dir="4440000">
+              <a:srgbClr val="000000">
+                <a:alpha val="36000"/>
+              </a:srgbClr>
+            </a:outerShdw>
+          </a:effectLst>
+        </p:spPr>
+        <p:txBody>
+          <a:bodyPr anchor="t">
+            <a:normAutofit/>
+          </a:bodyPr>
+          <a:lstStyle>
+            <a:lvl1pPr marL="0" indent="0" algn="ctr">
+              <a:buNone/>
+              <a:defRPr sz="1600"/>
+            </a:lvl1pPr>
+            <a:lvl2pPr marL="457200" indent="0">
+              <a:buNone/>
+              <a:defRPr sz="1600"/>
+            </a:lvl2pPr>
+            <a:lvl3pPr marL="914400" indent="0">
+              <a:buNone/>
+              <a:defRPr sz="1600"/>
+            </a:lvl3pPr>
+            <a:lvl4pPr marL="1371600" indent="0">
+              <a:buNone/>
+              <a:defRPr sz="1600"/>
+            </a:lvl4pPr>
+            <a:lvl5pPr marL="1828800" indent="0">
+              <a:buNone/>
+              <a:defRPr sz="1600"/>
+            </a:lvl5pPr>
+            <a:lvl6pPr marL="2286000" indent="0">
+              <a:buNone/>
+              <a:defRPr sz="1600"/>
+            </a:lvl6pPr>
+            <a:lvl7pPr marL="2743200" indent="0">
+              <a:buNone/>
+              <a:defRPr sz="1600"/>
+            </a:lvl7pPr>
+            <a:lvl8pPr marL="3200400" indent="0">
+              <a:buNone/>
+              <a:defRPr sz="1600"/>
+            </a:lvl8pPr>
+            <a:lvl9pPr marL="3657600" indent="0">
+              <a:buNone/>
+              <a:defRPr sz="1600"/>
+            </a:lvl9pPr>
+          </a:lstStyle>
+          <a:p>
+            <a:r>
+              <a:rPr lang="en-US"/>
+              <a:t>Click icon to add picture</a:t>
+            </a:r>
+            <a:endParaRPr lang="en-US" dirty="0"/>
+          </a:p>
+        </p:txBody>
+      </p:sp>
+      <p:sp>
+        <p:nvSpPr>
+          <p:cNvPr id="24" name="Text Placeholder 3"/>
+          <p:cNvSpPr>
+            <a:spLocks noGrp="1"/>
+          </p:cNvSpPr>
+          <p:nvPr>
+            <p:ph type="body" sz="half" idx="19"/>
+          </p:nvPr>
+        </p:nvSpPr>
+        <p:spPr>
+          <a:xfrm>
+            <a:off x="4441435" y="4480367"/>
+            <a:ext cx="3300984" cy="1310833"/>
+          </a:xfrm>
+        </p:spPr>
+        <p:txBody>
+          <a:bodyPr anchor="t">
+            <a:normAutofit/>
+          </a:bodyPr>
+          <a:lstStyle>
+            <a:lvl1pPr marL="0" indent="0" algn="ctr">
+              <a:buNone/>
+              <a:defRPr sz="1400"/>
+            </a:lvl1pPr>
+            <a:lvl2pPr marL="457200" indent="0">
+              <a:buNone/>
+              <a:defRPr sz="1200"/>
+            </a:lvl2pPr>
+            <a:lvl3pPr marL="914400" indent="0">
+              <a:buNone/>
+              <a:defRPr sz="1000"/>
+            </a:lvl3pPr>
+            <a:lvl4pPr marL="1371600" indent="0">
+              <a:buNone/>
+              <a:defRPr sz="900"/>
+            </a:lvl4pPr>
+            <a:lvl5pPr marL="1828800" indent="0">
+              <a:buNone/>
+              <a:defRPr sz="900"/>
+            </a:lvl5pPr>
+            <a:lvl6pPr marL="2286000" indent="0">
+              <a:buNone/>
+              <a:defRPr sz="900"/>
+            </a:lvl6pPr>
+            <a:lvl7pPr marL="2743200" indent="0">
+              <a:buNone/>
+              <a:defRPr sz="900"/>
+            </a:lvl7pPr>
+            <a:lvl8pPr marL="3200400" indent="0">
+              <a:buNone/>
+              <a:defRPr sz="900"/>
+            </a:lvl8pPr>
+            <a:lvl9pPr marL="3657600" indent="0">
+              <a:buNone/>
+              <a:defRPr sz="900"/>
+            </a:lvl9pPr>
+          </a:lstStyle>
+          <a:p>
+            <a:pPr lvl="0"/>
+            <a:r>
+              <a:rPr lang="en-US"/>
+              <a:t>Click to edit Master text styles</a:t>
+            </a:r>
+          </a:p>
+        </p:txBody>
+      </p:sp>
+      <p:sp>
+        <p:nvSpPr>
+          <p:cNvPr id="25" name="Text Placeholder 4"/>
+          <p:cNvSpPr>
+            <a:spLocks noGrp="1"/>
+          </p:cNvSpPr>
+          <p:nvPr>
+            <p:ph type="body" sz="quarter" idx="13"/>
+          </p:nvPr>
+        </p:nvSpPr>
+        <p:spPr>
+          <a:xfrm>
+            <a:off x="7966697" y="3904106"/>
+            <a:ext cx="3300984" cy="576262"/>
+          </a:xfrm>
+        </p:spPr>
+        <p:txBody>
+          <a:bodyPr anchor="b">
+            <a:noAutofit/>
+          </a:bodyPr>
+          <a:lstStyle>
+            <a:lvl1pPr marL="0" indent="0" algn="ctr">
+              <a:buNone/>
+              <a:defRPr sz="2000" b="0">
+                <a:solidFill>
+                  <a:schemeClr val="tx1"/>
+                </a:solidFill>
+              </a:defRPr>
+            </a:lvl1pPr>
+            <a:lvl2pPr marL="457200" indent="0">
+              <a:buNone/>
+              <a:defRPr sz="2000" b="1"/>
+            </a:lvl2pPr>
+            <a:lvl3pPr marL="914400" indent="0">
+              <a:buNone/>
+              <a:defRPr sz="1800" b="1"/>
+            </a:lvl3pPr>
+            <a:lvl4pPr marL="1371600" indent="0">
+              <a:buNone/>
+              <a:defRPr sz="1600" b="1"/>
+            </a:lvl4pPr>
+            <a:lvl5pPr marL="1828800" indent="0">
+              <a:buNone/>
+              <a:defRPr sz="1600" b="1"/>
+            </a:lvl5pPr>
+            <a:lvl6pPr marL="2286000" indent="0">
+              <a:buNone/>
+              <a:defRPr sz="1600" b="1"/>
+            </a:lvl6pPr>
+            <a:lvl7pPr marL="2743200" indent="0">
+              <a:buNone/>
+              <a:defRPr sz="1600" b="1"/>
+            </a:lvl7pPr>
+            <a:lvl8pPr marL="3200400" indent="0">
+              <a:buNone/>
+              <a:defRPr sz="1600" b="1"/>
+            </a:lvl8pPr>
+            <a:lvl9pPr marL="3657600" indent="0">
+              <a:buNone/>
+              <a:defRPr sz="1600" b="1"/>
+            </a:lvl9pPr>
+          </a:lstStyle>
+          <a:p>
+            <a:pPr lvl="0"/>
+            <a:r>
+              <a:rPr lang="en-US"/>
+              <a:t>Click to edit Master text styles</a:t>
+            </a:r>
+          </a:p>
+        </p:txBody>
+      </p:sp>
+      <p:sp>
+        <p:nvSpPr>
+          <p:cNvPr id="26" name="Picture Placeholder 2"/>
+          <p:cNvSpPr>
+            <a:spLocks noGrp="1" noChangeAspect="1"/>
+          </p:cNvSpPr>
+          <p:nvPr>
+            <p:ph type="pic" idx="22"/>
+          </p:nvPr>
+        </p:nvSpPr>
+        <p:spPr>
+          <a:xfrm>
+            <a:off x="8075698" y="1934432"/>
+            <a:ext cx="3092368" cy="1607294"/>
+          </a:xfrm>
+          <a:prstGeom prst="roundRect">
+            <a:avLst>
+              <a:gd name="adj" fmla="val 1858"/>
+            </a:avLst>
+          </a:prstGeom>
+          <a:effectLst>
+            <a:outerShdw blurRad="38100" dist="25400" dir="4440000">
+              <a:srgbClr val="000000">
+                <a:alpha val="36000"/>
+              </a:srgbClr>
+            </a:outerShdw>
+          </a:effectLst>
+        </p:spPr>
+        <p:txBody>
+          <a:bodyPr anchor="t">
+            <a:normAutofit/>
+          </a:bodyPr>
+          <a:lstStyle>
+            <a:lvl1pPr marL="0" indent="0" algn="ctr">
+              <a:buNone/>
+              <a:defRPr sz="1600"/>
+            </a:lvl1pPr>
+            <a:lvl2pPr marL="457200" indent="0">
+              <a:buNone/>
+              <a:defRPr sz="1600"/>
+            </a:lvl2pPr>
+            <a:lvl3pPr marL="914400" indent="0">
+              <a:buNone/>
+              <a:defRPr sz="1600"/>
+            </a:lvl3pPr>
+            <a:lvl4pPr marL="1371600" indent="0">
+              <a:buNone/>
+              <a:defRPr sz="1600"/>
+            </a:lvl4pPr>
+            <a:lvl5pPr marL="1828800" indent="0">
+              <a:buNone/>
+              <a:defRPr sz="1600"/>
+            </a:lvl5pPr>
+            <a:lvl6pPr marL="2286000" indent="0">
+              <a:buNone/>
+              <a:defRPr sz="1600"/>
+            </a:lvl6pPr>
+            <a:lvl7pPr marL="2743200" indent="0">
+              <a:buNone/>
+              <a:defRPr sz="1600"/>
+            </a:lvl7pPr>
+            <a:lvl8pPr marL="3200400" indent="0">
+              <a:buNone/>
+              <a:defRPr sz="1600"/>
+            </a:lvl8pPr>
+            <a:lvl9pPr marL="3657600" indent="0">
+              <a:buNone/>
+              <a:defRPr sz="1600"/>
+            </a:lvl9pPr>
+          </a:lstStyle>
+          <a:p>
+            <a:r>
+              <a:rPr lang="en-US"/>
+              <a:t>Click icon to add picture</a:t>
+            </a:r>
+            <a:endParaRPr lang="en-US" dirty="0"/>
+          </a:p>
+        </p:txBody>
+      </p:sp>
+      <p:sp>
+        <p:nvSpPr>
+          <p:cNvPr id="27" name="Text Placeholder 3"/>
+          <p:cNvSpPr>
+            <a:spLocks noGrp="1"/>
+          </p:cNvSpPr>
+          <p:nvPr>
+            <p:ph type="body" sz="half" idx="20"/>
+          </p:nvPr>
+        </p:nvSpPr>
+        <p:spPr>
+          <a:xfrm>
+            <a:off x="7966572" y="4480365"/>
+            <a:ext cx="3300984" cy="1310835"/>
+          </a:xfrm>
+        </p:spPr>
+        <p:txBody>
+          <a:bodyPr anchor="t">
+            <a:normAutofit/>
+          </a:bodyPr>
+          <a:lstStyle>
+            <a:lvl1pPr marL="0" indent="0" algn="ctr">
+              <a:buNone/>
+              <a:defRPr sz="1400"/>
+            </a:lvl1pPr>
+            <a:lvl2pPr marL="457200" indent="0">
+              <a:buNone/>
+              <a:defRPr sz="1200"/>
+            </a:lvl2pPr>
+            <a:lvl3pPr marL="914400" indent="0">
+              <a:buNone/>
+              <a:defRPr sz="1000"/>
+            </a:lvl3pPr>
+            <a:lvl4pPr marL="1371600" indent="0">
+              <a:buNone/>
+              <a:defRPr sz="900"/>
+            </a:lvl4pPr>
+            <a:lvl5pPr marL="1828800" indent="0">
+              <a:buNone/>
+              <a:defRPr sz="900"/>
+            </a:lvl5pPr>
+            <a:lvl6pPr marL="2286000" indent="0">
+              <a:buNone/>
+              <a:defRPr sz="900"/>
+            </a:lvl6pPr>
+            <a:lvl7pPr marL="2743200" indent="0">
+              <a:buNone/>
+              <a:defRPr sz="900"/>
+            </a:lvl7pPr>
+            <a:lvl8pPr marL="3200400" indent="0">
+              <a:buNone/>
+              <a:defRPr sz="900"/>
+            </a:lvl8pPr>
+            <a:lvl9pPr marL="3657600" indent="0">
+              <a:buNone/>
+              <a:defRPr sz="900"/>
+            </a:lvl9pPr>
+          </a:lstStyle>
+          <a:p>
+            <a:pPr lvl="0"/>
+            <a:r>
+              <a:rPr lang="en-US"/>
+              <a:t>Click to edit Master text styles</a:t>
+            </a:r>
+          </a:p>
+        </p:txBody>
+      </p:sp>
+      <p:sp>
+        <p:nvSpPr>
+          <p:cNvPr id="3" name="Date Placeholder 2"/>
+          <p:cNvSpPr>
+            <a:spLocks noGrp="1"/>
+          </p:cNvSpPr>
+          <p:nvPr>
+            <p:ph type="dt" sz="half" idx="10"/>
+          </p:nvPr>
+        </p:nvSpPr>
+        <p:spPr/>
+        <p:txBody>
+          <a:bodyPr/>
+          <a:lstStyle/>
+          <a:p>
+            <a:fld id="{A22BCD6F-2A98-4151-B6C3-C15192657300}" type="datetimeFigureOut">
+              <a:rPr lang="en-GB" smtClean="0"/>
+              <a:t>05/05/2025</a:t>
+            </a:fld>
+            <a:endParaRPr lang="en-GB"/>
+          </a:p>
+        </p:txBody>
+      </p:sp>
+      <p:sp>
+        <p:nvSpPr>
+          <p:cNvPr id="4" name="Footer Placeholder 3"/>
+          <p:cNvSpPr>
+            <a:spLocks noGrp="1"/>
+          </p:cNvSpPr>
+          <p:nvPr>
+            <p:ph type="ftr" sz="quarter" idx="11"/>
+          </p:nvPr>
+        </p:nvSpPr>
+        <p:spPr/>
+        <p:txBody>
+          <a:bodyPr/>
+          <a:lstStyle/>
+          <a:p>
+            <a:endParaRPr lang="en-GB"/>
+          </a:p>
+        </p:txBody>
+      </p:sp>
+      <p:sp>
+        <p:nvSpPr>
+          <p:cNvPr id="5" name="Slide Number Placeholder 4"/>
+          <p:cNvSpPr>
+            <a:spLocks noGrp="1"/>
+          </p:cNvSpPr>
+          <p:nvPr>
+            <p:ph type="sldNum" sz="quarter" idx="12"/>
+          </p:nvPr>
+        </p:nvSpPr>
+        <p:spPr/>
+        <p:txBody>
+          <a:bodyPr/>
+          <a:lstStyle/>
+          <a:p>
+            <a:fld id="{076C8D9A-FA18-4E9D-B074-1C2F08E03965}" type="slidenum">
+              <a:rPr lang="en-GB" smtClean="0"/>
+              <a:t>‹#›</a:t>
+            </a:fld>
+            <a:endParaRPr lang="en-GB"/>
+          </a:p>
+        </p:txBody>
+      </p:sp>
+    </p:spTree>
+    <p:extLst>
+      <p:ext uri="{BB962C8B-B14F-4D97-AF65-F5344CB8AC3E}">
+        <p14:creationId xmlns:p14="http://schemas.microsoft.com/office/powerpoint/2010/main" val="2365412847"/>
+      </p:ext>
+    </p:extLst>
+  </p:cSld>
+  <p:clrMapOvr>
+    <a:masterClrMapping/>
+  </p:clrMapOvr>
+</p:sldLayout>
+</file>
+
+<file path=ppt/slideLayouts/slideLayout16.xml><?xml version="1.0" encoding="utf-8"?>
 <p:sldLayout xmlns:a="http://schemas.openxmlformats.org/drawingml/2006/main" xmlns:r="http://schemas.openxmlformats.org/officeDocument/2006/relationships" xmlns:p="http://schemas.openxmlformats.org/presentationml/2006/main" type="vertTx" preserve="1">
   <p:cSld name="Title and Vertical Text">
     <p:spTree>
@@ -350,13 +2959,7 @@
       </p:grpSpPr>
       <p:sp>
         <p:nvSpPr>
-          <p:cNvPr id="2" name="Title 1">
-            <a:extLst>
-              <a:ext uri="{FF2B5EF4-FFF2-40B4-BE49-F238E27FC236}">
-                <a16:creationId xmlns:a16="http://schemas.microsoft.com/office/drawing/2014/main" id="{AAD84C51-6989-4FE8-2F60-E27994B3CB9C}"/>
-              </a:ext>
-            </a:extLst>
-          </p:cNvPr>
+          <p:cNvPr id="2" name="Title 1"/>
           <p:cNvSpPr>
             <a:spLocks noGrp="1"/>
           </p:cNvSpPr>
@@ -373,19 +2976,13 @@
               <a:rPr lang="en-US"/>
               <a:t>Click to edit Master title style</a:t>
             </a:r>
-            <a:endParaRPr lang="en-GB"/>
-          </a:p>
-        </p:txBody>
-      </p:sp>
-      <p:sp>
-        <p:nvSpPr>
-          <p:cNvPr id="3" name="Vertical Text Placeholder 2">
-            <a:extLst>
-              <a:ext uri="{FF2B5EF4-FFF2-40B4-BE49-F238E27FC236}">
-                <a16:creationId xmlns:a16="http://schemas.microsoft.com/office/drawing/2014/main" id="{13F89447-A2DD-CD87-EBC8-8BC7D94D30C5}"/>
-              </a:ext>
-            </a:extLst>
-          </p:cNvPr>
+            <a:endParaRPr lang="en-US" dirty="0"/>
+          </a:p>
+        </p:txBody>
+      </p:sp>
+      <p:sp>
+        <p:nvSpPr>
+          <p:cNvPr id="3" name="Vertical Text Placeholder 2"/>
           <p:cNvSpPr>
             <a:spLocks noGrp="1"/>
           </p:cNvSpPr>
@@ -395,7 +2992,7 @@
         </p:nvSpPr>
         <p:spPr/>
         <p:txBody>
-          <a:bodyPr vert="eaVert"/>
+          <a:bodyPr vert="eaVert" anchor="t"/>
           <a:lstStyle/>
           <a:p>
             <a:pPr lvl="0"/>
@@ -431,19 +3028,13 @@
               <a:rPr lang="en-US"/>
               <a:t>Fifth level</a:t>
             </a:r>
-            <a:endParaRPr lang="en-GB"/>
-          </a:p>
-        </p:txBody>
-      </p:sp>
-      <p:sp>
-        <p:nvSpPr>
-          <p:cNvPr id="4" name="Date Placeholder 3">
-            <a:extLst>
-              <a:ext uri="{FF2B5EF4-FFF2-40B4-BE49-F238E27FC236}">
-                <a16:creationId xmlns:a16="http://schemas.microsoft.com/office/drawing/2014/main" id="{5156DC61-24D0-C8CF-3D8D-C10D3ACE8CB3}"/>
-              </a:ext>
-            </a:extLst>
-          </p:cNvPr>
+            <a:endParaRPr lang="en-US" dirty="0"/>
+          </a:p>
+        </p:txBody>
+      </p:sp>
+      <p:sp>
+        <p:nvSpPr>
+          <p:cNvPr id="4" name="Date Placeholder 3"/>
           <p:cNvSpPr>
             <a:spLocks noGrp="1"/>
           </p:cNvSpPr>
@@ -458,7 +3049,7 @@
           <a:p>
             <a:fld id="{A22BCD6F-2A98-4151-B6C3-C15192657300}" type="datetimeFigureOut">
               <a:rPr lang="en-GB" smtClean="0"/>
-              <a:t>04/05/2025</a:t>
+              <a:t>05/05/2025</a:t>
             </a:fld>
             <a:endParaRPr lang="en-GB"/>
           </a:p>
@@ -466,13 +3057,7 @@
       </p:sp>
       <p:sp>
         <p:nvSpPr>
-          <p:cNvPr id="5" name="Footer Placeholder 4">
-            <a:extLst>
-              <a:ext uri="{FF2B5EF4-FFF2-40B4-BE49-F238E27FC236}">
-                <a16:creationId xmlns:a16="http://schemas.microsoft.com/office/drawing/2014/main" id="{41A69E9D-060D-5D34-F9D2-C26EE7BA5750}"/>
-              </a:ext>
-            </a:extLst>
-          </p:cNvPr>
+          <p:cNvPr id="5" name="Footer Placeholder 4"/>
           <p:cNvSpPr>
             <a:spLocks noGrp="1"/>
           </p:cNvSpPr>
@@ -491,13 +3076,7 @@
       </p:sp>
       <p:sp>
         <p:nvSpPr>
-          <p:cNvPr id="6" name="Slide Number Placeholder 5">
-            <a:extLst>
-              <a:ext uri="{FF2B5EF4-FFF2-40B4-BE49-F238E27FC236}">
-                <a16:creationId xmlns:a16="http://schemas.microsoft.com/office/drawing/2014/main" id="{E92B558B-178D-B46A-1FC9-A7342D479F53}"/>
-              </a:ext>
-            </a:extLst>
-          </p:cNvPr>
+          <p:cNvPr id="6" name="Slide Number Placeholder 5"/>
           <p:cNvSpPr>
             <a:spLocks noGrp="1"/>
           </p:cNvSpPr>
@@ -521,7 +3100,7 @@
     </p:spTree>
     <p:extLst>
       <p:ext uri="{BB962C8B-B14F-4D97-AF65-F5344CB8AC3E}">
-        <p14:creationId xmlns:p14="http://schemas.microsoft.com/office/powerpoint/2010/main" val="1509279706"/>
+        <p14:creationId xmlns:p14="http://schemas.microsoft.com/office/powerpoint/2010/main" val="2334957288"/>
       </p:ext>
     </p:extLst>
   </p:cSld>
@@ -531,7 +3110,7 @@
 </p:sldLayout>
 </file>
 
-<file path=ppt/slideLayouts/slideLayout11.xml><?xml version="1.0" encoding="utf-8"?>
+<file path=ppt/slideLayouts/slideLayout17.xml><?xml version="1.0" encoding="utf-8"?>
 <p:sldLayout xmlns:a="http://schemas.openxmlformats.org/drawingml/2006/main" xmlns:r="http://schemas.openxmlformats.org/officeDocument/2006/relationships" xmlns:p="http://schemas.openxmlformats.org/presentationml/2006/main" type="vertTitleAndTx" preserve="1">
   <p:cSld name="Vertical Title and Text">
     <p:spTree>
@@ -550,13 +3129,7 @@
       </p:grpSpPr>
       <p:sp>
         <p:nvSpPr>
-          <p:cNvPr id="2" name="Vertical Title 1">
-            <a:extLst>
-              <a:ext uri="{FF2B5EF4-FFF2-40B4-BE49-F238E27FC236}">
-                <a16:creationId xmlns:a16="http://schemas.microsoft.com/office/drawing/2014/main" id="{FB648ACE-70F4-1388-9480-4E1D091DC256}"/>
-              </a:ext>
-            </a:extLst>
-          </p:cNvPr>
+          <p:cNvPr id="2" name="Vertical Title 1"/>
           <p:cNvSpPr>
             <a:spLocks noGrp="1"/>
           </p:cNvSpPr>
@@ -566,31 +3139,29 @@
         </p:nvSpPr>
         <p:spPr>
           <a:xfrm>
-            <a:off x="8724900" y="365125"/>
-            <a:ext cx="2628900" cy="5811838"/>
+            <a:off x="8983068" y="609599"/>
+            <a:ext cx="2284487" cy="5181601"/>
           </a:xfrm>
         </p:spPr>
         <p:txBody>
           <a:bodyPr vert="eaVert"/>
-          <a:lstStyle/>
+          <a:lstStyle>
+            <a:lvl1pPr algn="l">
+              <a:defRPr/>
+            </a:lvl1pPr>
+          </a:lstStyle>
           <a:p>
             <a:r>
               <a:rPr lang="en-US"/>
               <a:t>Click to edit Master title style</a:t>
             </a:r>
-            <a:endParaRPr lang="en-GB"/>
-          </a:p>
-        </p:txBody>
-      </p:sp>
-      <p:sp>
-        <p:nvSpPr>
-          <p:cNvPr id="3" name="Vertical Text Placeholder 2">
-            <a:extLst>
-              <a:ext uri="{FF2B5EF4-FFF2-40B4-BE49-F238E27FC236}">
-                <a16:creationId xmlns:a16="http://schemas.microsoft.com/office/drawing/2014/main" id="{94928910-D01A-E401-3024-A20A8C004ADA}"/>
-              </a:ext>
-            </a:extLst>
-          </p:cNvPr>
+            <a:endParaRPr lang="en-US" dirty="0"/>
+          </a:p>
+        </p:txBody>
+      </p:sp>
+      <p:sp>
+        <p:nvSpPr>
+          <p:cNvPr id="3" name="Vertical Text Placeholder 2"/>
           <p:cNvSpPr>
             <a:spLocks noGrp="1"/>
           </p:cNvSpPr>
@@ -600,12 +3171,12 @@
         </p:nvSpPr>
         <p:spPr>
           <a:xfrm>
-            <a:off x="838200" y="365125"/>
-            <a:ext cx="7734300" cy="5811838"/>
+            <a:off x="913796" y="609599"/>
+            <a:ext cx="7916872" cy="5181601"/>
           </a:xfrm>
         </p:spPr>
         <p:txBody>
-          <a:bodyPr vert="eaVert"/>
+          <a:bodyPr vert="eaVert" anchor="t"/>
           <a:lstStyle/>
           <a:p>
             <a:pPr lvl="0"/>
@@ -641,19 +3212,13 @@
               <a:rPr lang="en-US"/>
               <a:t>Fifth level</a:t>
             </a:r>
-            <a:endParaRPr lang="en-GB"/>
-          </a:p>
-        </p:txBody>
-      </p:sp>
-      <p:sp>
-        <p:nvSpPr>
-          <p:cNvPr id="4" name="Date Placeholder 3">
-            <a:extLst>
-              <a:ext uri="{FF2B5EF4-FFF2-40B4-BE49-F238E27FC236}">
-                <a16:creationId xmlns:a16="http://schemas.microsoft.com/office/drawing/2014/main" id="{9522334E-CF82-961D-0FE7-A4FA0CFBC548}"/>
-              </a:ext>
-            </a:extLst>
-          </p:cNvPr>
+            <a:endParaRPr lang="en-US" dirty="0"/>
+          </a:p>
+        </p:txBody>
+      </p:sp>
+      <p:sp>
+        <p:nvSpPr>
+          <p:cNvPr id="4" name="Date Placeholder 3"/>
           <p:cNvSpPr>
             <a:spLocks noGrp="1"/>
           </p:cNvSpPr>
@@ -668,7 +3233,7 @@
           <a:p>
             <a:fld id="{A22BCD6F-2A98-4151-B6C3-C15192657300}" type="datetimeFigureOut">
               <a:rPr lang="en-GB" smtClean="0"/>
-              <a:t>04/05/2025</a:t>
+              <a:t>05/05/2025</a:t>
             </a:fld>
             <a:endParaRPr lang="en-GB"/>
           </a:p>
@@ -676,13 +3241,7 @@
       </p:sp>
       <p:sp>
         <p:nvSpPr>
-          <p:cNvPr id="5" name="Footer Placeholder 4">
-            <a:extLst>
-              <a:ext uri="{FF2B5EF4-FFF2-40B4-BE49-F238E27FC236}">
-                <a16:creationId xmlns:a16="http://schemas.microsoft.com/office/drawing/2014/main" id="{0496168B-BE83-96A4-298D-DE14D6E8F827}"/>
-              </a:ext>
-            </a:extLst>
-          </p:cNvPr>
+          <p:cNvPr id="5" name="Footer Placeholder 4"/>
           <p:cNvSpPr>
             <a:spLocks noGrp="1"/>
           </p:cNvSpPr>
@@ -701,13 +3260,7 @@
       </p:sp>
       <p:sp>
         <p:nvSpPr>
-          <p:cNvPr id="6" name="Slide Number Placeholder 5">
-            <a:extLst>
-              <a:ext uri="{FF2B5EF4-FFF2-40B4-BE49-F238E27FC236}">
-                <a16:creationId xmlns:a16="http://schemas.microsoft.com/office/drawing/2014/main" id="{7604637D-01A5-2A53-CC12-53ED96BC187E}"/>
-              </a:ext>
-            </a:extLst>
-          </p:cNvPr>
+          <p:cNvPr id="6" name="Slide Number Placeholder 5"/>
           <p:cNvSpPr>
             <a:spLocks noGrp="1"/>
           </p:cNvSpPr>
@@ -731,7 +3284,7 @@
     </p:spTree>
     <p:extLst>
       <p:ext uri="{BB962C8B-B14F-4D97-AF65-F5344CB8AC3E}">
-        <p14:creationId xmlns:p14="http://schemas.microsoft.com/office/powerpoint/2010/main" val="3028738252"/>
+        <p14:creationId xmlns:p14="http://schemas.microsoft.com/office/powerpoint/2010/main" val="635846258"/>
       </p:ext>
     </p:extLst>
   </p:cSld>
@@ -760,13 +3313,7 @@
       </p:grpSpPr>
       <p:sp>
         <p:nvSpPr>
-          <p:cNvPr id="2" name="Title 1">
-            <a:extLst>
-              <a:ext uri="{FF2B5EF4-FFF2-40B4-BE49-F238E27FC236}">
-                <a16:creationId xmlns:a16="http://schemas.microsoft.com/office/drawing/2014/main" id="{52E9AB49-0013-A25A-F92C-A34A31548BB6}"/>
-              </a:ext>
-            </a:extLst>
-          </p:cNvPr>
+          <p:cNvPr id="2" name="Title 1"/>
           <p:cNvSpPr>
             <a:spLocks noGrp="1"/>
           </p:cNvSpPr>
@@ -783,19 +3330,13 @@
               <a:rPr lang="en-US"/>
               <a:t>Click to edit Master title style</a:t>
             </a:r>
-            <a:endParaRPr lang="en-GB"/>
-          </a:p>
-        </p:txBody>
-      </p:sp>
-      <p:sp>
-        <p:nvSpPr>
-          <p:cNvPr id="3" name="Content Placeholder 2">
-            <a:extLst>
-              <a:ext uri="{FF2B5EF4-FFF2-40B4-BE49-F238E27FC236}">
-                <a16:creationId xmlns:a16="http://schemas.microsoft.com/office/drawing/2014/main" id="{D41106F4-6002-4829-C3F8-8F9FBB840439}"/>
-              </a:ext>
-            </a:extLst>
-          </p:cNvPr>
+            <a:endParaRPr lang="en-US" dirty="0"/>
+          </a:p>
+        </p:txBody>
+      </p:sp>
+      <p:sp>
+        <p:nvSpPr>
+          <p:cNvPr id="3" name="Content Placeholder 2"/>
           <p:cNvSpPr>
             <a:spLocks noGrp="1"/>
           </p:cNvSpPr>
@@ -841,19 +3382,13 @@
               <a:rPr lang="en-US"/>
               <a:t>Fifth level</a:t>
             </a:r>
-            <a:endParaRPr lang="en-GB"/>
-          </a:p>
-        </p:txBody>
-      </p:sp>
-      <p:sp>
-        <p:nvSpPr>
-          <p:cNvPr id="4" name="Date Placeholder 3">
-            <a:extLst>
-              <a:ext uri="{FF2B5EF4-FFF2-40B4-BE49-F238E27FC236}">
-                <a16:creationId xmlns:a16="http://schemas.microsoft.com/office/drawing/2014/main" id="{E1DBDF68-B531-C050-B337-671F44693D54}"/>
-              </a:ext>
-            </a:extLst>
-          </p:cNvPr>
+            <a:endParaRPr lang="en-US" dirty="0"/>
+          </a:p>
+        </p:txBody>
+      </p:sp>
+      <p:sp>
+        <p:nvSpPr>
+          <p:cNvPr id="4" name="Date Placeholder 3"/>
           <p:cNvSpPr>
             <a:spLocks noGrp="1"/>
           </p:cNvSpPr>
@@ -868,7 +3403,7 @@
           <a:p>
             <a:fld id="{A22BCD6F-2A98-4151-B6C3-C15192657300}" type="datetimeFigureOut">
               <a:rPr lang="en-GB" smtClean="0"/>
-              <a:t>04/05/2025</a:t>
+              <a:t>05/05/2025</a:t>
             </a:fld>
             <a:endParaRPr lang="en-GB"/>
           </a:p>
@@ -876,13 +3411,7 @@
       </p:sp>
       <p:sp>
         <p:nvSpPr>
-          <p:cNvPr id="5" name="Footer Placeholder 4">
-            <a:extLst>
-              <a:ext uri="{FF2B5EF4-FFF2-40B4-BE49-F238E27FC236}">
-                <a16:creationId xmlns:a16="http://schemas.microsoft.com/office/drawing/2014/main" id="{17EED8C3-E4DD-94C5-0170-506F66784AFD}"/>
-              </a:ext>
-            </a:extLst>
-          </p:cNvPr>
+          <p:cNvPr id="5" name="Footer Placeholder 4"/>
           <p:cNvSpPr>
             <a:spLocks noGrp="1"/>
           </p:cNvSpPr>
@@ -901,13 +3430,7 @@
       </p:sp>
       <p:sp>
         <p:nvSpPr>
-          <p:cNvPr id="6" name="Slide Number Placeholder 5">
-            <a:extLst>
-              <a:ext uri="{FF2B5EF4-FFF2-40B4-BE49-F238E27FC236}">
-                <a16:creationId xmlns:a16="http://schemas.microsoft.com/office/drawing/2014/main" id="{04A6DB18-E44A-DBEA-CE2E-4F6BB5308370}"/>
-              </a:ext>
-            </a:extLst>
-          </p:cNvPr>
+          <p:cNvPr id="6" name="Slide Number Placeholder 5"/>
           <p:cNvSpPr>
             <a:spLocks noGrp="1"/>
           </p:cNvSpPr>
@@ -931,7 +3454,7 @@
     </p:spTree>
     <p:extLst>
       <p:ext uri="{BB962C8B-B14F-4D97-AF65-F5344CB8AC3E}">
-        <p14:creationId xmlns:p14="http://schemas.microsoft.com/office/powerpoint/2010/main" val="3968728187"/>
+        <p14:creationId xmlns:p14="http://schemas.microsoft.com/office/powerpoint/2010/main" val="482702796"/>
       </p:ext>
     </p:extLst>
   </p:cSld>
@@ -960,13 +3483,7 @@
       </p:grpSpPr>
       <p:sp>
         <p:nvSpPr>
-          <p:cNvPr id="2" name="Title 1">
-            <a:extLst>
-              <a:ext uri="{FF2B5EF4-FFF2-40B4-BE49-F238E27FC236}">
-                <a16:creationId xmlns:a16="http://schemas.microsoft.com/office/drawing/2014/main" id="{27825241-0524-59A8-9F7C-EDABED112424}"/>
-              </a:ext>
-            </a:extLst>
-          </p:cNvPr>
+          <p:cNvPr id="2" name="Title 1"/>
           <p:cNvSpPr>
             <a:spLocks noGrp="1"/>
           </p:cNvSpPr>
@@ -976,15 +3493,15 @@
         </p:nvSpPr>
         <p:spPr>
           <a:xfrm>
-            <a:off x="831850" y="1709738"/>
-            <a:ext cx="10515600" cy="2852737"/>
+            <a:off x="1295401" y="1761067"/>
+            <a:ext cx="9590550" cy="1828813"/>
           </a:xfrm>
         </p:spPr>
         <p:txBody>
           <a:bodyPr anchor="b"/>
           <a:lstStyle>
-            <a:lvl1pPr>
-              <a:defRPr sz="6000"/>
+            <a:lvl1pPr algn="ctr">
+              <a:defRPr sz="4000" b="0" cap="none"/>
             </a:lvl1pPr>
           </a:lstStyle>
           <a:p>
@@ -992,19 +3509,13 @@
               <a:rPr lang="en-US"/>
               <a:t>Click to edit Master title style</a:t>
             </a:r>
-            <a:endParaRPr lang="en-GB"/>
-          </a:p>
-        </p:txBody>
-      </p:sp>
-      <p:sp>
-        <p:nvSpPr>
-          <p:cNvPr id="3" name="Text Placeholder 2">
-            <a:extLst>
-              <a:ext uri="{FF2B5EF4-FFF2-40B4-BE49-F238E27FC236}">
-                <a16:creationId xmlns:a16="http://schemas.microsoft.com/office/drawing/2014/main" id="{2520A066-8288-26BB-7C08-06AD5278C24D}"/>
-              </a:ext>
-            </a:extLst>
-          </p:cNvPr>
+            <a:endParaRPr lang="en-US" dirty="0"/>
+          </a:p>
+        </p:txBody>
+      </p:sp>
+      <p:sp>
+        <p:nvSpPr>
+          <p:cNvPr id="3" name="Text Placeholder 2"/>
           <p:cNvSpPr>
             <a:spLocks noGrp="1"/>
           </p:cNvSpPr>
@@ -1014,99 +3525,97 @@
         </p:nvSpPr>
         <p:spPr>
           <a:xfrm>
-            <a:off x="831850" y="4589463"/>
-            <a:ext cx="10515600" cy="1500187"/>
+            <a:off x="1295401" y="3589879"/>
+            <a:ext cx="9590550" cy="1507054"/>
           </a:xfrm>
         </p:spPr>
         <p:txBody>
-          <a:bodyPr/>
+          <a:bodyPr anchor="t"/>
           <a:lstStyle>
-            <a:lvl1pPr marL="0" indent="0">
-              <a:buNone/>
-              <a:defRPr sz="2400">
+            <a:lvl1pPr marL="0" indent="0" algn="ctr">
+              <a:buNone/>
+              <a:defRPr sz="2000">
                 <a:solidFill>
-                  <a:schemeClr val="tx1">
-                    <a:tint val="82000"/>
-                  </a:schemeClr>
+                  <a:schemeClr val="tx1"/>
                 </a:solidFill>
               </a:defRPr>
             </a:lvl1pPr>
             <a:lvl2pPr marL="457200" indent="0">
               <a:buNone/>
-              <a:defRPr sz="2000">
+              <a:defRPr sz="1800">
                 <a:solidFill>
                   <a:schemeClr val="tx1">
-                    <a:tint val="82000"/>
+                    <a:tint val="75000"/>
                   </a:schemeClr>
                 </a:solidFill>
               </a:defRPr>
             </a:lvl2pPr>
             <a:lvl3pPr marL="914400" indent="0">
               <a:buNone/>
-              <a:defRPr sz="1800">
+              <a:defRPr sz="1600">
                 <a:solidFill>
                   <a:schemeClr val="tx1">
-                    <a:tint val="82000"/>
+                    <a:tint val="75000"/>
                   </a:schemeClr>
                 </a:solidFill>
               </a:defRPr>
             </a:lvl3pPr>
             <a:lvl4pPr marL="1371600" indent="0">
               <a:buNone/>
-              <a:defRPr sz="1600">
+              <a:defRPr sz="1400">
                 <a:solidFill>
                   <a:schemeClr val="tx1">
-                    <a:tint val="82000"/>
+                    <a:tint val="75000"/>
                   </a:schemeClr>
                 </a:solidFill>
               </a:defRPr>
             </a:lvl4pPr>
             <a:lvl5pPr marL="1828800" indent="0">
               <a:buNone/>
-              <a:defRPr sz="1600">
+              <a:defRPr sz="1400">
                 <a:solidFill>
                   <a:schemeClr val="tx1">
-                    <a:tint val="82000"/>
+                    <a:tint val="75000"/>
                   </a:schemeClr>
                 </a:solidFill>
               </a:defRPr>
             </a:lvl5pPr>
             <a:lvl6pPr marL="2286000" indent="0">
               <a:buNone/>
-              <a:defRPr sz="1600">
+              <a:defRPr sz="1400">
                 <a:solidFill>
                   <a:schemeClr val="tx1">
-                    <a:tint val="82000"/>
+                    <a:tint val="75000"/>
                   </a:schemeClr>
                 </a:solidFill>
               </a:defRPr>
             </a:lvl6pPr>
             <a:lvl7pPr marL="2743200" indent="0">
               <a:buNone/>
-              <a:defRPr sz="1600">
+              <a:defRPr sz="1400">
                 <a:solidFill>
                   <a:schemeClr val="tx1">
-                    <a:tint val="82000"/>
+                    <a:tint val="75000"/>
                   </a:schemeClr>
                 </a:solidFill>
               </a:defRPr>
             </a:lvl7pPr>
             <a:lvl8pPr marL="3200400" indent="0">
               <a:buNone/>
-              <a:defRPr sz="1600">
+              <a:defRPr sz="1400">
                 <a:solidFill>
                   <a:schemeClr val="tx1">
-                    <a:tint val="82000"/>
+                    <a:tint val="75000"/>
                   </a:schemeClr>
                 </a:solidFill>
               </a:defRPr>
             </a:lvl8pPr>
             <a:lvl9pPr marL="3657600" indent="0">
               <a:buNone/>
-              <a:defRPr sz="1600">
+              <a:defRPr sz="1400">
                 <a:solidFill>
                   <a:schemeClr val="tx1">
-                    <a:tint val="82000"/>
+                    <a:tint val="75000"/>
                   </a:schemeClr>
                 </a:solidFill>
               </a:defRPr>
@@ -1123,13 +3632,7 @@
       </p:sp>
       <p:sp>
         <p:nvSpPr>
-          <p:cNvPr id="4" name="Date Placeholder 3">
-            <a:extLst>
-              <a:ext uri="{FF2B5EF4-FFF2-40B4-BE49-F238E27FC236}">
-                <a16:creationId xmlns:a16="http://schemas.microsoft.com/office/drawing/2014/main" id="{96FE6402-4854-5E45-637D-324D650E9E92}"/>
-              </a:ext>
-            </a:extLst>
-          </p:cNvPr>
+          <p:cNvPr id="4" name="Date Placeholder 3"/>
           <p:cNvSpPr>
             <a:spLocks noGrp="1"/>
           </p:cNvSpPr>
@@ -1144,7 +3647,7 @@
           <a:p>
             <a:fld id="{A22BCD6F-2A98-4151-B6C3-C15192657300}" type="datetimeFigureOut">
               <a:rPr lang="en-GB" smtClean="0"/>
-              <a:t>04/05/2025</a:t>
+              <a:t>05/05/2025</a:t>
             </a:fld>
             <a:endParaRPr lang="en-GB"/>
           </a:p>
@@ -1152,13 +3655,7 @@
       </p:sp>
       <p:sp>
         <p:nvSpPr>
-          <p:cNvPr id="5" name="Footer Placeholder 4">
-            <a:extLst>
-              <a:ext uri="{FF2B5EF4-FFF2-40B4-BE49-F238E27FC236}">
-                <a16:creationId xmlns:a16="http://schemas.microsoft.com/office/drawing/2014/main" id="{D72C0F54-D45C-E396-E9D5-4D3DF59912AD}"/>
-              </a:ext>
-            </a:extLst>
-          </p:cNvPr>
+          <p:cNvPr id="5" name="Footer Placeholder 4"/>
           <p:cNvSpPr>
             <a:spLocks noGrp="1"/>
           </p:cNvSpPr>
@@ -1177,13 +3674,7 @@
       </p:sp>
       <p:sp>
         <p:nvSpPr>
-          <p:cNvPr id="6" name="Slide Number Placeholder 5">
-            <a:extLst>
-              <a:ext uri="{FF2B5EF4-FFF2-40B4-BE49-F238E27FC236}">
-                <a16:creationId xmlns:a16="http://schemas.microsoft.com/office/drawing/2014/main" id="{2D01DB31-A256-FDEF-4301-8C3EAA4EBC3A}"/>
-              </a:ext>
-            </a:extLst>
-          </p:cNvPr>
+          <p:cNvPr id="6" name="Slide Number Placeholder 5"/>
           <p:cNvSpPr>
             <a:spLocks noGrp="1"/>
           </p:cNvSpPr>
@@ -1207,7 +3698,7 @@
     </p:spTree>
     <p:extLst>
       <p:ext uri="{BB962C8B-B14F-4D97-AF65-F5344CB8AC3E}">
-        <p14:creationId xmlns:p14="http://schemas.microsoft.com/office/powerpoint/2010/main" val="3517982060"/>
+        <p14:creationId xmlns:p14="http://schemas.microsoft.com/office/powerpoint/2010/main" val="3522756865"/>
       </p:ext>
     </p:extLst>
   </p:cSld>
@@ -1236,13 +3727,7 @@
       </p:grpSpPr>
       <p:sp>
         <p:nvSpPr>
-          <p:cNvPr id="2" name="Title 1">
-            <a:extLst>
-              <a:ext uri="{FF2B5EF4-FFF2-40B4-BE49-F238E27FC236}">
-                <a16:creationId xmlns:a16="http://schemas.microsoft.com/office/drawing/2014/main" id="{B53E6504-344C-ABE1-793E-16C38A10E97A}"/>
-              </a:ext>
-            </a:extLst>
-          </p:cNvPr>
+          <p:cNvPr id="2" name="Title 1"/>
           <p:cNvSpPr>
             <a:spLocks noGrp="1"/>
           </p:cNvSpPr>
@@ -1259,19 +3744,13 @@
               <a:rPr lang="en-US"/>
               <a:t>Click to edit Master title style</a:t>
             </a:r>
-            <a:endParaRPr lang="en-GB"/>
-          </a:p>
-        </p:txBody>
-      </p:sp>
-      <p:sp>
-        <p:nvSpPr>
-          <p:cNvPr id="3" name="Content Placeholder 2">
-            <a:extLst>
-              <a:ext uri="{FF2B5EF4-FFF2-40B4-BE49-F238E27FC236}">
-                <a16:creationId xmlns:a16="http://schemas.microsoft.com/office/drawing/2014/main" id="{20A90D41-978B-59D9-537B-8ED916B92132}"/>
-              </a:ext>
-            </a:extLst>
-          </p:cNvPr>
+            <a:endParaRPr lang="en-US" dirty="0"/>
+          </a:p>
+        </p:txBody>
+      </p:sp>
+      <p:sp>
+        <p:nvSpPr>
+          <p:cNvPr id="3" name="Content Placeholder 2"/>
           <p:cNvSpPr>
             <a:spLocks noGrp="1"/>
           </p:cNvSpPr>
@@ -1281,12 +3760,14 @@
         </p:nvSpPr>
         <p:spPr>
           <a:xfrm>
-            <a:off x="838200" y="1825625"/>
-            <a:ext cx="5181600" cy="4351338"/>
+            <a:off x="913795" y="1732449"/>
+            <a:ext cx="5060497" cy="4058750"/>
           </a:xfrm>
         </p:spPr>
         <p:txBody>
-          <a:bodyPr/>
+          <a:bodyPr anchor="t">
+            <a:normAutofit/>
+          </a:bodyPr>
           <a:lstStyle/>
           <a:p>
             <a:pPr lvl="0"/>
@@ -1322,19 +3803,13 @@
               <a:rPr lang="en-US"/>
               <a:t>Fifth level</a:t>
             </a:r>
-            <a:endParaRPr lang="en-GB"/>
-          </a:p>
-        </p:txBody>
-      </p:sp>
-      <p:sp>
-        <p:nvSpPr>
-          <p:cNvPr id="4" name="Content Placeholder 3">
-            <a:extLst>
-              <a:ext uri="{FF2B5EF4-FFF2-40B4-BE49-F238E27FC236}">
-                <a16:creationId xmlns:a16="http://schemas.microsoft.com/office/drawing/2014/main" id="{BA41515B-F607-6B49-8E5A-2EE6B037C91B}"/>
-              </a:ext>
-            </a:extLst>
-          </p:cNvPr>
+            <a:endParaRPr lang="en-US" dirty="0"/>
+          </a:p>
+        </p:txBody>
+      </p:sp>
+      <p:sp>
+        <p:nvSpPr>
+          <p:cNvPr id="4" name="Content Placeholder 3"/>
           <p:cNvSpPr>
             <a:spLocks noGrp="1"/>
           </p:cNvSpPr>
@@ -1344,12 +3819,14 @@
         </p:nvSpPr>
         <p:spPr>
           <a:xfrm>
-            <a:off x="6172200" y="1825625"/>
-            <a:ext cx="5181600" cy="4351338"/>
+            <a:off x="6202892" y="1732449"/>
+            <a:ext cx="5064665" cy="4058751"/>
           </a:xfrm>
         </p:spPr>
         <p:txBody>
-          <a:bodyPr/>
+          <a:bodyPr anchor="t">
+            <a:normAutofit/>
+          </a:bodyPr>
           <a:lstStyle/>
           <a:p>
             <a:pPr lvl="0"/>
@@ -1385,19 +3862,13 @@
               <a:rPr lang="en-US"/>
               <a:t>Fifth level</a:t>
             </a:r>
-            <a:endParaRPr lang="en-GB"/>
-          </a:p>
-        </p:txBody>
-      </p:sp>
-      <p:sp>
-        <p:nvSpPr>
-          <p:cNvPr id="5" name="Date Placeholder 4">
-            <a:extLst>
-              <a:ext uri="{FF2B5EF4-FFF2-40B4-BE49-F238E27FC236}">
-                <a16:creationId xmlns:a16="http://schemas.microsoft.com/office/drawing/2014/main" id="{C5377A4A-5EF9-DFEB-8272-D7502BF1B21D}"/>
-              </a:ext>
-            </a:extLst>
-          </p:cNvPr>
+            <a:endParaRPr lang="en-US" dirty="0"/>
+          </a:p>
+        </p:txBody>
+      </p:sp>
+      <p:sp>
+        <p:nvSpPr>
+          <p:cNvPr id="5" name="Date Placeholder 4"/>
           <p:cNvSpPr>
             <a:spLocks noGrp="1"/>
           </p:cNvSpPr>
@@ -1412,7 +3883,7 @@
           <a:p>
             <a:fld id="{A22BCD6F-2A98-4151-B6C3-C15192657300}" type="datetimeFigureOut">
               <a:rPr lang="en-GB" smtClean="0"/>
-              <a:t>04/05/2025</a:t>
+              <a:t>05/05/2025</a:t>
             </a:fld>
             <a:endParaRPr lang="en-GB"/>
           </a:p>
@@ -1420,13 +3891,7 @@
       </p:sp>
       <p:sp>
         <p:nvSpPr>
-          <p:cNvPr id="6" name="Footer Placeholder 5">
-            <a:extLst>
-              <a:ext uri="{FF2B5EF4-FFF2-40B4-BE49-F238E27FC236}">
-                <a16:creationId xmlns:a16="http://schemas.microsoft.com/office/drawing/2014/main" id="{6D9DD380-012B-76E6-7AC6-3C1C64258918}"/>
-              </a:ext>
-            </a:extLst>
-          </p:cNvPr>
+          <p:cNvPr id="6" name="Footer Placeholder 5"/>
           <p:cNvSpPr>
             <a:spLocks noGrp="1"/>
           </p:cNvSpPr>
@@ -1445,13 +3910,7 @@
       </p:sp>
       <p:sp>
         <p:nvSpPr>
-          <p:cNvPr id="7" name="Slide Number Placeholder 6">
-            <a:extLst>
-              <a:ext uri="{FF2B5EF4-FFF2-40B4-BE49-F238E27FC236}">
-                <a16:creationId xmlns:a16="http://schemas.microsoft.com/office/drawing/2014/main" id="{080E0BEF-B745-34DD-8FB1-4BCB16968ACB}"/>
-              </a:ext>
-            </a:extLst>
-          </p:cNvPr>
+          <p:cNvPr id="7" name="Slide Number Placeholder 6"/>
           <p:cNvSpPr>
             <a:spLocks noGrp="1"/>
           </p:cNvSpPr>
@@ -1475,7 +3934,7 @@
     </p:spTree>
     <p:extLst>
       <p:ext uri="{BB962C8B-B14F-4D97-AF65-F5344CB8AC3E}">
-        <p14:creationId xmlns:p14="http://schemas.microsoft.com/office/powerpoint/2010/main" val="3946599618"/>
+        <p14:creationId xmlns:p14="http://schemas.microsoft.com/office/powerpoint/2010/main" val="2428855249"/>
       </p:ext>
     </p:extLst>
   </p:cSld>
@@ -1502,68 +3961,117 @@
           <a:chExt cx="0" cy="0"/>
         </a:xfrm>
       </p:grpSpPr>
-      <p:sp>
-        <p:nvSpPr>
-          <p:cNvPr id="2" name="Title 1">
+      <p:pic>
+        <p:nvPicPr>
+          <p:cNvPr id="20" name="Picture 19" descr="Slate-V2-HD-compPhotoInset.png"/>
+          <p:cNvPicPr>
+            <a:picLocks noChangeAspect="1"/>
+          </p:cNvPicPr>
+          <p:nvPr/>
+        </p:nvPicPr>
+        <p:blipFill>
+          <a:blip r:embed="rId2">
             <a:extLst>
-              <a:ext uri="{FF2B5EF4-FFF2-40B4-BE49-F238E27FC236}">
-                <a16:creationId xmlns:a16="http://schemas.microsoft.com/office/drawing/2014/main" id="{5458286B-5F99-C727-4746-2E8BBADFE777}"/>
+              <a:ext uri="{28A0092B-C50C-407E-A947-70E740481C1C}">
+                <a14:useLocalDpi xmlns:a14="http://schemas.microsoft.com/office/drawing/2010/main" val="0"/>
               </a:ext>
             </a:extLst>
-          </p:cNvPr>
-          <p:cNvSpPr>
-            <a:spLocks noGrp="1"/>
-          </p:cNvSpPr>
-          <p:nvPr>
-            <p:ph type="title"/>
-          </p:nvPr>
-        </p:nvSpPr>
+          </a:blip>
+          <a:stretch>
+            <a:fillRect/>
+          </a:stretch>
+        </p:blipFill>
         <p:spPr>
           <a:xfrm>
-            <a:off x="839788" y="365125"/>
-            <a:ext cx="10515600" cy="1325563"/>
+            <a:off x="913795" y="1734506"/>
+            <a:ext cx="5089072" cy="4148769"/>
+          </a:xfrm>
+          <a:prstGeom prst="rect">
+            <a:avLst/>
+          </a:prstGeom>
+        </p:spPr>
+      </p:pic>
+      <p:pic>
+        <p:nvPicPr>
+          <p:cNvPr id="21" name="Picture 20" descr="Slate-V2-HD-compPhotoInset.png"/>
+          <p:cNvPicPr>
+            <a:picLocks noChangeAspect="1"/>
+          </p:cNvPicPr>
+          <p:nvPr/>
+        </p:nvPicPr>
+        <p:blipFill>
+          <a:blip r:embed="rId2">
+            <a:extLst>
+              <a:ext uri="{28A0092B-C50C-407E-A947-70E740481C1C}">
+                <a14:useLocalDpi xmlns:a14="http://schemas.microsoft.com/office/drawing/2010/main" val="0"/>
+              </a:ext>
+            </a:extLst>
+          </a:blip>
+          <a:stretch>
+            <a:fillRect/>
+          </a:stretch>
+        </p:blipFill>
+        <p:spPr>
+          <a:xfrm>
+            <a:off x="6178485" y="1734506"/>
+            <a:ext cx="5089072" cy="4148769"/>
+          </a:xfrm>
+          <a:prstGeom prst="rect">
+            <a:avLst/>
+          </a:prstGeom>
+        </p:spPr>
+      </p:pic>
+      <p:sp>
+        <p:nvSpPr>
+          <p:cNvPr id="2" name="Title 1"/>
+          <p:cNvSpPr>
+            <a:spLocks noGrp="1"/>
+          </p:cNvSpPr>
+          <p:nvPr>
+            <p:ph type="title"/>
+          </p:nvPr>
+        </p:nvSpPr>
+        <p:spPr/>
+        <p:txBody>
+          <a:bodyPr/>
+          <a:lstStyle>
+            <a:lvl1pPr>
+              <a:defRPr/>
+            </a:lvl1pPr>
+          </a:lstStyle>
+          <a:p>
+            <a:r>
+              <a:rPr lang="en-US"/>
+              <a:t>Click to edit Master title style</a:t>
+            </a:r>
+            <a:endParaRPr lang="en-US" dirty="0"/>
+          </a:p>
+        </p:txBody>
+      </p:sp>
+      <p:sp>
+        <p:nvSpPr>
+          <p:cNvPr id="3" name="Text Placeholder 2"/>
+          <p:cNvSpPr>
+            <a:spLocks noGrp="1"/>
+          </p:cNvSpPr>
+          <p:nvPr>
+            <p:ph type="body" idx="1"/>
+          </p:nvPr>
+        </p:nvSpPr>
+        <p:spPr>
+          <a:xfrm>
+            <a:off x="1005872" y="1835254"/>
+            <a:ext cx="4876344" cy="544884"/>
           </a:xfrm>
         </p:spPr>
         <p:txBody>
-          <a:bodyPr/>
-          <a:lstStyle/>
-          <a:p>
-            <a:r>
-              <a:rPr lang="en-US"/>
-              <a:t>Click to edit Master title style</a:t>
-            </a:r>
-            <a:endParaRPr lang="en-GB"/>
-          </a:p>
-        </p:txBody>
-      </p:sp>
-      <p:sp>
-        <p:nvSpPr>
-          <p:cNvPr id="3" name="Text Placeholder 2">
-            <a:extLst>
-              <a:ext uri="{FF2B5EF4-FFF2-40B4-BE49-F238E27FC236}">
-                <a16:creationId xmlns:a16="http://schemas.microsoft.com/office/drawing/2014/main" id="{39FB3E41-E0E5-F2CE-583D-4D4D91AA44B6}"/>
-              </a:ext>
-            </a:extLst>
-          </p:cNvPr>
-          <p:cNvSpPr>
-            <a:spLocks noGrp="1"/>
-          </p:cNvSpPr>
-          <p:nvPr>
-            <p:ph type="body" idx="1"/>
-          </p:nvPr>
-        </p:nvSpPr>
-        <p:spPr>
-          <a:xfrm>
-            <a:off x="839788" y="1681163"/>
-            <a:ext cx="5157787" cy="823912"/>
-          </a:xfrm>
-        </p:spPr>
-        <p:txBody>
-          <a:bodyPr anchor="b"/>
+          <a:bodyPr anchor="b">
+            <a:noAutofit/>
+          </a:bodyPr>
           <a:lstStyle>
-            <a:lvl1pPr marL="0" indent="0">
-              <a:buNone/>
-              <a:defRPr sz="2400" b="1"/>
+            <a:lvl1pPr marL="0" indent="0" algn="ctr">
+              <a:buNone/>
+              <a:defRPr sz="2400" b="0"/>
             </a:lvl1pPr>
             <a:lvl2pPr marL="457200" indent="0">
               <a:buNone/>
@@ -1609,13 +4117,7 @@
       </p:sp>
       <p:sp>
         <p:nvSpPr>
-          <p:cNvPr id="4" name="Content Placeholder 3">
-            <a:extLst>
-              <a:ext uri="{FF2B5EF4-FFF2-40B4-BE49-F238E27FC236}">
-                <a16:creationId xmlns:a16="http://schemas.microsoft.com/office/drawing/2014/main" id="{70C96A9A-7D3B-315D-7806-92E869CC3C2B}"/>
-              </a:ext>
-            </a:extLst>
-          </p:cNvPr>
+          <p:cNvPr id="4" name="Content Placeholder 3"/>
           <p:cNvSpPr>
             <a:spLocks noGrp="1"/>
           </p:cNvSpPr>
@@ -1625,13 +4127,31 @@
         </p:nvSpPr>
         <p:spPr>
           <a:xfrm>
-            <a:off x="839788" y="2505075"/>
-            <a:ext cx="5157787" cy="3684588"/>
+            <a:off x="1005872" y="2380137"/>
+            <a:ext cx="4876344" cy="3411063"/>
           </a:xfrm>
         </p:spPr>
         <p:txBody>
-          <a:bodyPr/>
-          <a:lstStyle/>
+          <a:bodyPr anchor="t">
+            <a:normAutofit/>
+          </a:bodyPr>
+          <a:lstStyle>
+            <a:lvl1pPr>
+              <a:defRPr sz="1800"/>
+            </a:lvl1pPr>
+            <a:lvl2pPr>
+              <a:defRPr sz="1600"/>
+            </a:lvl2pPr>
+            <a:lvl3pPr>
+              <a:defRPr sz="1400"/>
+            </a:lvl3pPr>
+            <a:lvl4pPr>
+              <a:defRPr sz="1200"/>
+            </a:lvl4pPr>
+            <a:lvl5pPr>
+              <a:defRPr sz="1200"/>
+            </a:lvl5pPr>
+          </a:lstStyle>
           <a:p>
             <a:pPr lvl="0"/>
             <a:r>
@@ -1666,19 +4186,13 @@
               <a:rPr lang="en-US"/>
               <a:t>Fifth level</a:t>
             </a:r>
-            <a:endParaRPr lang="en-GB"/>
-          </a:p>
-        </p:txBody>
-      </p:sp>
-      <p:sp>
-        <p:nvSpPr>
-          <p:cNvPr id="5" name="Text Placeholder 4">
-            <a:extLst>
-              <a:ext uri="{FF2B5EF4-FFF2-40B4-BE49-F238E27FC236}">
-                <a16:creationId xmlns:a16="http://schemas.microsoft.com/office/drawing/2014/main" id="{038C8025-65C3-E3B2-6D83-1AEA2E5A3CD2}"/>
-              </a:ext>
-            </a:extLst>
-          </p:cNvPr>
+            <a:endParaRPr lang="en-US" dirty="0"/>
+          </a:p>
+        </p:txBody>
+      </p:sp>
+      <p:sp>
+        <p:nvSpPr>
+          <p:cNvPr id="5" name="Text Placeholder 4"/>
           <p:cNvSpPr>
             <a:spLocks noGrp="1"/>
           </p:cNvSpPr>
@@ -1688,16 +4202,18 @@
         </p:nvSpPr>
         <p:spPr>
           <a:xfrm>
-            <a:off x="6172200" y="1681163"/>
-            <a:ext cx="5183188" cy="823912"/>
+            <a:off x="6294967" y="1835254"/>
+            <a:ext cx="4895330" cy="544883"/>
           </a:xfrm>
         </p:spPr>
         <p:txBody>
-          <a:bodyPr anchor="b"/>
+          <a:bodyPr anchor="b">
+            <a:noAutofit/>
+          </a:bodyPr>
           <a:lstStyle>
-            <a:lvl1pPr marL="0" indent="0">
-              <a:buNone/>
-              <a:defRPr sz="2400" b="1"/>
+            <a:lvl1pPr marL="0" indent="0" algn="ctr">
+              <a:buNone/>
+              <a:defRPr sz="2400" b="0"/>
             </a:lvl1pPr>
             <a:lvl2pPr marL="457200" indent="0">
               <a:buNone/>
@@ -1743,13 +4259,7 @@
       </p:sp>
       <p:sp>
         <p:nvSpPr>
-          <p:cNvPr id="6" name="Content Placeholder 5">
-            <a:extLst>
-              <a:ext uri="{FF2B5EF4-FFF2-40B4-BE49-F238E27FC236}">
-                <a16:creationId xmlns:a16="http://schemas.microsoft.com/office/drawing/2014/main" id="{6CC10543-0B05-2458-5AD4-153925C5DE30}"/>
-              </a:ext>
-            </a:extLst>
-          </p:cNvPr>
+          <p:cNvPr id="6" name="Content Placeholder 5"/>
           <p:cNvSpPr>
             <a:spLocks noGrp="1"/>
           </p:cNvSpPr>
@@ -1759,13 +4269,31 @@
         </p:nvSpPr>
         <p:spPr>
           <a:xfrm>
-            <a:off x="6172200" y="2505075"/>
-            <a:ext cx="5183188" cy="3684588"/>
+            <a:off x="6294967" y="2380137"/>
+            <a:ext cx="4895330" cy="3411063"/>
           </a:xfrm>
         </p:spPr>
         <p:txBody>
-          <a:bodyPr/>
-          <a:lstStyle/>
+          <a:bodyPr anchor="t">
+            <a:normAutofit/>
+          </a:bodyPr>
+          <a:lstStyle>
+            <a:lvl1pPr>
+              <a:defRPr sz="1800"/>
+            </a:lvl1pPr>
+            <a:lvl2pPr>
+              <a:defRPr sz="1600"/>
+            </a:lvl2pPr>
+            <a:lvl3pPr>
+              <a:defRPr sz="1400"/>
+            </a:lvl3pPr>
+            <a:lvl4pPr>
+              <a:defRPr sz="1200"/>
+            </a:lvl4pPr>
+            <a:lvl5pPr>
+              <a:defRPr sz="1200"/>
+            </a:lvl5pPr>
+          </a:lstStyle>
           <a:p>
             <a:pPr lvl="0"/>
             <a:r>
@@ -1800,19 +4328,13 @@
               <a:rPr lang="en-US"/>
               <a:t>Fifth level</a:t>
             </a:r>
-            <a:endParaRPr lang="en-GB"/>
-          </a:p>
-        </p:txBody>
-      </p:sp>
-      <p:sp>
-        <p:nvSpPr>
-          <p:cNvPr id="7" name="Date Placeholder 6">
-            <a:extLst>
-              <a:ext uri="{FF2B5EF4-FFF2-40B4-BE49-F238E27FC236}">
-                <a16:creationId xmlns:a16="http://schemas.microsoft.com/office/drawing/2014/main" id="{83D93465-A067-0366-5305-D6D095A84A30}"/>
-              </a:ext>
-            </a:extLst>
-          </p:cNvPr>
+            <a:endParaRPr lang="en-US" dirty="0"/>
+          </a:p>
+        </p:txBody>
+      </p:sp>
+      <p:sp>
+        <p:nvSpPr>
+          <p:cNvPr id="7" name="Date Placeholder 6"/>
           <p:cNvSpPr>
             <a:spLocks noGrp="1"/>
           </p:cNvSpPr>
@@ -1827,7 +4349,7 @@
           <a:p>
             <a:fld id="{A22BCD6F-2A98-4151-B6C3-C15192657300}" type="datetimeFigureOut">
               <a:rPr lang="en-GB" smtClean="0"/>
-              <a:t>04/05/2025</a:t>
+              <a:t>05/05/2025</a:t>
             </a:fld>
             <a:endParaRPr lang="en-GB"/>
           </a:p>
@@ -1835,13 +4357,7 @@
       </p:sp>
       <p:sp>
         <p:nvSpPr>
-          <p:cNvPr id="8" name="Footer Placeholder 7">
-            <a:extLst>
-              <a:ext uri="{FF2B5EF4-FFF2-40B4-BE49-F238E27FC236}">
-                <a16:creationId xmlns:a16="http://schemas.microsoft.com/office/drawing/2014/main" id="{711B9912-6CFC-D880-C9CB-B39256F83CA2}"/>
-              </a:ext>
-            </a:extLst>
-          </p:cNvPr>
+          <p:cNvPr id="8" name="Footer Placeholder 7"/>
           <p:cNvSpPr>
             <a:spLocks noGrp="1"/>
           </p:cNvSpPr>
@@ -1860,13 +4376,7 @@
       </p:sp>
       <p:sp>
         <p:nvSpPr>
-          <p:cNvPr id="9" name="Slide Number Placeholder 8">
-            <a:extLst>
-              <a:ext uri="{FF2B5EF4-FFF2-40B4-BE49-F238E27FC236}">
-                <a16:creationId xmlns:a16="http://schemas.microsoft.com/office/drawing/2014/main" id="{5E68CA68-6E9B-0251-91E3-0C529ADB0AAE}"/>
-              </a:ext>
-            </a:extLst>
-          </p:cNvPr>
+          <p:cNvPr id="9" name="Slide Number Placeholder 8"/>
           <p:cNvSpPr>
             <a:spLocks noGrp="1"/>
           </p:cNvSpPr>
@@ -1890,7 +4400,7 @@
     </p:spTree>
     <p:extLst>
       <p:ext uri="{BB962C8B-B14F-4D97-AF65-F5344CB8AC3E}">
-        <p14:creationId xmlns:p14="http://schemas.microsoft.com/office/powerpoint/2010/main" val="3094735821"/>
+        <p14:creationId xmlns:p14="http://schemas.microsoft.com/office/powerpoint/2010/main" val="495517533"/>
       </p:ext>
     </p:extLst>
   </p:cSld>
@@ -1919,13 +4429,7 @@
       </p:grpSpPr>
       <p:sp>
         <p:nvSpPr>
-          <p:cNvPr id="2" name="Title 1">
-            <a:extLst>
-              <a:ext uri="{FF2B5EF4-FFF2-40B4-BE49-F238E27FC236}">
-                <a16:creationId xmlns:a16="http://schemas.microsoft.com/office/drawing/2014/main" id="{06EA3779-0383-3DD7-108E-1E90CB6388D0}"/>
-              </a:ext>
-            </a:extLst>
-          </p:cNvPr>
+          <p:cNvPr id="2" name="Title 1"/>
           <p:cNvSpPr>
             <a:spLocks noGrp="1"/>
           </p:cNvSpPr>
@@ -1942,19 +4446,13 @@
               <a:rPr lang="en-US"/>
               <a:t>Click to edit Master title style</a:t>
             </a:r>
-            <a:endParaRPr lang="en-GB"/>
-          </a:p>
-        </p:txBody>
-      </p:sp>
-      <p:sp>
-        <p:nvSpPr>
-          <p:cNvPr id="3" name="Date Placeholder 2">
-            <a:extLst>
-              <a:ext uri="{FF2B5EF4-FFF2-40B4-BE49-F238E27FC236}">
-                <a16:creationId xmlns:a16="http://schemas.microsoft.com/office/drawing/2014/main" id="{06D44487-547F-D667-AC8C-EEBFCAD09342}"/>
-              </a:ext>
-            </a:extLst>
-          </p:cNvPr>
+            <a:endParaRPr lang="en-US" dirty="0"/>
+          </a:p>
+        </p:txBody>
+      </p:sp>
+      <p:sp>
+        <p:nvSpPr>
+          <p:cNvPr id="3" name="Date Placeholder 2"/>
           <p:cNvSpPr>
             <a:spLocks noGrp="1"/>
           </p:cNvSpPr>
@@ -1969,7 +4467,7 @@
           <a:p>
             <a:fld id="{A22BCD6F-2A98-4151-B6C3-C15192657300}" type="datetimeFigureOut">
               <a:rPr lang="en-GB" smtClean="0"/>
-              <a:t>04/05/2025</a:t>
+              <a:t>05/05/2025</a:t>
             </a:fld>
             <a:endParaRPr lang="en-GB"/>
           </a:p>
@@ -1977,13 +4475,7 @@
       </p:sp>
       <p:sp>
         <p:nvSpPr>
-          <p:cNvPr id="4" name="Footer Placeholder 3">
-            <a:extLst>
-              <a:ext uri="{FF2B5EF4-FFF2-40B4-BE49-F238E27FC236}">
-                <a16:creationId xmlns:a16="http://schemas.microsoft.com/office/drawing/2014/main" id="{03094D1B-CDE0-AA10-C70B-7A32743253B5}"/>
-              </a:ext>
-            </a:extLst>
-          </p:cNvPr>
+          <p:cNvPr id="4" name="Footer Placeholder 3"/>
           <p:cNvSpPr>
             <a:spLocks noGrp="1"/>
           </p:cNvSpPr>
@@ -2002,13 +4494,7 @@
       </p:sp>
       <p:sp>
         <p:nvSpPr>
-          <p:cNvPr id="5" name="Slide Number Placeholder 4">
-            <a:extLst>
-              <a:ext uri="{FF2B5EF4-FFF2-40B4-BE49-F238E27FC236}">
-                <a16:creationId xmlns:a16="http://schemas.microsoft.com/office/drawing/2014/main" id="{8BDFFBC5-E33A-808A-F514-D8E1A4A89AE3}"/>
-              </a:ext>
-            </a:extLst>
-          </p:cNvPr>
+          <p:cNvPr id="5" name="Slide Number Placeholder 4"/>
           <p:cNvSpPr>
             <a:spLocks noGrp="1"/>
           </p:cNvSpPr>
@@ -2032,7 +4518,7 @@
     </p:spTree>
     <p:extLst>
       <p:ext uri="{BB962C8B-B14F-4D97-AF65-F5344CB8AC3E}">
-        <p14:creationId xmlns:p14="http://schemas.microsoft.com/office/powerpoint/2010/main" val="1741734537"/>
+        <p14:creationId xmlns:p14="http://schemas.microsoft.com/office/powerpoint/2010/main" val="895121858"/>
       </p:ext>
     </p:extLst>
   </p:cSld>
@@ -2061,13 +4547,7 @@
       </p:grpSpPr>
       <p:sp>
         <p:nvSpPr>
-          <p:cNvPr id="2" name="Date Placeholder 1">
-            <a:extLst>
-              <a:ext uri="{FF2B5EF4-FFF2-40B4-BE49-F238E27FC236}">
-                <a16:creationId xmlns:a16="http://schemas.microsoft.com/office/drawing/2014/main" id="{B893CB97-18E7-FA82-7F98-153B6089E483}"/>
-              </a:ext>
-            </a:extLst>
-          </p:cNvPr>
+          <p:cNvPr id="2" name="Date Placeholder 1"/>
           <p:cNvSpPr>
             <a:spLocks noGrp="1"/>
           </p:cNvSpPr>
@@ -2082,7 +4562,7 @@
           <a:p>
             <a:fld id="{A22BCD6F-2A98-4151-B6C3-C15192657300}" type="datetimeFigureOut">
               <a:rPr lang="en-GB" smtClean="0"/>
-              <a:t>04/05/2025</a:t>
+              <a:t>05/05/2025</a:t>
             </a:fld>
             <a:endParaRPr lang="en-GB"/>
           </a:p>
@@ -2090,13 +4570,7 @@
       </p:sp>
       <p:sp>
         <p:nvSpPr>
-          <p:cNvPr id="3" name="Footer Placeholder 2">
-            <a:extLst>
-              <a:ext uri="{FF2B5EF4-FFF2-40B4-BE49-F238E27FC236}">
-                <a16:creationId xmlns:a16="http://schemas.microsoft.com/office/drawing/2014/main" id="{9421CCDD-2943-C37C-9EAB-5031CF6CCF08}"/>
-              </a:ext>
-            </a:extLst>
-          </p:cNvPr>
+          <p:cNvPr id="3" name="Footer Placeholder 2"/>
           <p:cNvSpPr>
             <a:spLocks noGrp="1"/>
           </p:cNvSpPr>
@@ -2115,13 +4589,7 @@
       </p:sp>
       <p:sp>
         <p:nvSpPr>
-          <p:cNvPr id="4" name="Slide Number Placeholder 3">
-            <a:extLst>
-              <a:ext uri="{FF2B5EF4-FFF2-40B4-BE49-F238E27FC236}">
-                <a16:creationId xmlns:a16="http://schemas.microsoft.com/office/drawing/2014/main" id="{84B6FACF-F483-95D1-4413-FCB8898E60CB}"/>
-              </a:ext>
-            </a:extLst>
-          </p:cNvPr>
+          <p:cNvPr id="4" name="Slide Number Placeholder 3"/>
           <p:cNvSpPr>
             <a:spLocks noGrp="1"/>
           </p:cNvSpPr>
@@ -2145,7 +4613,7 @@
     </p:spTree>
     <p:extLst>
       <p:ext uri="{BB962C8B-B14F-4D97-AF65-F5344CB8AC3E}">
-        <p14:creationId xmlns:p14="http://schemas.microsoft.com/office/powerpoint/2010/main" val="3299339131"/>
+        <p14:creationId xmlns:p14="http://schemas.microsoft.com/office/powerpoint/2010/main" val="713007689"/>
       </p:ext>
     </p:extLst>
   </p:cSld>
@@ -2174,13 +4642,7 @@
       </p:grpSpPr>
       <p:sp>
         <p:nvSpPr>
-          <p:cNvPr id="2" name="Title 1">
-            <a:extLst>
-              <a:ext uri="{FF2B5EF4-FFF2-40B4-BE49-F238E27FC236}">
-                <a16:creationId xmlns:a16="http://schemas.microsoft.com/office/drawing/2014/main" id="{3438FF22-60B5-A3C7-D588-EE2AD8330344}"/>
-              </a:ext>
-            </a:extLst>
-          </p:cNvPr>
+          <p:cNvPr id="2" name="Title 1"/>
           <p:cNvSpPr>
             <a:spLocks noGrp="1"/>
           </p:cNvSpPr>
@@ -2190,15 +4652,17 @@
         </p:nvSpPr>
         <p:spPr>
           <a:xfrm>
-            <a:off x="839788" y="457200"/>
-            <a:ext cx="3932237" cy="1600200"/>
+            <a:off x="913795" y="609600"/>
+            <a:ext cx="3706889" cy="1821918"/>
           </a:xfrm>
         </p:spPr>
         <p:txBody>
-          <a:bodyPr anchor="b"/>
+          <a:bodyPr anchor="b">
+            <a:normAutofit/>
+          </a:bodyPr>
           <a:lstStyle>
-            <a:lvl1pPr>
-              <a:defRPr sz="3200"/>
+            <a:lvl1pPr algn="ctr">
+              <a:defRPr sz="2400" b="0"/>
             </a:lvl1pPr>
           </a:lstStyle>
           <a:p>
@@ -2206,19 +4670,13 @@
               <a:rPr lang="en-US"/>
               <a:t>Click to edit Master title style</a:t>
             </a:r>
-            <a:endParaRPr lang="en-GB"/>
-          </a:p>
-        </p:txBody>
-      </p:sp>
-      <p:sp>
-        <p:nvSpPr>
-          <p:cNvPr id="3" name="Content Placeholder 2">
-            <a:extLst>
-              <a:ext uri="{FF2B5EF4-FFF2-40B4-BE49-F238E27FC236}">
-                <a16:creationId xmlns:a16="http://schemas.microsoft.com/office/drawing/2014/main" id="{0CCC31D4-0493-49A2-AC17-528CB81A3BFB}"/>
-              </a:ext>
-            </a:extLst>
-          </p:cNvPr>
+            <a:endParaRPr lang="en-US" dirty="0"/>
+          </a:p>
+        </p:txBody>
+      </p:sp>
+      <p:sp>
+        <p:nvSpPr>
+          <p:cNvPr id="3" name="Content Placeholder 2"/>
           <p:cNvSpPr>
             <a:spLocks noGrp="1"/>
           </p:cNvSpPr>
@@ -2228,41 +4686,15 @@
         </p:nvSpPr>
         <p:spPr>
           <a:xfrm>
-            <a:off x="5183188" y="987425"/>
-            <a:ext cx="6172200" cy="4873625"/>
+            <a:off x="4855633" y="609600"/>
+            <a:ext cx="6411924" cy="5181600"/>
           </a:xfrm>
         </p:spPr>
         <p:txBody>
-          <a:bodyPr/>
-          <a:lstStyle>
-            <a:lvl1pPr>
-              <a:defRPr sz="3200"/>
-            </a:lvl1pPr>
-            <a:lvl2pPr>
-              <a:defRPr sz="2800"/>
-            </a:lvl2pPr>
-            <a:lvl3pPr>
-              <a:defRPr sz="2400"/>
-            </a:lvl3pPr>
-            <a:lvl4pPr>
-              <a:defRPr sz="2000"/>
-            </a:lvl4pPr>
-            <a:lvl5pPr>
-              <a:defRPr sz="2000"/>
-            </a:lvl5pPr>
-            <a:lvl6pPr>
-              <a:defRPr sz="2000"/>
-            </a:lvl6pPr>
-            <a:lvl7pPr>
-              <a:defRPr sz="2000"/>
-            </a:lvl7pPr>
-            <a:lvl8pPr>
-              <a:defRPr sz="2000"/>
-            </a:lvl8pPr>
-            <a:lvl9pPr>
-              <a:defRPr sz="2000"/>
-            </a:lvl9pPr>
-          </a:lstStyle>
+          <a:bodyPr>
+            <a:normAutofit/>
+          </a:bodyPr>
+          <a:lstStyle/>
           <a:p>
             <a:pPr lvl="0"/>
             <a:r>
@@ -2297,19 +4729,13 @@
               <a:rPr lang="en-US"/>
               <a:t>Fifth level</a:t>
             </a:r>
-            <a:endParaRPr lang="en-GB"/>
-          </a:p>
-        </p:txBody>
-      </p:sp>
-      <p:sp>
-        <p:nvSpPr>
-          <p:cNvPr id="4" name="Text Placeholder 3">
-            <a:extLst>
-              <a:ext uri="{FF2B5EF4-FFF2-40B4-BE49-F238E27FC236}">
-                <a16:creationId xmlns:a16="http://schemas.microsoft.com/office/drawing/2014/main" id="{5E550719-821F-B2D0-796C-59D9F9EBEA8A}"/>
-              </a:ext>
-            </a:extLst>
-          </p:cNvPr>
+            <a:endParaRPr lang="en-US" dirty="0"/>
+          </a:p>
+        </p:txBody>
+      </p:sp>
+      <p:sp>
+        <p:nvSpPr>
+          <p:cNvPr id="4" name="Text Placeholder 3"/>
           <p:cNvSpPr>
             <a:spLocks noGrp="1"/>
           </p:cNvSpPr>
@@ -2319,48 +4745,50 @@
         </p:nvSpPr>
         <p:spPr>
           <a:xfrm>
-            <a:off x="839788" y="2057400"/>
-            <a:ext cx="3932237" cy="3811588"/>
+            <a:off x="913795" y="2431518"/>
+            <a:ext cx="3706889" cy="3359681"/>
           </a:xfrm>
         </p:spPr>
         <p:txBody>
-          <a:bodyPr/>
+          <a:bodyPr anchor="t">
+            <a:normAutofit/>
+          </a:bodyPr>
           <a:lstStyle>
-            <a:lvl1pPr marL="0" indent="0">
+            <a:lvl1pPr marL="0" indent="0" algn="ctr">
               <a:buNone/>
               <a:defRPr sz="1600"/>
             </a:lvl1pPr>
             <a:lvl2pPr marL="457200" indent="0">
               <a:buNone/>
-              <a:defRPr sz="1400"/>
+              <a:defRPr sz="1200"/>
             </a:lvl2pPr>
             <a:lvl3pPr marL="914400" indent="0">
               <a:buNone/>
-              <a:defRPr sz="1200"/>
+              <a:defRPr sz="1000"/>
             </a:lvl3pPr>
             <a:lvl4pPr marL="1371600" indent="0">
               <a:buNone/>
-              <a:defRPr sz="1000"/>
+              <a:defRPr sz="900"/>
             </a:lvl4pPr>
             <a:lvl5pPr marL="1828800" indent="0">
               <a:buNone/>
-              <a:defRPr sz="1000"/>
+              <a:defRPr sz="900"/>
             </a:lvl5pPr>
             <a:lvl6pPr marL="2286000" indent="0">
               <a:buNone/>
-              <a:defRPr sz="1000"/>
+              <a:defRPr sz="900"/>
             </a:lvl6pPr>
             <a:lvl7pPr marL="2743200" indent="0">
               <a:buNone/>
-              <a:defRPr sz="1000"/>
+              <a:defRPr sz="900"/>
             </a:lvl7pPr>
             <a:lvl8pPr marL="3200400" indent="0">
               <a:buNone/>
-              <a:defRPr sz="1000"/>
+              <a:defRPr sz="900"/>
             </a:lvl8pPr>
             <a:lvl9pPr marL="3657600" indent="0">
               <a:buNone/>
-              <a:defRPr sz="1000"/>
+              <a:defRPr sz="900"/>
             </a:lvl9pPr>
           </a:lstStyle>
           <a:p>
@@ -2374,13 +4802,7 @@
       </p:sp>
       <p:sp>
         <p:nvSpPr>
-          <p:cNvPr id="5" name="Date Placeholder 4">
-            <a:extLst>
-              <a:ext uri="{FF2B5EF4-FFF2-40B4-BE49-F238E27FC236}">
-                <a16:creationId xmlns:a16="http://schemas.microsoft.com/office/drawing/2014/main" id="{5D492D84-AF1E-2559-9AF9-CC8A6230FE0D}"/>
-              </a:ext>
-            </a:extLst>
-          </p:cNvPr>
+          <p:cNvPr id="5" name="Date Placeholder 4"/>
           <p:cNvSpPr>
             <a:spLocks noGrp="1"/>
           </p:cNvSpPr>
@@ -2395,7 +4817,7 @@
           <a:p>
             <a:fld id="{A22BCD6F-2A98-4151-B6C3-C15192657300}" type="datetimeFigureOut">
               <a:rPr lang="en-GB" smtClean="0"/>
-              <a:t>04/05/2025</a:t>
+              <a:t>05/05/2025</a:t>
             </a:fld>
             <a:endParaRPr lang="en-GB"/>
           </a:p>
@@ -2403,13 +4825,7 @@
       </p:sp>
       <p:sp>
         <p:nvSpPr>
-          <p:cNvPr id="6" name="Footer Placeholder 5">
-            <a:extLst>
-              <a:ext uri="{FF2B5EF4-FFF2-40B4-BE49-F238E27FC236}">
-                <a16:creationId xmlns:a16="http://schemas.microsoft.com/office/drawing/2014/main" id="{4057FC2C-316A-931E-D1AC-9A651457D06A}"/>
-              </a:ext>
-            </a:extLst>
-          </p:cNvPr>
+          <p:cNvPr id="6" name="Footer Placeholder 5"/>
           <p:cNvSpPr>
             <a:spLocks noGrp="1"/>
           </p:cNvSpPr>
@@ -2428,13 +4844,7 @@
       </p:sp>
       <p:sp>
         <p:nvSpPr>
-          <p:cNvPr id="7" name="Slide Number Placeholder 6">
-            <a:extLst>
-              <a:ext uri="{FF2B5EF4-FFF2-40B4-BE49-F238E27FC236}">
-                <a16:creationId xmlns:a16="http://schemas.microsoft.com/office/drawing/2014/main" id="{7F5275A0-2110-3B42-E278-A3E6C6EC73E5}"/>
-              </a:ext>
-            </a:extLst>
-          </p:cNvPr>
+          <p:cNvPr id="7" name="Slide Number Placeholder 6"/>
           <p:cNvSpPr>
             <a:spLocks noGrp="1"/>
           </p:cNvSpPr>
@@ -2458,7 +4868,7 @@
     </p:spTree>
     <p:extLst>
       <p:ext uri="{BB962C8B-B14F-4D97-AF65-F5344CB8AC3E}">
-        <p14:creationId xmlns:p14="http://schemas.microsoft.com/office/powerpoint/2010/main" val="140929572"/>
+        <p14:creationId xmlns:p14="http://schemas.microsoft.com/office/powerpoint/2010/main" val="170095638"/>
       </p:ext>
     </p:extLst>
   </p:cSld>
@@ -2485,33 +4895,59 @@
           <a:chExt cx="0" cy="0"/>
         </a:xfrm>
       </p:grpSpPr>
-      <p:sp>
-        <p:nvSpPr>
-          <p:cNvPr id="2" name="Title 1">
+      <p:pic>
+        <p:nvPicPr>
+          <p:cNvPr id="22" name="Picture 21" descr="Slate-V2-HD-vertPhotoInset.png"/>
+          <p:cNvPicPr>
+            <a:picLocks noChangeAspect="1"/>
+          </p:cNvPicPr>
+          <p:nvPr/>
+        </p:nvPicPr>
+        <p:blipFill>
+          <a:blip r:embed="rId2">
             <a:extLst>
-              <a:ext uri="{FF2B5EF4-FFF2-40B4-BE49-F238E27FC236}">
-                <a16:creationId xmlns:a16="http://schemas.microsoft.com/office/drawing/2014/main" id="{156A5718-BBA2-D3CE-3FAA-2052AAEA0EFD}"/>
+              <a:ext uri="{28A0092B-C50C-407E-A947-70E740481C1C}">
+                <a14:useLocalDpi xmlns:a14="http://schemas.microsoft.com/office/drawing/2010/main" val="0"/>
               </a:ext>
             </a:extLst>
-          </p:cNvPr>
-          <p:cNvSpPr>
-            <a:spLocks noGrp="1"/>
-          </p:cNvSpPr>
-          <p:nvPr>
-            <p:ph type="title"/>
-          </p:nvPr>
-        </p:nvSpPr>
+          </a:blip>
+          <a:stretch>
+            <a:fillRect/>
+          </a:stretch>
+        </p:blipFill>
         <p:spPr>
           <a:xfrm>
-            <a:off x="839788" y="457200"/>
-            <a:ext cx="3932237" cy="1600200"/>
+            <a:off x="7293665" y="609600"/>
+            <a:ext cx="3584166" cy="5204832"/>
+          </a:xfrm>
+          <a:prstGeom prst="rect">
+            <a:avLst/>
+          </a:prstGeom>
+        </p:spPr>
+      </p:pic>
+      <p:sp>
+        <p:nvSpPr>
+          <p:cNvPr id="2" name="Title 1"/>
+          <p:cNvSpPr>
+            <a:spLocks noGrp="1"/>
+          </p:cNvSpPr>
+          <p:nvPr>
+            <p:ph type="title"/>
+          </p:nvPr>
+        </p:nvSpPr>
+        <p:spPr>
+          <a:xfrm>
+            <a:off x="913795" y="609923"/>
+            <a:ext cx="5934949" cy="1829338"/>
           </a:xfrm>
         </p:spPr>
         <p:txBody>
-          <a:bodyPr anchor="b"/>
+          <a:bodyPr anchor="b">
+            <a:noAutofit/>
+          </a:bodyPr>
           <a:lstStyle>
-            <a:lvl1pPr>
-              <a:defRPr sz="3200"/>
+            <a:lvl1pPr algn="ctr">
+              <a:defRPr sz="3200" b="0"/>
             </a:lvl1pPr>
           </a:lstStyle>
           <a:p>
@@ -2519,21 +4955,15 @@
               <a:rPr lang="en-US"/>
               <a:t>Click to edit Master title style</a:t>
             </a:r>
-            <a:endParaRPr lang="en-GB"/>
-          </a:p>
-        </p:txBody>
-      </p:sp>
-      <p:sp>
-        <p:nvSpPr>
-          <p:cNvPr id="3" name="Picture Placeholder 2">
-            <a:extLst>
-              <a:ext uri="{FF2B5EF4-FFF2-40B4-BE49-F238E27FC236}">
-                <a16:creationId xmlns:a16="http://schemas.microsoft.com/office/drawing/2014/main" id="{D1D20FF1-0769-891B-ABF8-096DB5831B4C}"/>
-              </a:ext>
-            </a:extLst>
-          </p:cNvPr>
-          <p:cNvSpPr>
-            <a:spLocks noGrp="1"/>
+            <a:endParaRPr lang="en-US" dirty="0"/>
+          </a:p>
+        </p:txBody>
+      </p:sp>
+      <p:sp>
+        <p:nvSpPr>
+          <p:cNvPr id="3" name="Picture Placeholder 2"/>
+          <p:cNvSpPr>
+            <a:spLocks noGrp="1" noChangeAspect="1"/>
           </p:cNvSpPr>
           <p:nvPr>
             <p:ph type="pic" idx="1"/>
@@ -2541,118 +4971,127 @@
         </p:nvSpPr>
         <p:spPr>
           <a:xfrm>
-            <a:off x="5183188" y="987425"/>
-            <a:ext cx="6172200" cy="4873625"/>
+            <a:off x="7442551" y="763702"/>
+            <a:ext cx="3275751" cy="4912822"/>
           </a:xfrm>
+          <a:effectLst>
+            <a:outerShdw blurRad="38100" dist="25400" dir="4440000">
+              <a:srgbClr val="000000">
+                <a:alpha val="36000"/>
+              </a:srgbClr>
+            </a:outerShdw>
+          </a:effectLst>
         </p:spPr>
         <p:txBody>
-          <a:bodyPr/>
+          <a:bodyPr anchor="t">
+            <a:normAutofit/>
+          </a:bodyPr>
           <a:lstStyle>
-            <a:lvl1pPr marL="0" indent="0">
-              <a:buNone/>
-              <a:defRPr sz="3200"/>
-            </a:lvl1pPr>
-            <a:lvl2pPr marL="457200" indent="0">
-              <a:buNone/>
-              <a:defRPr sz="2800"/>
-            </a:lvl2pPr>
-            <a:lvl3pPr marL="914400" indent="0">
-              <a:buNone/>
-              <a:defRPr sz="2400"/>
-            </a:lvl3pPr>
-            <a:lvl4pPr marL="1371600" indent="0">
-              <a:buNone/>
-              <a:defRPr sz="2000"/>
-            </a:lvl4pPr>
-            <a:lvl5pPr marL="1828800" indent="0">
-              <a:buNone/>
-              <a:defRPr sz="2000"/>
-            </a:lvl5pPr>
-            <a:lvl6pPr marL="2286000" indent="0">
-              <a:buNone/>
-              <a:defRPr sz="2000"/>
-            </a:lvl6pPr>
-            <a:lvl7pPr marL="2743200" indent="0">
-              <a:buNone/>
-              <a:defRPr sz="2000"/>
-            </a:lvl7pPr>
-            <a:lvl8pPr marL="3200400" indent="0">
-              <a:buNone/>
-              <a:defRPr sz="2000"/>
-            </a:lvl8pPr>
-            <a:lvl9pPr marL="3657600" indent="0">
-              <a:buNone/>
-              <a:defRPr sz="2000"/>
-            </a:lvl9pPr>
-          </a:lstStyle>
-          <a:p>
-            <a:endParaRPr lang="en-GB"/>
-          </a:p>
-        </p:txBody>
-      </p:sp>
-      <p:sp>
-        <p:nvSpPr>
-          <p:cNvPr id="4" name="Text Placeholder 3">
-            <a:extLst>
-              <a:ext uri="{FF2B5EF4-FFF2-40B4-BE49-F238E27FC236}">
-                <a16:creationId xmlns:a16="http://schemas.microsoft.com/office/drawing/2014/main" id="{23F04FA6-0E1F-CA16-7623-065F55F4E0B1}"/>
-              </a:ext>
-            </a:extLst>
-          </p:cNvPr>
-          <p:cNvSpPr>
-            <a:spLocks noGrp="1"/>
-          </p:cNvSpPr>
-          <p:nvPr>
-            <p:ph type="body" sz="half" idx="2"/>
-          </p:nvPr>
-        </p:nvSpPr>
-        <p:spPr>
-          <a:xfrm>
-            <a:off x="839788" y="2057400"/>
-            <a:ext cx="3932237" cy="3811588"/>
-          </a:xfrm>
-        </p:spPr>
-        <p:txBody>
-          <a:bodyPr/>
-          <a:lstStyle>
-            <a:lvl1pPr marL="0" indent="0">
+            <a:lvl1pPr marL="0" indent="0" algn="ctr">
               <a:buNone/>
               <a:defRPr sz="1600"/>
             </a:lvl1pPr>
             <a:lvl2pPr marL="457200" indent="0">
               <a:buNone/>
-              <a:defRPr sz="1400"/>
+              <a:defRPr sz="1600"/>
             </a:lvl2pPr>
             <a:lvl3pPr marL="914400" indent="0">
               <a:buNone/>
-              <a:defRPr sz="1200"/>
+              <a:defRPr sz="1600"/>
             </a:lvl3pPr>
             <a:lvl4pPr marL="1371600" indent="0">
               <a:buNone/>
-              <a:defRPr sz="1000"/>
+              <a:defRPr sz="1600"/>
             </a:lvl4pPr>
             <a:lvl5pPr marL="1828800" indent="0">
               <a:buNone/>
-              <a:defRPr sz="1000"/>
+              <a:defRPr sz="1600"/>
             </a:lvl5pPr>
             <a:lvl6pPr marL="2286000" indent="0">
               <a:buNone/>
-              <a:defRPr sz="1000"/>
+              <a:defRPr sz="1600"/>
             </a:lvl6pPr>
             <a:lvl7pPr marL="2743200" indent="0">
               <a:buNone/>
-              <a:defRPr sz="1000"/>
+              <a:defRPr sz="1600"/>
             </a:lvl7pPr>
             <a:lvl8pPr marL="3200400" indent="0">
               <a:buNone/>
-              <a:defRPr sz="1000"/>
+              <a:defRPr sz="1600"/>
             </a:lvl8pPr>
             <a:lvl9pPr marL="3657600" indent="0">
               <a:buNone/>
-              <a:defRPr sz="1000"/>
+              <a:defRPr sz="1600"/>
             </a:lvl9pPr>
           </a:lstStyle>
           <a:p>
+            <a:r>
+              <a:rPr lang="en-US"/>
+              <a:t>Click icon to add picture</a:t>
+            </a:r>
+            <a:endParaRPr lang="en-US" dirty="0"/>
+          </a:p>
+        </p:txBody>
+      </p:sp>
+      <p:sp>
+        <p:nvSpPr>
+          <p:cNvPr id="4" name="Text Placeholder 3"/>
+          <p:cNvSpPr>
+            <a:spLocks noGrp="1"/>
+          </p:cNvSpPr>
+          <p:nvPr>
+            <p:ph type="body" sz="half" idx="2"/>
+          </p:nvPr>
+        </p:nvSpPr>
+        <p:spPr>
+          <a:xfrm>
+            <a:off x="913795" y="2439261"/>
+            <a:ext cx="5934949" cy="3376134"/>
+          </a:xfrm>
+        </p:spPr>
+        <p:txBody>
+          <a:bodyPr anchor="t">
+            <a:normAutofit/>
+          </a:bodyPr>
+          <a:lstStyle>
+            <a:lvl1pPr marL="0" indent="0" algn="ctr">
+              <a:buNone/>
+              <a:defRPr sz="1600"/>
+            </a:lvl1pPr>
+            <a:lvl2pPr marL="457200" indent="0">
+              <a:buNone/>
+              <a:defRPr sz="1200"/>
+            </a:lvl2pPr>
+            <a:lvl3pPr marL="914400" indent="0">
+              <a:buNone/>
+              <a:defRPr sz="1000"/>
+            </a:lvl3pPr>
+            <a:lvl4pPr marL="1371600" indent="0">
+              <a:buNone/>
+              <a:defRPr sz="900"/>
+            </a:lvl4pPr>
+            <a:lvl5pPr marL="1828800" indent="0">
+              <a:buNone/>
+              <a:defRPr sz="900"/>
+            </a:lvl5pPr>
+            <a:lvl6pPr marL="2286000" indent="0">
+              <a:buNone/>
+              <a:defRPr sz="900"/>
+            </a:lvl6pPr>
+            <a:lvl7pPr marL="2743200" indent="0">
+              <a:buNone/>
+              <a:defRPr sz="900"/>
+            </a:lvl7pPr>
+            <a:lvl8pPr marL="3200400" indent="0">
+              <a:buNone/>
+              <a:defRPr sz="900"/>
+            </a:lvl8pPr>
+            <a:lvl9pPr marL="3657600" indent="0">
+              <a:buNone/>
+              <a:defRPr sz="900"/>
+            </a:lvl9pPr>
+          </a:lstStyle>
+          <a:p>
             <a:pPr lvl="0"/>
             <a:r>
               <a:rPr lang="en-US"/>
@@ -2663,13 +5102,7 @@
       </p:sp>
       <p:sp>
         <p:nvSpPr>
-          <p:cNvPr id="5" name="Date Placeholder 4">
-            <a:extLst>
-              <a:ext uri="{FF2B5EF4-FFF2-40B4-BE49-F238E27FC236}">
-                <a16:creationId xmlns:a16="http://schemas.microsoft.com/office/drawing/2014/main" id="{761A35E3-EC26-17D6-9052-04EFBAC65CE1}"/>
-              </a:ext>
-            </a:extLst>
-          </p:cNvPr>
+          <p:cNvPr id="5" name="Date Placeholder 4"/>
           <p:cNvSpPr>
             <a:spLocks noGrp="1"/>
           </p:cNvSpPr>
@@ -2684,7 +5117,7 @@
           <a:p>
             <a:fld id="{A22BCD6F-2A98-4151-B6C3-C15192657300}" type="datetimeFigureOut">
               <a:rPr lang="en-GB" smtClean="0"/>
-              <a:t>04/05/2025</a:t>
+              <a:t>05/05/2025</a:t>
             </a:fld>
             <a:endParaRPr lang="en-GB"/>
           </a:p>
@@ -2692,13 +5125,7 @@
       </p:sp>
       <p:sp>
         <p:nvSpPr>
-          <p:cNvPr id="6" name="Footer Placeholder 5">
-            <a:extLst>
-              <a:ext uri="{FF2B5EF4-FFF2-40B4-BE49-F238E27FC236}">
-                <a16:creationId xmlns:a16="http://schemas.microsoft.com/office/drawing/2014/main" id="{1E35335F-4848-F928-A5A1-751AEBF447BF}"/>
-              </a:ext>
-            </a:extLst>
-          </p:cNvPr>
+          <p:cNvPr id="6" name="Footer Placeholder 5"/>
           <p:cNvSpPr>
             <a:spLocks noGrp="1"/>
           </p:cNvSpPr>
@@ -2717,13 +5144,7 @@
       </p:sp>
       <p:sp>
         <p:nvSpPr>
-          <p:cNvPr id="7" name="Slide Number Placeholder 6">
-            <a:extLst>
-              <a:ext uri="{FF2B5EF4-FFF2-40B4-BE49-F238E27FC236}">
-                <a16:creationId xmlns:a16="http://schemas.microsoft.com/office/drawing/2014/main" id="{1E0F3471-B1ED-CD01-76D7-271FB8C83751}"/>
-              </a:ext>
-            </a:extLst>
-          </p:cNvPr>
+          <p:cNvPr id="7" name="Slide Number Placeholder 6"/>
           <p:cNvSpPr>
             <a:spLocks noGrp="1"/>
           </p:cNvSpPr>
@@ -2747,7 +5168,7 @@
     </p:spTree>
     <p:extLst>
       <p:ext uri="{BB962C8B-B14F-4D97-AF65-F5344CB8AC3E}">
-        <p14:creationId xmlns:p14="http://schemas.microsoft.com/office/powerpoint/2010/main" val="2892665095"/>
+        <p14:creationId xmlns:p14="http://schemas.microsoft.com/office/powerpoint/2010/main" val="2183054738"/>
       </p:ext>
     </p:extLst>
   </p:cSld>
@@ -2761,8 +5182,8 @@
 <p:sldMaster xmlns:a="http://schemas.openxmlformats.org/drawingml/2006/main" xmlns:r="http://schemas.openxmlformats.org/officeDocument/2006/relationships" xmlns:p="http://schemas.openxmlformats.org/presentationml/2006/main">
   <p:cSld>
     <p:bg>
-      <p:bgRef idx="1001">
-        <a:schemeClr val="bg1"/>
+      <p:bgRef idx="1003">
+        <a:schemeClr val="bg2"/>
       </p:bgRef>
     </p:bg>
     <p:spTree>
@@ -2781,13 +5202,7 @@
       </p:grpSpPr>
       <p:sp>
         <p:nvSpPr>
-          <p:cNvPr id="2" name="Title Placeholder 1">
-            <a:extLst>
-              <a:ext uri="{FF2B5EF4-FFF2-40B4-BE49-F238E27FC236}">
-                <a16:creationId xmlns:a16="http://schemas.microsoft.com/office/drawing/2014/main" id="{E05064E7-CFF3-93A0-1C69-F20AF945D81C}"/>
-              </a:ext>
-            </a:extLst>
-          </p:cNvPr>
+          <p:cNvPr id="2" name="Title Placeholder 1"/>
           <p:cNvSpPr>
             <a:spLocks noGrp="1"/>
           </p:cNvSpPr>
@@ -2797,12 +5212,19 @@
         </p:nvSpPr>
         <p:spPr>
           <a:xfrm>
-            <a:off x="838200" y="365125"/>
-            <a:ext cx="10515600" cy="1325563"/>
+            <a:off x="913795" y="609600"/>
+            <a:ext cx="10353762" cy="970450"/>
           </a:xfrm>
           <a:prstGeom prst="rect">
             <a:avLst/>
           </a:prstGeom>
+          <a:effectLst>
+            <a:outerShdw blurRad="25400" dir="17880000">
+              <a:srgbClr val="000000">
+                <a:alpha val="46000"/>
+              </a:srgbClr>
+            </a:outerShdw>
+          </a:effectLst>
         </p:spPr>
         <p:txBody>
           <a:bodyPr vert="horz" lIns="91440" tIns="45720" rIns="91440" bIns="45720" rtlCol="0" anchor="ctr">
@@ -2814,19 +5236,13 @@
               <a:rPr lang="en-US"/>
               <a:t>Click to edit Master title style</a:t>
             </a:r>
-            <a:endParaRPr lang="en-GB"/>
-          </a:p>
-        </p:txBody>
-      </p:sp>
-      <p:sp>
-        <p:nvSpPr>
-          <p:cNvPr id="3" name="Text Placeholder 2">
-            <a:extLst>
-              <a:ext uri="{FF2B5EF4-FFF2-40B4-BE49-F238E27FC236}">
-                <a16:creationId xmlns:a16="http://schemas.microsoft.com/office/drawing/2014/main" id="{EA2EE1D1-344F-7CBA-9437-21DD7D769D34}"/>
-              </a:ext>
-            </a:extLst>
-          </p:cNvPr>
+            <a:endParaRPr lang="en-US" dirty="0"/>
+          </a:p>
+        </p:txBody>
+      </p:sp>
+      <p:sp>
+        <p:nvSpPr>
+          <p:cNvPr id="3" name="Text Placeholder 2"/>
           <p:cNvSpPr>
             <a:spLocks noGrp="1"/>
           </p:cNvSpPr>
@@ -2836,15 +5252,22 @@
         </p:nvSpPr>
         <p:spPr>
           <a:xfrm>
-            <a:off x="838200" y="1825625"/>
-            <a:ext cx="10515600" cy="4351338"/>
+            <a:off x="913795" y="1732449"/>
+            <a:ext cx="10353762" cy="4058751"/>
           </a:xfrm>
           <a:prstGeom prst="rect">
             <a:avLst/>
           </a:prstGeom>
+          <a:effectLst>
+            <a:outerShdw blurRad="25400" dir="17880000">
+              <a:srgbClr val="000000">
+                <a:alpha val="46000"/>
+              </a:srgbClr>
+            </a:outerShdw>
+          </a:effectLst>
         </p:spPr>
         <p:txBody>
-          <a:bodyPr vert="horz" lIns="91440" tIns="45720" rIns="91440" bIns="45720" rtlCol="0">
+          <a:bodyPr vert="horz" lIns="91440" tIns="45720" rIns="91440" bIns="45720" rtlCol="0" anchor="t">
             <a:normAutofit/>
           </a:bodyPr>
           <a:lstStyle/>
@@ -2882,19 +5305,13 @@
               <a:rPr lang="en-US"/>
               <a:t>Fifth level</a:t>
             </a:r>
-            <a:endParaRPr lang="en-GB"/>
-          </a:p>
-        </p:txBody>
-      </p:sp>
-      <p:sp>
-        <p:nvSpPr>
-          <p:cNvPr id="4" name="Date Placeholder 3">
-            <a:extLst>
-              <a:ext uri="{FF2B5EF4-FFF2-40B4-BE49-F238E27FC236}">
-                <a16:creationId xmlns:a16="http://schemas.microsoft.com/office/drawing/2014/main" id="{F07E495E-3DD9-4BE4-CE0D-C531BCF0DDC4}"/>
-              </a:ext>
-            </a:extLst>
-          </p:cNvPr>
+            <a:endParaRPr lang="en-US" dirty="0"/>
+          </a:p>
+        </p:txBody>
+      </p:sp>
+      <p:sp>
+        <p:nvSpPr>
+          <p:cNvPr id="4" name="Date Placeholder 3"/>
           <p:cNvSpPr>
             <a:spLocks noGrp="1"/>
           </p:cNvSpPr>
@@ -2904,7 +5321,7 @@
         </p:nvSpPr>
         <p:spPr>
           <a:xfrm>
-            <a:off x="838200" y="6356350"/>
+            <a:off x="7678736" y="5883275"/>
             <a:ext cx="2743200" cy="365125"/>
           </a:xfrm>
           <a:prstGeom prst="rect">
@@ -2914,20 +5331,27 @@
         <p:txBody>
           <a:bodyPr vert="horz" lIns="91440" tIns="45720" rIns="91440" bIns="45720" rtlCol="0" anchor="ctr"/>
           <a:lstStyle>
-            <a:lvl1pPr algn="l">
-              <a:defRPr sz="1200">
+            <a:lvl1pPr algn="r">
+              <a:defRPr sz="1000">
                 <a:solidFill>
                   <a:schemeClr val="tx1">
-                    <a:tint val="82000"/>
+                    <a:lumMod val="95000"/>
                   </a:schemeClr>
                 </a:solidFill>
+                <a:effectLst>
+                  <a:outerShdw blurRad="50800" dist="38100" dir="2700000" algn="tl" rotWithShape="0">
+                    <a:schemeClr val="bg1">
+                      <a:alpha val="43000"/>
+                    </a:schemeClr>
+                  </a:outerShdw>
+                </a:effectLst>
               </a:defRPr>
             </a:lvl1pPr>
           </a:lstStyle>
           <a:p>
             <a:fld id="{A22BCD6F-2A98-4151-B6C3-C15192657300}" type="datetimeFigureOut">
               <a:rPr lang="en-GB" smtClean="0"/>
-              <a:t>04/05/2025</a:t>
+              <a:t>05/05/2025</a:t>
             </a:fld>
             <a:endParaRPr lang="en-GB"/>
           </a:p>
@@ -2935,13 +5359,7 @@
       </p:sp>
       <p:sp>
         <p:nvSpPr>
-          <p:cNvPr id="5" name="Footer Placeholder 4">
-            <a:extLst>
-              <a:ext uri="{FF2B5EF4-FFF2-40B4-BE49-F238E27FC236}">
-                <a16:creationId xmlns:a16="http://schemas.microsoft.com/office/drawing/2014/main" id="{E81A1FF3-25F9-2A01-FB4C-4A37B3FCF1A9}"/>
-              </a:ext>
-            </a:extLst>
-          </p:cNvPr>
+          <p:cNvPr id="5" name="Footer Placeholder 4"/>
           <p:cNvSpPr>
             <a:spLocks noGrp="1"/>
           </p:cNvSpPr>
@@ -2951,8 +5369,8 @@
         </p:nvSpPr>
         <p:spPr>
           <a:xfrm>
-            <a:off x="4038600" y="6356350"/>
-            <a:ext cx="4114800" cy="365125"/>
+            <a:off x="913795" y="5883275"/>
+            <a:ext cx="6672865" cy="365125"/>
           </a:xfrm>
           <a:prstGeom prst="rect">
             <a:avLst/>
@@ -2961,13 +5379,20 @@
         <p:txBody>
           <a:bodyPr vert="horz" lIns="91440" tIns="45720" rIns="91440" bIns="45720" rtlCol="0" anchor="ctr"/>
           <a:lstStyle>
-            <a:lvl1pPr algn="ctr">
-              <a:defRPr sz="1200">
+            <a:lvl1pPr algn="l">
+              <a:defRPr sz="1000">
                 <a:solidFill>
                   <a:schemeClr val="tx1">
-                    <a:tint val="82000"/>
+                    <a:lumMod val="95000"/>
                   </a:schemeClr>
                 </a:solidFill>
+                <a:effectLst>
+                  <a:outerShdw blurRad="50800" dist="38100" dir="2700000" algn="tl" rotWithShape="0">
+                    <a:schemeClr val="bg1">
+                      <a:alpha val="43000"/>
+                    </a:schemeClr>
+                  </a:outerShdw>
+                </a:effectLst>
               </a:defRPr>
             </a:lvl1pPr>
           </a:lstStyle>
@@ -2978,13 +5403,7 @@
       </p:sp>
       <p:sp>
         <p:nvSpPr>
-          <p:cNvPr id="6" name="Slide Number Placeholder 5">
-            <a:extLst>
-              <a:ext uri="{FF2B5EF4-FFF2-40B4-BE49-F238E27FC236}">
-                <a16:creationId xmlns:a16="http://schemas.microsoft.com/office/drawing/2014/main" id="{E2489A9F-69C7-2353-F83F-819F0A583956}"/>
-              </a:ext>
-            </a:extLst>
-          </p:cNvPr>
+          <p:cNvPr id="6" name="Slide Number Placeholder 5"/>
           <p:cNvSpPr>
             <a:spLocks noGrp="1"/>
           </p:cNvSpPr>
@@ -2994,8 +5413,8 @@
         </p:nvSpPr>
         <p:spPr>
           <a:xfrm>
-            <a:off x="8610600" y="6356350"/>
-            <a:ext cx="2743200" cy="365125"/>
+            <a:off x="10514011" y="5883275"/>
+            <a:ext cx="753545" cy="365125"/>
           </a:xfrm>
           <a:prstGeom prst="rect">
             <a:avLst/>
@@ -3005,12 +5424,19 @@
           <a:bodyPr vert="horz" lIns="91440" tIns="45720" rIns="91440" bIns="45720" rtlCol="0" anchor="ctr"/>
           <a:lstStyle>
             <a:lvl1pPr algn="r">
-              <a:defRPr sz="1200">
+              <a:defRPr sz="1000">
                 <a:solidFill>
                   <a:schemeClr val="tx1">
-                    <a:tint val="82000"/>
+                    <a:lumMod val="95000"/>
                   </a:schemeClr>
                 </a:solidFill>
+                <a:effectLst>
+                  <a:outerShdw blurRad="50800" dist="38100" dir="2700000" algn="tl" rotWithShape="0">
+                    <a:schemeClr val="bg1">
+                      <a:alpha val="43000"/>
+                    </a:schemeClr>
+                  </a:outerShdw>
+                </a:effectLst>
               </a:defRPr>
             </a:lvl1pPr>
           </a:lstStyle>
@@ -3026,202 +5452,457 @@
     </p:spTree>
     <p:extLst>
       <p:ext uri="{BB962C8B-B14F-4D97-AF65-F5344CB8AC3E}">
-        <p14:creationId xmlns:p14="http://schemas.microsoft.com/office/powerpoint/2010/main" val="3153393990"/>
+        <p14:creationId xmlns:p14="http://schemas.microsoft.com/office/powerpoint/2010/main" val="2348397370"/>
       </p:ext>
     </p:extLst>
   </p:cSld>
-  <p:clrMap bg1="lt1" tx1="dk1" bg2="lt2" tx2="dk2" accent1="accent1" accent2="accent2" accent3="accent3" accent4="accent4" accent5="accent5" accent6="accent6" hlink="hlink" folHlink="folHlink"/>
+  <p:clrMap bg1="dk1" tx1="lt1" bg2="dk2" tx2="lt2" accent1="accent1" accent2="accent2" accent3="accent3" accent4="accent4" accent5="accent5" accent6="accent6" hlink="hlink" folHlink="folHlink"/>
   <p:sldLayoutIdLst>
-    <p:sldLayoutId id="2147483649" r:id="rId1"/>
-    <p:sldLayoutId id="2147483650" r:id="rId2"/>
-    <p:sldLayoutId id="2147483651" r:id="rId3"/>
-    <p:sldLayoutId id="2147483652" r:id="rId4"/>
-    <p:sldLayoutId id="2147483653" r:id="rId5"/>
-    <p:sldLayoutId id="2147483654" r:id="rId6"/>
-    <p:sldLayoutId id="2147483655" r:id="rId7"/>
-    <p:sldLayoutId id="2147483656" r:id="rId8"/>
-    <p:sldLayoutId id="2147483657" r:id="rId9"/>
-    <p:sldLayoutId id="2147483658" r:id="rId10"/>
-    <p:sldLayoutId id="2147483659" r:id="rId11"/>
+    <p:sldLayoutId id="2147483661" r:id="rId1"/>
+    <p:sldLayoutId id="2147483662" r:id="rId2"/>
+    <p:sldLayoutId id="2147483663" r:id="rId3"/>
+    <p:sldLayoutId id="2147483664" r:id="rId4"/>
+    <p:sldLayoutId id="2147483665" r:id="rId5"/>
+    <p:sldLayoutId id="2147483666" r:id="rId6"/>
+    <p:sldLayoutId id="2147483667" r:id="rId7"/>
+    <p:sldLayoutId id="2147483668" r:id="rId8"/>
+    <p:sldLayoutId id="2147483669" r:id="rId9"/>
+    <p:sldLayoutId id="2147483670" r:id="rId10"/>
+    <p:sldLayoutId id="2147483671" r:id="rId11"/>
+    <p:sldLayoutId id="2147483672" r:id="rId12"/>
+    <p:sldLayoutId id="2147483673" r:id="rId13"/>
+    <p:sldLayoutId id="2147483674" r:id="rId14"/>
+    <p:sldLayoutId id="2147483675" r:id="rId15"/>
+    <p:sldLayoutId id="2147483676" r:id="rId16"/>
+    <p:sldLayoutId id="2147483677" r:id="rId17"/>
   </p:sldLayoutIdLst>
   <p:txStyles>
     <p:titleStyle>
-      <a:lvl1pPr algn="l" defTabSz="914400" rtl="0" eaLnBrk="1" latinLnBrk="0" hangingPunct="1">
-        <a:lnSpc>
-          <a:spcPct val="90000"/>
-        </a:lnSpc>
+      <a:lvl1pPr algn="ctr" defTabSz="457200" rtl="0" eaLnBrk="1" latinLnBrk="0" hangingPunct="1">
         <a:spcBef>
           <a:spcPct val="0"/>
         </a:spcBef>
         <a:buNone/>
-        <a:defRPr sz="4400" kern="1200">
+        <a:defRPr sz="4000" kern="1200">
+          <a:ln>
+            <a:solidFill>
+              <a:schemeClr val="bg1">
+                <a:lumMod val="75000"/>
+                <a:lumOff val="25000"/>
+                <a:alpha val="10000"/>
+              </a:schemeClr>
+            </a:solidFill>
+          </a:ln>
           <a:solidFill>
-            <a:schemeClr val="tx1"/>
+            <a:schemeClr val="tx2"/>
           </a:solidFill>
+          <a:effectLst>
+            <a:outerShdw blurRad="9525" dist="25400" dir="14640000" algn="tl" rotWithShape="0">
+              <a:schemeClr val="bg1">
+                <a:alpha val="30000"/>
+              </a:schemeClr>
+            </a:outerShdw>
+          </a:effectLst>
           <a:latin typeface="+mj-lt"/>
           <a:ea typeface="+mj-ea"/>
-          <a:cs typeface="+mj-cs"/>
+          <a:cs typeface="Trebuchet MS"/>
         </a:defRPr>
       </a:lvl1pPr>
+      <a:lvl2pPr eaLnBrk="1" hangingPunct="1">
+        <a:defRPr>
+          <a:solidFill>
+            <a:schemeClr val="tx2"/>
+          </a:solidFill>
+        </a:defRPr>
+      </a:lvl2pPr>
+      <a:lvl3pPr eaLnBrk="1" hangingPunct="1">
+        <a:defRPr>
+          <a:solidFill>
+            <a:schemeClr val="tx2"/>
+          </a:solidFill>
+        </a:defRPr>
+      </a:lvl3pPr>
+      <a:lvl4pPr eaLnBrk="1" hangingPunct="1">
+        <a:defRPr>
+          <a:solidFill>
+            <a:schemeClr val="tx2"/>
+          </a:solidFill>
+        </a:defRPr>
+      </a:lvl4pPr>
+      <a:lvl5pPr eaLnBrk="1" hangingPunct="1">
+        <a:defRPr>
+          <a:solidFill>
+            <a:schemeClr val="tx2"/>
+          </a:solidFill>
+        </a:defRPr>
+      </a:lvl5pPr>
+      <a:lvl6pPr eaLnBrk="1" hangingPunct="1">
+        <a:defRPr>
+          <a:solidFill>
+            <a:schemeClr val="tx2"/>
+          </a:solidFill>
+        </a:defRPr>
+      </a:lvl6pPr>
+      <a:lvl7pPr eaLnBrk="1" hangingPunct="1">
+        <a:defRPr>
+          <a:solidFill>
+            <a:schemeClr val="tx2"/>
+          </a:solidFill>
+        </a:defRPr>
+      </a:lvl7pPr>
+      <a:lvl8pPr eaLnBrk="1" hangingPunct="1">
+        <a:defRPr>
+          <a:solidFill>
+            <a:schemeClr val="tx2"/>
+          </a:solidFill>
+        </a:defRPr>
+      </a:lvl8pPr>
+      <a:lvl9pPr eaLnBrk="1" hangingPunct="1">
+        <a:defRPr>
+          <a:solidFill>
+            <a:schemeClr val="tx2"/>
+          </a:solidFill>
+        </a:defRPr>
+      </a:lvl9pPr>
     </p:titleStyle>
     <p:bodyStyle>
-      <a:lvl1pPr marL="228600" indent="-228600" algn="l" defTabSz="914400" rtl="0" eaLnBrk="1" latinLnBrk="0" hangingPunct="1">
-        <a:lnSpc>
-          <a:spcPct val="90000"/>
-        </a:lnSpc>
+      <a:lvl1pPr marL="342900" indent="-306000" algn="l" defTabSz="457200" rtl="0" eaLnBrk="1" latinLnBrk="0" hangingPunct="1">
         <a:spcBef>
-          <a:spcPts val="1000"/>
+          <a:spcPct val="20000"/>
         </a:spcBef>
-        <a:buFont typeface="Arial" panose="020B0604020202020204" pitchFamily="34" charset="0"/>
-        <a:buChar char="•"/>
-        <a:defRPr sz="2800" kern="1200">
+        <a:spcAft>
+          <a:spcPts val="600"/>
+        </a:spcAft>
+        <a:buClr>
+          <a:schemeClr val="tx2"/>
+        </a:buClr>
+        <a:buSzPct val="70000"/>
+        <a:buFont typeface="Wingdings 2" charset="2"/>
+        <a:buChar char=""/>
+        <a:defRPr sz="2000" kern="1200">
+          <a:ln>
+            <a:solidFill>
+              <a:schemeClr val="bg1">
+                <a:lumMod val="75000"/>
+                <a:lumOff val="25000"/>
+                <a:alpha val="10000"/>
+              </a:schemeClr>
+            </a:solidFill>
+          </a:ln>
           <a:solidFill>
-            <a:schemeClr val="tx1"/>
+            <a:schemeClr val="tx2"/>
           </a:solidFill>
+          <a:effectLst>
+            <a:outerShdw blurRad="9525" dist="25400" dir="14640000" algn="tl" rotWithShape="0">
+              <a:schemeClr val="bg1">
+                <a:alpha val="30000"/>
+              </a:schemeClr>
+            </a:outerShdw>
+          </a:effectLst>
           <a:latin typeface="+mn-lt"/>
           <a:ea typeface="+mn-ea"/>
           <a:cs typeface="+mn-cs"/>
         </a:defRPr>
       </a:lvl1pPr>
-      <a:lvl2pPr marL="685800" indent="-228600" algn="l" defTabSz="914400" rtl="0" eaLnBrk="1" latinLnBrk="0" hangingPunct="1">
-        <a:lnSpc>
-          <a:spcPct val="90000"/>
-        </a:lnSpc>
+      <a:lvl2pPr marL="720000" indent="-270000" algn="l" defTabSz="457200" rtl="0" eaLnBrk="1" latinLnBrk="0" hangingPunct="1">
         <a:spcBef>
-          <a:spcPts val="500"/>
+          <a:spcPct val="20000"/>
         </a:spcBef>
-        <a:buFont typeface="Arial" panose="020B0604020202020204" pitchFamily="34" charset="0"/>
-        <a:buChar char="•"/>
-        <a:defRPr sz="2400" kern="1200">
+        <a:spcAft>
+          <a:spcPts val="600"/>
+        </a:spcAft>
+        <a:buClr>
+          <a:schemeClr val="tx2"/>
+        </a:buClr>
+        <a:buSzPct val="70000"/>
+        <a:buFont typeface="Wingdings 2" charset="2"/>
+        <a:buChar char=""/>
+        <a:defRPr sz="1800" kern="1200">
+          <a:ln>
+            <a:solidFill>
+              <a:schemeClr val="bg1">
+                <a:lumMod val="75000"/>
+                <a:lumOff val="25000"/>
+                <a:alpha val="10000"/>
+              </a:schemeClr>
+            </a:solidFill>
+          </a:ln>
           <a:solidFill>
-            <a:schemeClr val="tx1"/>
+            <a:schemeClr val="tx2"/>
           </a:solidFill>
+          <a:effectLst>
+            <a:outerShdw blurRad="9525" dist="25400" dir="14640000" algn="tl" rotWithShape="0">
+              <a:schemeClr val="bg1">
+                <a:alpha val="30000"/>
+              </a:schemeClr>
+            </a:outerShdw>
+          </a:effectLst>
           <a:latin typeface="+mn-lt"/>
           <a:ea typeface="+mn-ea"/>
           <a:cs typeface="+mn-cs"/>
         </a:defRPr>
       </a:lvl2pPr>
-      <a:lvl3pPr marL="1143000" indent="-228600" algn="l" defTabSz="914400" rtl="0" eaLnBrk="1" latinLnBrk="0" hangingPunct="1">
-        <a:lnSpc>
-          <a:spcPct val="90000"/>
-        </a:lnSpc>
+      <a:lvl3pPr marL="1026000" indent="-216000" algn="l" defTabSz="457200" rtl="0" eaLnBrk="1" latinLnBrk="0" hangingPunct="1">
         <a:spcBef>
-          <a:spcPts val="500"/>
+          <a:spcPct val="20000"/>
         </a:spcBef>
-        <a:buFont typeface="Arial" panose="020B0604020202020204" pitchFamily="34" charset="0"/>
-        <a:buChar char="•"/>
-        <a:defRPr sz="2000" kern="1200">
+        <a:spcAft>
+          <a:spcPts val="600"/>
+        </a:spcAft>
+        <a:buClr>
+          <a:schemeClr val="tx2"/>
+        </a:buClr>
+        <a:buSzPct val="70000"/>
+        <a:buFont typeface="Wingdings 2" charset="2"/>
+        <a:buChar char=""/>
+        <a:defRPr sz="1600" kern="1200">
+          <a:ln>
+            <a:solidFill>
+              <a:schemeClr val="bg1">
+                <a:lumMod val="75000"/>
+                <a:lumOff val="25000"/>
+                <a:alpha val="10000"/>
+              </a:schemeClr>
+            </a:solidFill>
+          </a:ln>
           <a:solidFill>
-            <a:schemeClr val="tx1"/>
+            <a:schemeClr val="tx2"/>
           </a:solidFill>
+          <a:effectLst>
+            <a:outerShdw blurRad="9525" dist="25400" dir="14640000" algn="tl" rotWithShape="0">
+              <a:schemeClr val="bg1">
+                <a:alpha val="30000"/>
+              </a:schemeClr>
+            </a:outerShdw>
+          </a:effectLst>
           <a:latin typeface="+mn-lt"/>
           <a:ea typeface="+mn-ea"/>
           <a:cs typeface="+mn-cs"/>
         </a:defRPr>
       </a:lvl3pPr>
-      <a:lvl4pPr marL="1600200" indent="-228600" algn="l" defTabSz="914400" rtl="0" eaLnBrk="1" latinLnBrk="0" hangingPunct="1">
-        <a:lnSpc>
-          <a:spcPct val="90000"/>
-        </a:lnSpc>
+      <a:lvl4pPr marL="1386000" indent="-216000" algn="l" defTabSz="457200" rtl="0" eaLnBrk="1" latinLnBrk="0" hangingPunct="1">
         <a:spcBef>
-          <a:spcPts val="500"/>
+          <a:spcPct val="20000"/>
         </a:spcBef>
-        <a:buFont typeface="Arial" panose="020B0604020202020204" pitchFamily="34" charset="0"/>
-        <a:buChar char="•"/>
-        <a:defRPr sz="1800" kern="1200">
+        <a:spcAft>
+          <a:spcPts val="600"/>
+        </a:spcAft>
+        <a:buClr>
+          <a:schemeClr val="tx2"/>
+        </a:buClr>
+        <a:buSzPct val="70000"/>
+        <a:buFont typeface="Wingdings 2" charset="2"/>
+        <a:buChar char=""/>
+        <a:defRPr sz="1400" kern="1200">
+          <a:ln>
+            <a:solidFill>
+              <a:schemeClr val="bg1">
+                <a:lumMod val="75000"/>
+                <a:lumOff val="25000"/>
+                <a:alpha val="10000"/>
+              </a:schemeClr>
+            </a:solidFill>
+          </a:ln>
           <a:solidFill>
-            <a:schemeClr val="tx1"/>
+            <a:schemeClr val="tx2"/>
           </a:solidFill>
+          <a:effectLst>
+            <a:outerShdw blurRad="9525" dist="25400" dir="14640000" algn="tl" rotWithShape="0">
+              <a:schemeClr val="bg1">
+                <a:alpha val="30000"/>
+              </a:schemeClr>
+            </a:outerShdw>
+          </a:effectLst>
           <a:latin typeface="+mn-lt"/>
           <a:ea typeface="+mn-ea"/>
           <a:cs typeface="+mn-cs"/>
         </a:defRPr>
       </a:lvl4pPr>
-      <a:lvl5pPr marL="2057400" indent="-228600" algn="l" defTabSz="914400" rtl="0" eaLnBrk="1" latinLnBrk="0" hangingPunct="1">
-        <a:lnSpc>
-          <a:spcPct val="90000"/>
-        </a:lnSpc>
+      <a:lvl5pPr marL="1674000" indent="-216000" algn="l" defTabSz="457200" rtl="0" eaLnBrk="1" latinLnBrk="0" hangingPunct="1">
         <a:spcBef>
-          <a:spcPts val="500"/>
+          <a:spcPct val="20000"/>
         </a:spcBef>
-        <a:buFont typeface="Arial" panose="020B0604020202020204" pitchFamily="34" charset="0"/>
-        <a:buChar char="•"/>
-        <a:defRPr sz="1800" kern="1200">
+        <a:spcAft>
+          <a:spcPts val="600"/>
+        </a:spcAft>
+        <a:buClr>
+          <a:schemeClr val="tx2"/>
+        </a:buClr>
+        <a:buSzPct val="70000"/>
+        <a:buFont typeface="Wingdings 2" charset="2"/>
+        <a:buChar char=""/>
+        <a:defRPr sz="1400" kern="1200">
+          <a:ln>
+            <a:solidFill>
+              <a:schemeClr val="bg1">
+                <a:lumMod val="75000"/>
+                <a:lumOff val="25000"/>
+                <a:alpha val="10000"/>
+              </a:schemeClr>
+            </a:solidFill>
+          </a:ln>
           <a:solidFill>
-            <a:schemeClr val="tx1"/>
+            <a:schemeClr val="tx2"/>
           </a:solidFill>
+          <a:effectLst>
+            <a:outerShdw blurRad="9525" dist="25400" dir="14640000" algn="tl" rotWithShape="0">
+              <a:schemeClr val="bg1">
+                <a:alpha val="30000"/>
+              </a:schemeClr>
+            </a:outerShdw>
+          </a:effectLst>
           <a:latin typeface="+mn-lt"/>
           <a:ea typeface="+mn-ea"/>
           <a:cs typeface="+mn-cs"/>
         </a:defRPr>
       </a:lvl5pPr>
-      <a:lvl6pPr marL="2514600" indent="-228600" algn="l" defTabSz="914400" rtl="0" eaLnBrk="1" latinLnBrk="0" hangingPunct="1">
-        <a:lnSpc>
-          <a:spcPct val="90000"/>
-        </a:lnSpc>
+      <a:lvl6pPr marL="2014600" indent="-228600" algn="l" defTabSz="457200" rtl="0" eaLnBrk="1" latinLnBrk="0" hangingPunct="1">
         <a:spcBef>
-          <a:spcPts val="500"/>
+          <a:spcPct val="20000"/>
         </a:spcBef>
-        <a:buFont typeface="Arial" panose="020B0604020202020204" pitchFamily="34" charset="0"/>
-        <a:buChar char="•"/>
-        <a:defRPr sz="1800" kern="1200">
+        <a:spcAft>
+          <a:spcPts val="600"/>
+        </a:spcAft>
+        <a:buClr>
+          <a:schemeClr val="tx2"/>
+        </a:buClr>
+        <a:buSzPct val="70000"/>
+        <a:buFont typeface="Wingdings 2" charset="2"/>
+        <a:buChar char=""/>
+        <a:defRPr sz="1400" kern="1200">
+          <a:ln>
+            <a:solidFill>
+              <a:schemeClr val="bg1">
+                <a:lumMod val="75000"/>
+                <a:lumOff val="25000"/>
+                <a:alpha val="10000"/>
+              </a:schemeClr>
+            </a:solidFill>
+          </a:ln>
           <a:solidFill>
-            <a:schemeClr val="tx1"/>
+            <a:schemeClr val="tx2"/>
           </a:solidFill>
+          <a:effectLst>
+            <a:outerShdw blurRad="9525" dist="25400" dir="14640000" algn="tl" rotWithShape="0">
+              <a:schemeClr val="bg1">
+                <a:alpha val="30000"/>
+              </a:schemeClr>
+            </a:outerShdw>
+          </a:effectLst>
           <a:latin typeface="+mn-lt"/>
           <a:ea typeface="+mn-ea"/>
           <a:cs typeface="+mn-cs"/>
         </a:defRPr>
       </a:lvl6pPr>
-      <a:lvl7pPr marL="2971800" indent="-228600" algn="l" defTabSz="914400" rtl="0" eaLnBrk="1" latinLnBrk="0" hangingPunct="1">
-        <a:lnSpc>
-          <a:spcPct val="90000"/>
-        </a:lnSpc>
+      <a:lvl7pPr marL="2401800" indent="-228600" algn="l" defTabSz="457200" rtl="0" eaLnBrk="1" latinLnBrk="0" hangingPunct="1">
         <a:spcBef>
-          <a:spcPts val="500"/>
+          <a:spcPct val="20000"/>
         </a:spcBef>
-        <a:buFont typeface="Arial" panose="020B0604020202020204" pitchFamily="34" charset="0"/>
-        <a:buChar char="•"/>
-        <a:defRPr sz="1800" kern="1200">
+        <a:spcAft>
+          <a:spcPts val="600"/>
+        </a:spcAft>
+        <a:buClr>
+          <a:schemeClr val="tx2"/>
+        </a:buClr>
+        <a:buSzPct val="70000"/>
+        <a:buFont typeface="Wingdings 2" charset="2"/>
+        <a:buChar char=""/>
+        <a:defRPr sz="1400" kern="1200">
+          <a:ln>
+            <a:solidFill>
+              <a:schemeClr val="bg1">
+                <a:lumMod val="75000"/>
+                <a:lumOff val="25000"/>
+                <a:alpha val="10000"/>
+              </a:schemeClr>
+            </a:solidFill>
+          </a:ln>
           <a:solidFill>
-            <a:schemeClr val="tx1"/>
+            <a:schemeClr val="tx2"/>
           </a:solidFill>
+          <a:effectLst>
+            <a:outerShdw blurRad="9525" dist="25400" dir="14640000" algn="tl" rotWithShape="0">
+              <a:schemeClr val="bg1">
+                <a:alpha val="30000"/>
+              </a:schemeClr>
+            </a:outerShdw>
+          </a:effectLst>
           <a:latin typeface="+mn-lt"/>
           <a:ea typeface="+mn-ea"/>
           <a:cs typeface="+mn-cs"/>
         </a:defRPr>
       </a:lvl7pPr>
-      <a:lvl8pPr marL="3429000" indent="-228600" algn="l" defTabSz="914400" rtl="0" eaLnBrk="1" latinLnBrk="0" hangingPunct="1">
-        <a:lnSpc>
-          <a:spcPct val="90000"/>
-        </a:lnSpc>
+      <a:lvl8pPr marL="2789000" indent="-228600" algn="l" defTabSz="457200" rtl="0" eaLnBrk="1" latinLnBrk="0" hangingPunct="1">
         <a:spcBef>
-          <a:spcPts val="500"/>
+          <a:spcPct val="20000"/>
         </a:spcBef>
-        <a:buFont typeface="Arial" panose="020B0604020202020204" pitchFamily="34" charset="0"/>
-        <a:buChar char="•"/>
-        <a:defRPr sz="1800" kern="1200">
+        <a:spcAft>
+          <a:spcPts val="600"/>
+        </a:spcAft>
+        <a:buClr>
+          <a:schemeClr val="tx2"/>
+        </a:buClr>
+        <a:buSzPct val="70000"/>
+        <a:buFont typeface="Wingdings 2" charset="2"/>
+        <a:buChar char=""/>
+        <a:defRPr sz="1400" kern="1200">
+          <a:ln>
+            <a:solidFill>
+              <a:schemeClr val="bg1">
+                <a:lumMod val="75000"/>
+                <a:lumOff val="25000"/>
+                <a:alpha val="10000"/>
+              </a:schemeClr>
+            </a:solidFill>
+          </a:ln>
           <a:solidFill>
-            <a:schemeClr val="tx1"/>
+            <a:schemeClr val="tx2"/>
           </a:solidFill>
+          <a:effectLst>
+            <a:outerShdw blurRad="9525" dist="25400" dir="14640000" algn="tl" rotWithShape="0">
+              <a:schemeClr val="bg1">
+                <a:alpha val="30000"/>
+              </a:schemeClr>
+            </a:outerShdw>
+          </a:effectLst>
           <a:latin typeface="+mn-lt"/>
           <a:ea typeface="+mn-ea"/>
           <a:cs typeface="+mn-cs"/>
         </a:defRPr>
       </a:lvl8pPr>
-      <a:lvl9pPr marL="3886200" indent="-228600" algn="l" defTabSz="914400" rtl="0" eaLnBrk="1" latinLnBrk="0" hangingPunct="1">
-        <a:lnSpc>
-          <a:spcPct val="90000"/>
-        </a:lnSpc>
+      <a:lvl9pPr marL="3106200" indent="-228600" algn="l" defTabSz="457200" rtl="0" eaLnBrk="1" latinLnBrk="0" hangingPunct="1">
         <a:spcBef>
-          <a:spcPts val="500"/>
+          <a:spcPct val="20000"/>
         </a:spcBef>
-        <a:buFont typeface="Arial" panose="020B0604020202020204" pitchFamily="34" charset="0"/>
-        <a:buChar char="•"/>
-        <a:defRPr sz="1800" kern="1200">
+        <a:spcAft>
+          <a:spcPts val="600"/>
+        </a:spcAft>
+        <a:buClr>
+          <a:schemeClr val="tx2"/>
+        </a:buClr>
+        <a:buSzPct val="70000"/>
+        <a:buFont typeface="Wingdings 2" charset="2"/>
+        <a:buChar char=""/>
+        <a:defRPr sz="1400" kern="1200">
+          <a:ln>
+            <a:solidFill>
+              <a:schemeClr val="bg1">
+                <a:lumMod val="75000"/>
+                <a:lumOff val="25000"/>
+                <a:alpha val="10000"/>
+              </a:schemeClr>
+            </a:solidFill>
+          </a:ln>
           <a:solidFill>
-            <a:schemeClr val="tx1"/>
+            <a:schemeClr val="tx2"/>
           </a:solidFill>
+          <a:effectLst>
+            <a:outerShdw blurRad="9525" dist="25400" dir="14640000" algn="tl" rotWithShape="0">
+              <a:schemeClr val="bg1">
+                <a:alpha val="30000"/>
+              </a:schemeClr>
+            </a:outerShdw>
+          </a:effectLst>
           <a:latin typeface="+mn-lt"/>
           <a:ea typeface="+mn-ea"/>
           <a:cs typeface="+mn-cs"/>
@@ -3232,7 +5913,7 @@
       <a:defPPr>
         <a:defRPr lang="en-US"/>
       </a:defPPr>
-      <a:lvl1pPr marL="0" algn="l" defTabSz="914400" rtl="0" eaLnBrk="1" latinLnBrk="0" hangingPunct="1">
+      <a:lvl1pPr marL="0" algn="l" defTabSz="457200" rtl="0" eaLnBrk="1" latinLnBrk="0" hangingPunct="1">
         <a:defRPr sz="1800" kern="1200">
           <a:solidFill>
             <a:schemeClr val="tx1"/>
@@ -3242,7 +5923,7 @@
           <a:cs typeface="+mn-cs"/>
         </a:defRPr>
       </a:lvl1pPr>
-      <a:lvl2pPr marL="457200" algn="l" defTabSz="914400" rtl="0" eaLnBrk="1" latinLnBrk="0" hangingPunct="1">
+      <a:lvl2pPr marL="457200" algn="l" defTabSz="457200" rtl="0" eaLnBrk="1" latinLnBrk="0" hangingPunct="1">
         <a:defRPr sz="1800" kern="1200">
           <a:solidFill>
             <a:schemeClr val="tx1"/>
@@ -3252,7 +5933,7 @@
           <a:cs typeface="+mn-cs"/>
         </a:defRPr>
       </a:lvl2pPr>
-      <a:lvl3pPr marL="914400" algn="l" defTabSz="914400" rtl="0" eaLnBrk="1" latinLnBrk="0" hangingPunct="1">
+      <a:lvl3pPr marL="914400" algn="l" defTabSz="457200" rtl="0" eaLnBrk="1" latinLnBrk="0" hangingPunct="1">
         <a:defRPr sz="1800" kern="1200">
           <a:solidFill>
             <a:schemeClr val="tx1"/>
@@ -3262,7 +5943,7 @@
           <a:cs typeface="+mn-cs"/>
         </a:defRPr>
       </a:lvl3pPr>
-      <a:lvl4pPr marL="1371600" algn="l" defTabSz="914400" rtl="0" eaLnBrk="1" latinLnBrk="0" hangingPunct="1">
+      <a:lvl4pPr marL="1371600" algn="l" defTabSz="457200" rtl="0" eaLnBrk="1" latinLnBrk="0" hangingPunct="1">
         <a:defRPr sz="1800" kern="1200">
           <a:solidFill>
             <a:schemeClr val="tx1"/>
@@ -3272,7 +5953,7 @@
           <a:cs typeface="+mn-cs"/>
         </a:defRPr>
       </a:lvl4pPr>
-      <a:lvl5pPr marL="1828800" algn="l" defTabSz="914400" rtl="0" eaLnBrk="1" latinLnBrk="0" hangingPunct="1">
+      <a:lvl5pPr marL="1828800" algn="l" defTabSz="457200" rtl="0" eaLnBrk="1" latinLnBrk="0" hangingPunct="1">
         <a:defRPr sz="1800" kern="1200">
           <a:solidFill>
             <a:schemeClr val="tx1"/>
@@ -3282,7 +5963,7 @@
           <a:cs typeface="+mn-cs"/>
         </a:defRPr>
       </a:lvl5pPr>
-      <a:lvl6pPr marL="2286000" algn="l" defTabSz="914400" rtl="0" eaLnBrk="1" latinLnBrk="0" hangingPunct="1">
+      <a:lvl6pPr marL="2286000" algn="l" defTabSz="457200" rtl="0" eaLnBrk="1" latinLnBrk="0" hangingPunct="1">
         <a:defRPr sz="1800" kern="1200">
           <a:solidFill>
             <a:schemeClr val="tx1"/>
@@ -3292,7 +5973,7 @@
           <a:cs typeface="+mn-cs"/>
         </a:defRPr>
       </a:lvl6pPr>
-      <a:lvl7pPr marL="2743200" algn="l" defTabSz="914400" rtl="0" eaLnBrk="1" latinLnBrk="0" hangingPunct="1">
+      <a:lvl7pPr marL="2743200" algn="l" defTabSz="457200" rtl="0" eaLnBrk="1" latinLnBrk="0" hangingPunct="1">
         <a:defRPr sz="1800" kern="1200">
           <a:solidFill>
             <a:schemeClr val="tx1"/>
@@ -3302,7 +5983,7 @@
           <a:cs typeface="+mn-cs"/>
         </a:defRPr>
       </a:lvl7pPr>
-      <a:lvl8pPr marL="3200400" algn="l" defTabSz="914400" rtl="0" eaLnBrk="1" latinLnBrk="0" hangingPunct="1">
+      <a:lvl8pPr marL="3200400" algn="l" defTabSz="457200" rtl="0" eaLnBrk="1" latinLnBrk="0" hangingPunct="1">
         <a:defRPr sz="1800" kern="1200">
           <a:solidFill>
             <a:schemeClr val="tx1"/>
@@ -3312,7 +5993,7 @@
           <a:cs typeface="+mn-cs"/>
         </a:defRPr>
       </a:lvl8pPr>
-      <a:lvl9pPr marL="3657600" algn="l" defTabSz="914400" rtl="0" eaLnBrk="1" latinLnBrk="0" hangingPunct="1">
+      <a:lvl9pPr marL="3657600" algn="l" defTabSz="457200" rtl="0" eaLnBrk="1" latinLnBrk="0" hangingPunct="1">
         <a:defRPr sz="1800" kern="1200">
           <a:solidFill>
             <a:schemeClr val="tx1"/>
@@ -3451,6 +6132,10 @@
           <a:bodyPr/>
           <a:lstStyle/>
           <a:p>
+            <a:r>
+              <a:rPr lang="pl-PL" dirty="0"/>
+              <a:t>Gdzie możemy spotkać się z listami</a:t>
+            </a:r>
             <a:endParaRPr lang="en-GB" dirty="0"/>
           </a:p>
         </p:txBody>
@@ -3476,7 +6161,25 @@
           <a:bodyPr/>
           <a:lstStyle/>
           <a:p>
-            <a:endParaRPr lang="en-GB"/>
+            <a:r>
+              <a:rPr lang="pl-PL" dirty="0"/>
+              <a:t>Listy przede wszystkim możemy spotkać:</a:t>
+            </a:r>
+          </a:p>
+          <a:p>
+            <a:r>
+              <a:rPr lang="pl-PL" dirty="0"/>
+              <a:t>Gdy w zbiorze danych zależy nam na zachowaniu kolejności </a:t>
+            </a:r>
+          </a:p>
+          <a:p>
+            <a:r>
+              <a:rPr lang="pl-PL" dirty="0"/>
+              <a:t>Oraz częstym usuwaniu bądź dodawaniu elementów.</a:t>
+            </a:r>
+          </a:p>
+          <a:p>
+            <a:endParaRPr lang="en-GB" dirty="0"/>
           </a:p>
         </p:txBody>
       </p:sp>
@@ -3496,6 +6199,401 @@
 <file path=ppt/slides/slide3.xml><?xml version="1.0" encoding="utf-8"?>
 <p:sld xmlns:a="http://schemas.openxmlformats.org/drawingml/2006/main" xmlns:r="http://schemas.openxmlformats.org/officeDocument/2006/relationships" xmlns:p="http://schemas.openxmlformats.org/presentationml/2006/main">
   <p:cSld>
+    <p:spTree>
+      <p:nvGrpSpPr>
+        <p:cNvPr id="1" name=""/>
+        <p:cNvGrpSpPr/>
+        <p:nvPr/>
+      </p:nvGrpSpPr>
+      <p:grpSpPr>
+        <a:xfrm>
+          <a:off x="0" y="0"/>
+          <a:ext cx="0" cy="0"/>
+          <a:chOff x="0" y="0"/>
+          <a:chExt cx="0" cy="0"/>
+        </a:xfrm>
+      </p:grpSpPr>
+      <p:sp>
+        <p:nvSpPr>
+          <p:cNvPr id="2" name="Title 1">
+            <a:extLst>
+              <a:ext uri="{FF2B5EF4-FFF2-40B4-BE49-F238E27FC236}">
+                <a16:creationId xmlns:a16="http://schemas.microsoft.com/office/drawing/2014/main" id="{BAAB8374-89DE-2506-D55B-931EE66C7103}"/>
+              </a:ext>
+            </a:extLst>
+          </p:cNvPr>
+          <p:cNvSpPr>
+            <a:spLocks noGrp="1"/>
+          </p:cNvSpPr>
+          <p:nvPr>
+            <p:ph type="title"/>
+          </p:nvPr>
+        </p:nvSpPr>
+        <p:spPr/>
+        <p:txBody>
+          <a:bodyPr/>
+          <a:lstStyle/>
+          <a:p>
+            <a:r>
+              <a:rPr lang="pl-PL" dirty="0"/>
+              <a:t>Logi aplikacji</a:t>
+            </a:r>
+            <a:endParaRPr lang="en-GB" dirty="0"/>
+          </a:p>
+        </p:txBody>
+      </p:sp>
+      <p:sp>
+        <p:nvSpPr>
+          <p:cNvPr id="3" name="Content Placeholder 2">
+            <a:extLst>
+              <a:ext uri="{FF2B5EF4-FFF2-40B4-BE49-F238E27FC236}">
+                <a16:creationId xmlns:a16="http://schemas.microsoft.com/office/drawing/2014/main" id="{F7B84F56-09E7-C63F-C3B1-E0A077F712B7}"/>
+              </a:ext>
+            </a:extLst>
+          </p:cNvPr>
+          <p:cNvSpPr>
+            <a:spLocks noGrp="1"/>
+          </p:cNvSpPr>
+          <p:nvPr>
+            <p:ph idx="1"/>
+          </p:nvPr>
+        </p:nvSpPr>
+        <p:spPr>
+          <a:xfrm>
+            <a:off x="913795" y="1746517"/>
+            <a:ext cx="10353762" cy="4058751"/>
+          </a:xfrm>
+        </p:spPr>
+        <p:txBody>
+          <a:bodyPr/>
+          <a:lstStyle/>
+          <a:p>
+            <a:r>
+              <a:rPr lang="pl-PL" dirty="0"/>
+              <a:t>Szybki dostęp do pierwszych elementów niezależnie od rozmiaru całej struktury.</a:t>
+            </a:r>
+          </a:p>
+          <a:p>
+            <a:r>
+              <a:rPr lang="pl-PL" dirty="0"/>
+              <a:t>Rzadko interesuje nas dostęp do elementów głębiej w strukturze.</a:t>
+            </a:r>
+          </a:p>
+          <a:p>
+            <a:endParaRPr lang="pl-PL" dirty="0"/>
+          </a:p>
+          <a:p>
+            <a:endParaRPr lang="en-GB" dirty="0"/>
+          </a:p>
+        </p:txBody>
+      </p:sp>
+    </p:spTree>
+    <p:extLst>
+      <p:ext uri="{BB962C8B-B14F-4D97-AF65-F5344CB8AC3E}">
+        <p14:creationId xmlns:p14="http://schemas.microsoft.com/office/powerpoint/2010/main" val="2363128750"/>
+      </p:ext>
+    </p:extLst>
+  </p:cSld>
+  <p:clrMapOvr>
+    <a:masterClrMapping/>
+  </p:clrMapOvr>
+</p:sld>
+</file>
+
+<file path=ppt/slides/slide4.xml><?xml version="1.0" encoding="utf-8"?>
+<p:sld xmlns:a="http://schemas.openxmlformats.org/drawingml/2006/main" xmlns:r="http://schemas.openxmlformats.org/officeDocument/2006/relationships" xmlns:p="http://schemas.openxmlformats.org/presentationml/2006/main">
+  <p:cSld>
+    <p:spTree>
+      <p:nvGrpSpPr>
+        <p:cNvPr id="1" name=""/>
+        <p:cNvGrpSpPr/>
+        <p:nvPr/>
+      </p:nvGrpSpPr>
+      <p:grpSpPr>
+        <a:xfrm>
+          <a:off x="0" y="0"/>
+          <a:ext cx="0" cy="0"/>
+          <a:chOff x="0" y="0"/>
+          <a:chExt cx="0" cy="0"/>
+        </a:xfrm>
+      </p:grpSpPr>
+      <p:sp>
+        <p:nvSpPr>
+          <p:cNvPr id="2" name="Title 1">
+            <a:extLst>
+              <a:ext uri="{FF2B5EF4-FFF2-40B4-BE49-F238E27FC236}">
+                <a16:creationId xmlns:a16="http://schemas.microsoft.com/office/drawing/2014/main" id="{063461E0-B1D0-726F-E070-BF49AB148345}"/>
+              </a:ext>
+            </a:extLst>
+          </p:cNvPr>
+          <p:cNvSpPr>
+            <a:spLocks noGrp="1"/>
+          </p:cNvSpPr>
+          <p:nvPr>
+            <p:ph type="title"/>
+          </p:nvPr>
+        </p:nvSpPr>
+        <p:spPr/>
+        <p:txBody>
+          <a:bodyPr>
+            <a:normAutofit/>
+          </a:bodyPr>
+          <a:lstStyle/>
+          <a:p>
+            <a:r>
+              <a:rPr lang="pl-PL" dirty="0"/>
+              <a:t>Komunikatory	</a:t>
+            </a:r>
+            <a:endParaRPr lang="en-GB" dirty="0"/>
+          </a:p>
+        </p:txBody>
+      </p:sp>
+      <p:sp>
+        <p:nvSpPr>
+          <p:cNvPr id="3" name="Content Placeholder 2">
+            <a:extLst>
+              <a:ext uri="{FF2B5EF4-FFF2-40B4-BE49-F238E27FC236}">
+                <a16:creationId xmlns:a16="http://schemas.microsoft.com/office/drawing/2014/main" id="{EB47B6E4-94C1-0A05-B456-838152AF3AC7}"/>
+              </a:ext>
+            </a:extLst>
+          </p:cNvPr>
+          <p:cNvSpPr>
+            <a:spLocks noGrp="1"/>
+          </p:cNvSpPr>
+          <p:nvPr>
+            <p:ph idx="1"/>
+          </p:nvPr>
+        </p:nvSpPr>
+        <p:spPr>
+          <a:xfrm>
+            <a:off x="927863" y="1732449"/>
+            <a:ext cx="10353762" cy="4058751"/>
+          </a:xfrm>
+        </p:spPr>
+        <p:txBody>
+          <a:bodyPr/>
+          <a:lstStyle/>
+          <a:p>
+            <a:r>
+              <a:rPr lang="pl-PL" dirty="0"/>
+              <a:t>Wysyłane wiadomości tworzą listę, co chroni przed pojebaniem kolejności.</a:t>
+            </a:r>
+          </a:p>
+          <a:p>
+            <a:r>
+              <a:rPr lang="pl-PL" dirty="0"/>
+              <a:t>Bezproblemowe powtarzanie prób wysłania.</a:t>
+            </a:r>
+          </a:p>
+          <a:p>
+            <a:r>
+              <a:rPr lang="pl-PL" dirty="0"/>
+              <a:t>Dodanie następnej wiadomości do kolejki jest natychmiastowe.</a:t>
+            </a:r>
+          </a:p>
+          <a:p>
+            <a:endParaRPr lang="pl-PL" dirty="0"/>
+          </a:p>
+        </p:txBody>
+      </p:sp>
+    </p:spTree>
+    <p:extLst>
+      <p:ext uri="{BB962C8B-B14F-4D97-AF65-F5344CB8AC3E}">
+        <p14:creationId xmlns:p14="http://schemas.microsoft.com/office/powerpoint/2010/main" val="805084921"/>
+      </p:ext>
+    </p:extLst>
+  </p:cSld>
+  <p:clrMapOvr>
+    <a:masterClrMapping/>
+  </p:clrMapOvr>
+</p:sld>
+</file>
+
+<file path=ppt/slides/slide5.xml><?xml version="1.0" encoding="utf-8"?>
+<p:sld xmlns:a="http://schemas.openxmlformats.org/drawingml/2006/main" xmlns:r="http://schemas.openxmlformats.org/officeDocument/2006/relationships" xmlns:p="http://schemas.openxmlformats.org/presentationml/2006/main">
+  <p:cSld>
+    <p:spTree>
+      <p:nvGrpSpPr>
+        <p:cNvPr id="1" name=""/>
+        <p:cNvGrpSpPr/>
+        <p:nvPr/>
+      </p:nvGrpSpPr>
+      <p:grpSpPr>
+        <a:xfrm>
+          <a:off x="0" y="0"/>
+          <a:ext cx="0" cy="0"/>
+          <a:chOff x="0" y="0"/>
+          <a:chExt cx="0" cy="0"/>
+        </a:xfrm>
+      </p:grpSpPr>
+      <p:sp>
+        <p:nvSpPr>
+          <p:cNvPr id="2" name="Title 1">
+            <a:extLst>
+              <a:ext uri="{FF2B5EF4-FFF2-40B4-BE49-F238E27FC236}">
+                <a16:creationId xmlns:a16="http://schemas.microsoft.com/office/drawing/2014/main" id="{8A674F52-D26E-3D8F-CA8C-1F05DA188D42}"/>
+              </a:ext>
+            </a:extLst>
+          </p:cNvPr>
+          <p:cNvSpPr>
+            <a:spLocks noGrp="1"/>
+          </p:cNvSpPr>
+          <p:nvPr>
+            <p:ph type="title"/>
+          </p:nvPr>
+        </p:nvSpPr>
+        <p:spPr/>
+        <p:txBody>
+          <a:bodyPr/>
+          <a:lstStyle/>
+          <a:p>
+            <a:r>
+              <a:rPr lang="pl-PL" dirty="0"/>
+              <a:t>Playlisty</a:t>
+            </a:r>
+            <a:endParaRPr lang="en-GB" dirty="0"/>
+          </a:p>
+        </p:txBody>
+      </p:sp>
+      <p:sp>
+        <p:nvSpPr>
+          <p:cNvPr id="3" name="Content Placeholder 2">
+            <a:extLst>
+              <a:ext uri="{FF2B5EF4-FFF2-40B4-BE49-F238E27FC236}">
+                <a16:creationId xmlns:a16="http://schemas.microsoft.com/office/drawing/2014/main" id="{B54C74C9-B193-4EF1-7687-23D40394086E}"/>
+              </a:ext>
+            </a:extLst>
+          </p:cNvPr>
+          <p:cNvSpPr>
+            <a:spLocks noGrp="1"/>
+          </p:cNvSpPr>
+          <p:nvPr>
+            <p:ph idx="1"/>
+          </p:nvPr>
+        </p:nvSpPr>
+        <p:spPr/>
+        <p:txBody>
+          <a:bodyPr/>
+          <a:lstStyle/>
+          <a:p>
+            <a:r>
+              <a:rPr lang="pl-PL" dirty="0"/>
+              <a:t>Listy pozwalają na szybkie dodawanie i usuwanie niezależnie od ilości elementów.</a:t>
+            </a:r>
+            <a:endParaRPr lang="en-GB" dirty="0"/>
+          </a:p>
+        </p:txBody>
+      </p:sp>
+    </p:spTree>
+    <p:extLst>
+      <p:ext uri="{BB962C8B-B14F-4D97-AF65-F5344CB8AC3E}">
+        <p14:creationId xmlns:p14="http://schemas.microsoft.com/office/powerpoint/2010/main" val="1447379776"/>
+      </p:ext>
+    </p:extLst>
+  </p:cSld>
+  <p:clrMapOvr>
+    <a:masterClrMapping/>
+  </p:clrMapOvr>
+</p:sld>
+</file>
+
+<file path=ppt/slides/slide6.xml><?xml version="1.0" encoding="utf-8"?>
+<p:sld xmlns:a="http://schemas.openxmlformats.org/drawingml/2006/main" xmlns:r="http://schemas.openxmlformats.org/officeDocument/2006/relationships" xmlns:p="http://schemas.openxmlformats.org/presentationml/2006/main">
+  <p:cSld>
+    <p:spTree>
+      <p:nvGrpSpPr>
+        <p:cNvPr id="1" name=""/>
+        <p:cNvGrpSpPr/>
+        <p:nvPr/>
+      </p:nvGrpSpPr>
+      <p:grpSpPr>
+        <a:xfrm>
+          <a:off x="0" y="0"/>
+          <a:ext cx="0" cy="0"/>
+          <a:chOff x="0" y="0"/>
+          <a:chExt cx="0" cy="0"/>
+        </a:xfrm>
+      </p:grpSpPr>
+      <p:sp>
+        <p:nvSpPr>
+          <p:cNvPr id="2" name="Title 1">
+            <a:extLst>
+              <a:ext uri="{FF2B5EF4-FFF2-40B4-BE49-F238E27FC236}">
+                <a16:creationId xmlns:a16="http://schemas.microsoft.com/office/drawing/2014/main" id="{38E97DCE-430B-20E4-FDFA-F9DC0FD219C8}"/>
+              </a:ext>
+            </a:extLst>
+          </p:cNvPr>
+          <p:cNvSpPr>
+            <a:spLocks noGrp="1"/>
+          </p:cNvSpPr>
+          <p:nvPr>
+            <p:ph type="title"/>
+          </p:nvPr>
+        </p:nvSpPr>
+        <p:spPr/>
+        <p:txBody>
+          <a:bodyPr/>
+          <a:lstStyle/>
+          <a:p>
+            <a:r>
+              <a:rPr lang="pl-PL" dirty="0"/>
+              <a:t>Ctrl-Z</a:t>
+            </a:r>
+            <a:endParaRPr lang="en-GB" dirty="0"/>
+          </a:p>
+        </p:txBody>
+      </p:sp>
+      <p:sp>
+        <p:nvSpPr>
+          <p:cNvPr id="3" name="Content Placeholder 2">
+            <a:extLst>
+              <a:ext uri="{FF2B5EF4-FFF2-40B4-BE49-F238E27FC236}">
+                <a16:creationId xmlns:a16="http://schemas.microsoft.com/office/drawing/2014/main" id="{F878B583-0B15-7A5D-36D6-65027CDCEA04}"/>
+              </a:ext>
+            </a:extLst>
+          </p:cNvPr>
+          <p:cNvSpPr>
+            <a:spLocks noGrp="1"/>
+          </p:cNvSpPr>
+          <p:nvPr>
+            <p:ph idx="1"/>
+          </p:nvPr>
+        </p:nvSpPr>
+        <p:spPr/>
+        <p:txBody>
+          <a:bodyPr/>
+          <a:lstStyle/>
+          <a:p>
+            <a:r>
+              <a:rPr lang="pl-PL" dirty="0"/>
+              <a:t>Historia zmian.</a:t>
+            </a:r>
+          </a:p>
+          <a:p>
+            <a:r>
+              <a:rPr lang="pl-PL" dirty="0"/>
+              <a:t>Pozwala na szybkie </a:t>
+            </a:r>
+            <a:endParaRPr lang="en-GB" dirty="0"/>
+          </a:p>
+        </p:txBody>
+      </p:sp>
+    </p:spTree>
+    <p:extLst>
+      <p:ext uri="{BB962C8B-B14F-4D97-AF65-F5344CB8AC3E}">
+        <p14:creationId xmlns:p14="http://schemas.microsoft.com/office/powerpoint/2010/main" val="3900128970"/>
+      </p:ext>
+    </p:extLst>
+  </p:cSld>
+  <p:clrMapOvr>
+    <a:masterClrMapping/>
+  </p:clrMapOvr>
+</p:sld>
+</file>
+
+<file path=ppt/slides/slide7.xml><?xml version="1.0" encoding="utf-8"?>
+<p:sld xmlns:a="http://schemas.openxmlformats.org/drawingml/2006/main" xmlns:r="http://schemas.openxmlformats.org/officeDocument/2006/relationships" xmlns:p="http://schemas.openxmlformats.org/presentationml/2006/main">
+  <p:cSld>
     <p:bg>
       <p:bgPr>
         <a:blipFill dpi="0" rotWithShape="1">
@@ -3504,7 +6602,7 @@
           </a:blip>
           <a:srcRect/>
           <a:stretch>
-            <a:fillRect l="-4000" r="-4000"/>
+            <a:fillRect l="-6000" r="-6000"/>
           </a:stretch>
         </a:blipFill>
         <a:effectLst/>
@@ -3548,14 +6646,14 @@
             <a:r>
               <a:rPr lang="pl-PL" dirty="0">
                 <a:solidFill>
-                  <a:schemeClr val="bg1"/>
+                  <a:schemeClr val="tx1"/>
                 </a:solidFill>
               </a:rPr>
               <a:t>Wnioski	</a:t>
             </a:r>
             <a:endParaRPr lang="en-GB" dirty="0">
               <a:solidFill>
-                <a:schemeClr val="bg1"/>
+                <a:schemeClr val="tx1"/>
               </a:solidFill>
             </a:endParaRPr>
           </a:p>
@@ -3577,7 +6675,12 @@
             <p:ph idx="1"/>
           </p:nvPr>
         </p:nvSpPr>
-        <p:spPr/>
+        <p:spPr>
+          <a:xfrm>
+            <a:off x="913795" y="1814732"/>
+            <a:ext cx="10353762" cy="3976468"/>
+          </a:xfrm>
+        </p:spPr>
         <p:txBody>
           <a:bodyPr/>
           <a:lstStyle/>
@@ -3585,72 +6688,23 @@
             <a:r>
               <a:rPr lang="pl-PL" dirty="0">
                 <a:solidFill>
-                  <a:schemeClr val="bg1"/>
+                  <a:schemeClr val="tx1"/>
                 </a:solidFill>
               </a:rPr>
-              <a:t>Scope creep to szmata i trzeba na to uważać</a:t>
-            </a:r>
-          </a:p>
-          <a:p>
-            <a:r>
-              <a:rPr lang="en-GB" dirty="0">
-                <a:solidFill>
-                  <a:schemeClr val="bg1"/>
-                </a:solidFill>
-              </a:rPr>
-              <a:t>AI </a:t>
-            </a:r>
-            <a:r>
-              <a:rPr lang="en-GB" dirty="0" err="1">
-                <a:solidFill>
-                  <a:schemeClr val="bg1"/>
-                </a:solidFill>
-              </a:rPr>
-              <a:t>nie</a:t>
-            </a:r>
-            <a:r>
-              <a:rPr lang="en-GB" dirty="0">
-                <a:solidFill>
-                  <a:schemeClr val="bg1"/>
-                </a:solidFill>
-              </a:rPr>
-              <a:t> jest </a:t>
-            </a:r>
-            <a:r>
-              <a:rPr lang="en-GB" dirty="0" err="1">
-                <a:solidFill>
-                  <a:schemeClr val="bg1"/>
-                </a:solidFill>
-              </a:rPr>
-              <a:t>dobre</a:t>
-            </a:r>
-            <a:r>
-              <a:rPr lang="en-GB" dirty="0">
-                <a:solidFill>
-                  <a:schemeClr val="bg1"/>
-                </a:solidFill>
-              </a:rPr>
-              <a:t> w </a:t>
-            </a:r>
-            <a:r>
-              <a:rPr lang="en-GB" dirty="0" err="1">
-                <a:solidFill>
-                  <a:schemeClr val="bg1"/>
-                </a:solidFill>
-              </a:rPr>
-              <a:t>wymy</a:t>
-            </a:r>
-            <a:r>
-              <a:rPr lang="pl-PL">
-                <a:solidFill>
-                  <a:schemeClr val="bg1"/>
-                </a:solidFill>
-              </a:rPr>
-              <a:t>ślaniu nowych rozwiązań</a:t>
-            </a:r>
-            <a:endParaRPr lang="en-GB" dirty="0">
+              <a:t>Scope creep is real and it will hurt you.</a:t>
+            </a:r>
+          </a:p>
+          <a:p>
+            <a:endParaRPr lang="pl-PL" dirty="0">
               <a:solidFill>
-                <a:schemeClr val="bg1"/>
+                <a:schemeClr val="tx1"/>
+              </a:solidFill>
+            </a:endParaRPr>
+          </a:p>
+          <a:p>
+            <a:endParaRPr lang="pl-PL" dirty="0">
+              <a:solidFill>
+                <a:schemeClr val="tx1"/>
               </a:solidFill>
             </a:endParaRPr>
           </a:p>
@@ -3670,9 +6724,9 @@
 </file>
 
 <file path=ppt/theme/theme1.xml><?xml version="1.0" encoding="utf-8"?>
-<a:theme xmlns:a="http://schemas.openxmlformats.org/drawingml/2006/main" name="Office Theme">
+<a:theme xmlns:a="http://schemas.openxmlformats.org/drawingml/2006/main" name="Slate">
   <a:themeElements>
-    <a:clrScheme name="Office">
+    <a:clrScheme name="Slate">
       <a:dk1>
         <a:sysClr val="windowText" lastClr="000000"/>
       </a:dk1>
@@ -3680,97 +6734,45 @@
         <a:sysClr val="window" lastClr="FFFFFF"/>
       </a:lt1>
       <a:dk2>
-        <a:srgbClr val="0E2841"/>
+        <a:srgbClr val="212123"/>
       </a:dk2>
       <a:lt2>
-        <a:srgbClr val="E8E8E8"/>
+        <a:srgbClr val="DADADA"/>
       </a:lt2>
       <a:accent1>
-        <a:srgbClr val="156082"/>
+        <a:srgbClr val="BC451B"/>
       </a:accent1>
       <a:accent2>
-        <a:srgbClr val="E97132"/>
+        <a:srgbClr val="D3BA68"/>
       </a:accent2>
       <a:accent3>
-        <a:srgbClr val="196B24"/>
+        <a:srgbClr val="BB8640"/>
       </a:accent3>
       <a:accent4>
-        <a:srgbClr val="0F9ED5"/>
+        <a:srgbClr val="AD9277"/>
       </a:accent4>
       <a:accent5>
-        <a:srgbClr val="A02B93"/>
+        <a:srgbClr val="A55A43"/>
       </a:accent5>
       <a:accent6>
-        <a:srgbClr val="4EA72E"/>
+        <a:srgbClr val="AD9D7B"/>
       </a:accent6>
       <a:hlink>
-        <a:srgbClr val="467886"/>
+        <a:srgbClr val="E98052"/>
       </a:hlink>
       <a:folHlink>
-        <a:srgbClr val="96607D"/>
+        <a:srgbClr val="F4B69B"/>
       </a:folHlink>
     </a:clrScheme>
-    <a:fontScheme name="Office">
+    <a:fontScheme name="Slate">
       <a:majorFont>
-        <a:latin typeface="Aptos Display" panose="02110004020202020204"/>
+        <a:latin typeface="Calisto MT" panose="02040603050505030304"/>
         <a:ea typeface=""/>
         <a:cs typeface=""/>
-        <a:font script="Jpan" typeface="游ゴシック Light"/>
-        <a:font script="Hang" typeface="맑은 고딕"/>
-        <a:font script="Hans" typeface="等线 Light"/>
-        <a:font script="Hant" typeface="新細明體"/>
-        <a:font script="Arab" typeface="Times New Roman"/>
-        <a:font script="Hebr" typeface="Times New Roman"/>
-        <a:font script="Thai" typeface="Angsana New"/>
-        <a:font script="Ethi" typeface="Nyala"/>
-        <a:font script="Beng" typeface="Vrinda"/>
-        <a:font script="Gujr" typeface="Shruti"/>
-        <a:font script="Khmr" typeface="MoolBoran"/>
-        <a:font script="Knda" typeface="Tunga"/>
-        <a:font script="Guru" typeface="Raavi"/>
-        <a:font script="Cans" typeface="Euphemia"/>
-        <a:font script="Cher" typeface="Plantagenet Cherokee"/>
-        <a:font script="Yiii" typeface="Microsoft Yi Baiti"/>
-        <a:font script="Tibt" typeface="Microsoft Himalaya"/>
-        <a:font script="Thaa" typeface="MV Boli"/>
-        <a:font script="Deva" typeface="Mangal"/>
-        <a:font script="Telu" typeface="Gautami"/>
-        <a:font script="Taml" typeface="Latha"/>
-        <a:font script="Syrc" typeface="Estrangelo Edessa"/>
-        <a:font script="Orya" typeface="Kalinga"/>
-        <a:font script="Mlym" typeface="Kartika"/>
-        <a:font script="Laoo" typeface="DokChampa"/>
-        <a:font script="Sinh" typeface="Iskoola Pota"/>
-        <a:font script="Mong" typeface="Mongolian Baiti"/>
-        <a:font script="Viet" typeface="Times New Roman"/>
-        <a:font script="Uigh" typeface="Microsoft Uighur"/>
-        <a:font script="Geor" typeface="Sylfaen"/>
-        <a:font script="Armn" typeface="Arial"/>
-        <a:font script="Bugi" typeface="Leelawadee UI"/>
-        <a:font script="Bopo" typeface="Microsoft JhengHei"/>
-        <a:font script="Java" typeface="Javanese Text"/>
-        <a:font script="Lisu" typeface="Segoe UI"/>
-        <a:font script="Mymr" typeface="Myanmar Text"/>
-        <a:font script="Nkoo" typeface="Ebrima"/>
-        <a:font script="Olck" typeface="Nirmala UI"/>
-        <a:font script="Osma" typeface="Ebrima"/>
-        <a:font script="Phag" typeface="Phagspa"/>
-        <a:font script="Syrn" typeface="Estrangelo Edessa"/>
-        <a:font script="Syrj" typeface="Estrangelo Edessa"/>
-        <a:font script="Syre" typeface="Estrangelo Edessa"/>
-        <a:font script="Sora" typeface="Nirmala UI"/>
-        <a:font script="Tale" typeface="Microsoft Tai Le"/>
-        <a:font script="Talu" typeface="Microsoft New Tai Lue"/>
-        <a:font script="Tfng" typeface="Ebrima"/>
-      </a:majorFont>
-      <a:minorFont>
-        <a:latin typeface="Aptos" panose="02110004020202020204"/>
-        <a:ea typeface=""/>
-        <a:cs typeface=""/>
-        <a:font script="Jpan" typeface="游ゴシック"/>
-        <a:font script="Hang" typeface="맑은 고딕"/>
-        <a:font script="Hans" typeface="等线"/>
-        <a:font script="Hant" typeface="新細明體"/>
+        <a:font script="Jpan" typeface="ＭＳ Ｐゴシック"/>
+        <a:font script="Hang" typeface="돋움"/>
+        <a:font script="Hans" typeface="方正舒体"/>
+        <a:font script="Hant" typeface="微軟正黑體"/>
         <a:font script="Arab" typeface="Arial"/>
         <a:font script="Hebr" typeface="Arial"/>
         <a:font script="Thai" typeface="Cordia New"/>
@@ -3797,26 +6799,44 @@
         <a:font script="Viet" typeface="Arial"/>
         <a:font script="Uigh" typeface="Microsoft Uighur"/>
         <a:font script="Geor" typeface="Sylfaen"/>
-        <a:font script="Armn" typeface="Arial"/>
-        <a:font script="Bugi" typeface="Leelawadee UI"/>
-        <a:font script="Bopo" typeface="Microsoft JhengHei"/>
-        <a:font script="Java" typeface="Javanese Text"/>
-        <a:font script="Lisu" typeface="Segoe UI"/>
-        <a:font script="Mymr" typeface="Myanmar Text"/>
-        <a:font script="Nkoo" typeface="Ebrima"/>
-        <a:font script="Olck" typeface="Nirmala UI"/>
-        <a:font script="Osma" typeface="Ebrima"/>
-        <a:font script="Phag" typeface="Phagspa"/>
-        <a:font script="Syrn" typeface="Estrangelo Edessa"/>
-        <a:font script="Syrj" typeface="Estrangelo Edessa"/>
-        <a:font script="Syre" typeface="Estrangelo Edessa"/>
-        <a:font script="Sora" typeface="Nirmala UI"/>
-        <a:font script="Tale" typeface="Microsoft Tai Le"/>
-        <a:font script="Talu" typeface="Microsoft New Tai Lue"/>
-        <a:font script="Tfng" typeface="Ebrima"/>
+      </a:majorFont>
+      <a:minorFont>
+        <a:latin typeface="Calisto MT" panose="02040603050505030304"/>
+        <a:ea typeface=""/>
+        <a:cs typeface=""/>
+        <a:font script="Jpan" typeface="ＭＳ Ｐゴシック"/>
+        <a:font script="Hang" typeface="돋움"/>
+        <a:font script="Hans" typeface="方正舒体"/>
+        <a:font script="Hant" typeface="微軟正黑體"/>
+        <a:font script="Arab" typeface="Arial"/>
+        <a:font script="Hebr" typeface="Arial"/>
+        <a:font script="Thai" typeface="Cordia New"/>
+        <a:font script="Ethi" typeface="Nyala"/>
+        <a:font script="Beng" typeface="Vrinda"/>
+        <a:font script="Gujr" typeface="Shruti"/>
+        <a:font script="Khmr" typeface="DaunPenh"/>
+        <a:font script="Knda" typeface="Tunga"/>
+        <a:font script="Guru" typeface="Raavi"/>
+        <a:font script="Cans" typeface="Euphemia"/>
+        <a:font script="Cher" typeface="Plantagenet Cherokee"/>
+        <a:font script="Yiii" typeface="Microsoft Yi Baiti"/>
+        <a:font script="Tibt" typeface="Microsoft Himalaya"/>
+        <a:font script="Thaa" typeface="MV Boli"/>
+        <a:font script="Deva" typeface="Mangal"/>
+        <a:font script="Telu" typeface="Gautami"/>
+        <a:font script="Taml" typeface="Latha"/>
+        <a:font script="Syrc" typeface="Estrangelo Edessa"/>
+        <a:font script="Orya" typeface="Kalinga"/>
+        <a:font script="Mlym" typeface="Kartika"/>
+        <a:font script="Laoo" typeface="DokChampa"/>
+        <a:font script="Sinh" typeface="Iskoola Pota"/>
+        <a:font script="Mong" typeface="Mongolian Baiti"/>
+        <a:font script="Viet" typeface="Arial"/>
+        <a:font script="Uigh" typeface="Microsoft Uighur"/>
+        <a:font script="Geor" typeface="Sylfaen"/>
       </a:minorFont>
     </a:fontScheme>
-    <a:fmtScheme name="Office">
+    <a:fmtScheme name="Slate">
       <a:fillStyleLst>
         <a:solidFill>
           <a:schemeClr val="phClr"/>
@@ -3825,23 +6845,13 @@
           <a:gsLst>
             <a:gs pos="0">
               <a:schemeClr val="phClr">
+                <a:tint val="60000"/>
                 <a:lumMod val="110000"/>
-                <a:satMod val="105000"/>
-                <a:tint val="67000"/>
-              </a:schemeClr>
-            </a:gs>
-            <a:gs pos="50000">
-              <a:schemeClr val="phClr">
-                <a:lumMod val="105000"/>
-                <a:satMod val="103000"/>
-                <a:tint val="73000"/>
               </a:schemeClr>
             </a:gs>
             <a:gs pos="100000">
               <a:schemeClr val="phClr">
-                <a:lumMod val="105000"/>
-                <a:satMod val="109000"/>
-                <a:tint val="81000"/>
+                <a:tint val="88000"/>
               </a:schemeClr>
             </a:gs>
           </a:gsLst>
@@ -3851,23 +6861,14 @@
           <a:gsLst>
             <a:gs pos="0">
               <a:schemeClr val="phClr">
-                <a:satMod val="103000"/>
-                <a:lumMod val="102000"/>
-                <a:tint val="94000"/>
-              </a:schemeClr>
-            </a:gs>
-            <a:gs pos="50000">
-              <a:schemeClr val="phClr">
-                <a:satMod val="110000"/>
-                <a:lumMod val="100000"/>
-                <a:shade val="100000"/>
+                <a:tint val="96000"/>
+                <a:lumMod val="104000"/>
               </a:schemeClr>
             </a:gs>
             <a:gs pos="100000">
               <a:schemeClr val="phClr">
-                <a:lumMod val="99000"/>
-                <a:satMod val="120000"/>
-                <a:shade val="78000"/>
+                <a:shade val="90000"/>
+                <a:lumMod val="90000"/>
               </a:schemeClr>
             </a:gs>
           </a:gsLst>
@@ -3875,26 +6876,25 @@
         </a:gradFill>
       </a:fillStyleLst>
       <a:lnStyleLst>
-        <a:ln w="12700" cap="flat" cmpd="sng" algn="ctr">
+        <a:ln w="9525" cap="rnd" cmpd="sng" algn="ctr">
+          <a:solidFill>
+            <a:schemeClr val="phClr">
+              <a:shade val="90000"/>
+            </a:schemeClr>
+          </a:solidFill>
+          <a:prstDash val="solid"/>
+        </a:ln>
+        <a:ln w="15875" cap="rnd" cmpd="sng" algn="ctr">
           <a:solidFill>
             <a:schemeClr val="phClr"/>
           </a:solidFill>
           <a:prstDash val="solid"/>
-          <a:miter lim="800000"/>
         </a:ln>
-        <a:ln w="19050" cap="flat" cmpd="sng" algn="ctr">
+        <a:ln w="25400" cap="rnd" cmpd="sng" algn="ctr">
           <a:solidFill>
             <a:schemeClr val="phClr"/>
           </a:solidFill>
           <a:prstDash val="solid"/>
-          <a:miter lim="800000"/>
-        </a:ln>
-        <a:ln w="25400" cap="flat" cmpd="sng" algn="ctr">
-          <a:solidFill>
-            <a:schemeClr val="phClr"/>
-          </a:solidFill>
-          <a:prstDash val="solid"/>
-          <a:miter lim="800000"/>
         </a:ln>
       </a:lnStyleLst>
       <a:effectStyleLst>
@@ -3902,16 +6902,33 @@
           <a:effectLst/>
         </a:effectStyle>
         <a:effectStyle>
-          <a:effectLst/>
+          <a:effectLst>
+            <a:outerShdw blurRad="63500" dist="25400" dir="5400000" rotWithShape="0">
+              <a:srgbClr val="000000">
+                <a:alpha val="60000"/>
+              </a:srgbClr>
+            </a:outerShdw>
+          </a:effectLst>
         </a:effectStyle>
         <a:effectStyle>
           <a:effectLst>
-            <a:outerShdw blurRad="57150" dist="19050" dir="5400000" algn="ctr" rotWithShape="0">
+            <a:outerShdw blurRad="76200" dist="38100" dir="5400000" rotWithShape="0">
               <a:srgbClr val="000000">
-                <a:alpha val="63000"/>
+                <a:alpha val="75000"/>
               </a:srgbClr>
             </a:outerShdw>
           </a:effectLst>
+          <a:scene3d>
+            <a:camera prst="orthographicFront">
+              <a:rot lat="0" lon="0" rev="0"/>
+            </a:camera>
+            <a:lightRig rig="threePt" dir="t">
+              <a:rot lat="0" lon="0" rev="1200000"/>
+            </a:lightRig>
+          </a:scene3d>
+          <a:sp3d>
+            <a:bevelT w="63500" h="25400" prst="hardEdge"/>
+          </a:sp3d>
         </a:effectStyle>
       </a:effectStyleLst>
       <a:bgFillStyleLst>
@@ -3919,72 +6936,53 @@
           <a:schemeClr val="phClr"/>
         </a:solidFill>
         <a:solidFill>
-          <a:schemeClr val="phClr">
-            <a:tint val="95000"/>
-            <a:satMod val="170000"/>
-          </a:schemeClr>
+          <a:schemeClr val="phClr"/>
         </a:solidFill>
-        <a:gradFill rotWithShape="1">
-          <a:gsLst>
-            <a:gs pos="0">
+        <a:blipFill rotWithShape="1">
+          <a:blip xmlns:r="http://schemas.openxmlformats.org/officeDocument/2006/relationships" r:embed="rId1">
+            <a:duotone>
               <a:schemeClr val="phClr">
-                <a:tint val="93000"/>
-                <a:satMod val="150000"/>
-                <a:shade val="98000"/>
-                <a:lumMod val="102000"/>
+                <a:shade val="80000"/>
+                <a:lumMod val="80000"/>
               </a:schemeClr>
-            </a:gs>
-            <a:gs pos="50000">
               <a:schemeClr val="phClr">
                 <a:tint val="98000"/>
-                <a:satMod val="130000"/>
-                <a:shade val="90000"/>
-                <a:lumMod val="103000"/>
               </a:schemeClr>
-            </a:gs>
-            <a:gs pos="100000">
-              <a:schemeClr val="phClr">
-                <a:shade val="63000"/>
-                <a:satMod val="120000"/>
-              </a:schemeClr>
-            </a:gs>
-          </a:gsLst>
-          <a:lin ang="5400000" scaled="0"/>
-        </a:gradFill>
+            </a:duotone>
+          </a:blip>
+          <a:stretch/>
+        </a:blipFill>
       </a:bgFillStyleLst>
     </a:fmtScheme>
   </a:themeElements>
-  <a:objectDefaults>
-    <a:lnDef>
-      <a:spPr/>
-      <a:bodyPr/>
-      <a:lstStyle/>
-      <a:style>
-        <a:lnRef idx="2">
-          <a:schemeClr val="accent1"/>
-        </a:lnRef>
-        <a:fillRef idx="0">
-          <a:schemeClr val="accent1"/>
-        </a:fillRef>
-        <a:effectRef idx="1">
-          <a:schemeClr val="accent1"/>
-        </a:effectRef>
-        <a:fontRef idx="minor">
-          <a:schemeClr val="tx1"/>
-        </a:fontRef>
-      </a:style>
-    </a:lnDef>
-  </a:objectDefaults>
+  <a:objectDefaults/>
   <a:extraClrSchemeLst/>
   <a:extLst>
     <a:ext uri="{05A4C25C-085E-4340-85A3-A5531E510DB2}">
-      <thm15:themeFamily xmlns:thm15="http://schemas.microsoft.com/office/thememl/2012/main" name="Office Theme" id="{2E142A2C-CD16-42D6-873A-C26D2A0506FA}" vid="{1BDDFF52-6CD6-40A5-AB3C-68EB2F1E4D0A}"/>
+      <thm15:themeFamily xmlns:thm15="http://schemas.microsoft.com/office/thememl/2012/main" name="Slate" id="{C3F70B94-7CE9-428E-ADC1-3269CC2C3385}" vid="{3F2DE9A5-64E6-437C-A389-CC4477E817E8}"/>
     </a:ext>
   </a:extLst>
 </a:theme>
 </file>
 
 <file path=customXml/item1.xml><?xml version="1.0" encoding="utf-8"?>
+<p:properties xmlns:p="http://schemas.microsoft.com/office/2006/metadata/properties" xmlns:xsi="http://www.w3.org/2001/XMLSchema-instance" xmlns:pc="http://schemas.microsoft.com/office/infopath/2007/PartnerControls">
+  <documentManagement>
+    <_activity xmlns="017c4203-7f93-467a-94f4-d04448e4ab57" xsi:nil="true"/>
+  </documentManagement>
+</p:properties>
+</file>
+
+<file path=customXml/item2.xml><?xml version="1.0" encoding="utf-8"?>
+<?mso-contentType ?>
+<FormTemplates xmlns="http://schemas.microsoft.com/sharepoint/v3/contenttype/forms">
+  <Display>DocumentLibraryForm</Display>
+  <Edit>DocumentLibraryForm</Edit>
+  <New>DocumentLibraryForm</New>
+</FormTemplates>
+</file>
+
+<file path=customXml/item3.xml><?xml version="1.0" encoding="utf-8"?>
 <ct:contentTypeSchema xmlns:ct="http://schemas.microsoft.com/office/2006/metadata/contentType" xmlns:ma="http://schemas.microsoft.com/office/2006/metadata/properties/metaAttributes" ct:_="" ma:_="" ma:contentTypeName="Document" ma:contentTypeID="0x01010042C9A2195F8A9743914FAF80DF601095" ma:contentTypeVersion="6" ma:contentTypeDescription="Create a new document." ma:contentTypeScope="" ma:versionID="d91d3d04eb61452613d9ea8ede476ee8">
   <xsd:schema xmlns:xsd="http://www.w3.org/2001/XMLSchema" xmlns:xs="http://www.w3.org/2001/XMLSchema" xmlns:p="http://schemas.microsoft.com/office/2006/metadata/properties" xmlns:ns3="017c4203-7f93-467a-94f4-d04448e4ab57" targetNamespace="http://schemas.microsoft.com/office/2006/metadata/properties" ma:root="true" ma:fieldsID="32702bdf9803e64160abec90f0a12e70" ns3:_="">
     <xsd:import namespace="017c4203-7f93-467a-94f4-d04448e4ab57"/>
@@ -4140,24 +7138,31 @@
 </ct:contentTypeSchema>
 </file>
 
-<file path=customXml/item2.xml><?xml version="1.0" encoding="utf-8"?>
-<?mso-contentType ?>
-<FormTemplates xmlns="http://schemas.microsoft.com/sharepoint/v3/contenttype/forms">
-  <Display>DocumentLibraryForm</Display>
-  <Edit>DocumentLibraryForm</Edit>
-  <New>DocumentLibraryForm</New>
-</FormTemplates>
+<file path=customXml/itemProps1.xml><?xml version="1.0" encoding="utf-8"?>
+<ds:datastoreItem xmlns:ds="http://schemas.openxmlformats.org/officeDocument/2006/customXml" ds:itemID="{0A591B04-6FB6-4B2A-B143-11E1F84B3B59}">
+  <ds:schemaRefs>
+    <ds:schemaRef ds:uri="http://purl.org/dc/dcmitype/"/>
+    <ds:schemaRef ds:uri="http://schemas.microsoft.com/office/2006/documentManagement/types"/>
+    <ds:schemaRef ds:uri="017c4203-7f93-467a-94f4-d04448e4ab57"/>
+    <ds:schemaRef ds:uri="http://schemas.openxmlformats.org/package/2006/metadata/core-properties"/>
+    <ds:schemaRef ds:uri="http://schemas.microsoft.com/office/2006/metadata/properties"/>
+    <ds:schemaRef ds:uri="http://www.w3.org/XML/1998/namespace"/>
+    <ds:schemaRef ds:uri="http://schemas.microsoft.com/office/infopath/2007/PartnerControls"/>
+    <ds:schemaRef ds:uri="http://purl.org/dc/terms/"/>
+    <ds:schemaRef ds:uri="http://purl.org/dc/elements/1.1/"/>
+  </ds:schemaRefs>
+</ds:datastoreItem>
 </file>
 
-<file path=customXml/item3.xml><?xml version="1.0" encoding="utf-8"?>
-<p:properties xmlns:p="http://schemas.microsoft.com/office/2006/metadata/properties" xmlns:xsi="http://www.w3.org/2001/XMLSchema-instance" xmlns:pc="http://schemas.microsoft.com/office/infopath/2007/PartnerControls">
-  <documentManagement>
-    <_activity xmlns="017c4203-7f93-467a-94f4-d04448e4ab57" xsi:nil="true"/>
-  </documentManagement>
-</p:properties>
+<file path=customXml/itemProps2.xml><?xml version="1.0" encoding="utf-8"?>
+<ds:datastoreItem xmlns:ds="http://schemas.openxmlformats.org/officeDocument/2006/customXml" ds:itemID="{797F1DD5-981A-4706-B1B7-905C560A0806}">
+  <ds:schemaRefs>
+    <ds:schemaRef ds:uri="http://schemas.microsoft.com/sharepoint/v3/contenttype/forms"/>
+  </ds:schemaRefs>
+</ds:datastoreItem>
 </file>
 
-<file path=customXml/itemProps1.xml><?xml version="1.0" encoding="utf-8"?>
+<file path=customXml/itemProps3.xml><?xml version="1.0" encoding="utf-8"?>
 <ds:datastoreItem xmlns:ds="http://schemas.openxmlformats.org/officeDocument/2006/customXml" ds:itemID="{D5403F0B-3815-49EE-8805-54290AFE9139}">
   <ds:schemaRefs>
     <ds:schemaRef ds:uri="http://schemas.microsoft.com/office/2006/metadata/contentType"/>
@@ -4173,28 +7178,4 @@
     <ds:schemaRef ds:uri="http://schemas.microsoft.com/internal/obd"/>
   </ds:schemaRefs>
 </ds:datastoreItem>
-</file>
-
-<file path=customXml/itemProps2.xml><?xml version="1.0" encoding="utf-8"?>
-<ds:datastoreItem xmlns:ds="http://schemas.openxmlformats.org/officeDocument/2006/customXml" ds:itemID="{797F1DD5-981A-4706-B1B7-905C560A0806}">
-  <ds:schemaRefs>
-    <ds:schemaRef ds:uri="http://schemas.microsoft.com/sharepoint/v3/contenttype/forms"/>
-  </ds:schemaRefs>
-</ds:datastoreItem>
-</file>
-
-<file path=customXml/itemProps3.xml><?xml version="1.0" encoding="utf-8"?>
-<ds:datastoreItem xmlns:ds="http://schemas.openxmlformats.org/officeDocument/2006/customXml" ds:itemID="{0A591B04-6FB6-4B2A-B143-11E1F84B3B59}">
-  <ds:schemaRefs>
-    <ds:schemaRef ds:uri="http://purl.org/dc/dcmitype/"/>
-    <ds:schemaRef ds:uri="http://schemas.microsoft.com/office/2006/documentManagement/types"/>
-    <ds:schemaRef ds:uri="017c4203-7f93-467a-94f4-d04448e4ab57"/>
-    <ds:schemaRef ds:uri="http://schemas.openxmlformats.org/package/2006/metadata/core-properties"/>
-    <ds:schemaRef ds:uri="http://schemas.microsoft.com/office/2006/metadata/properties"/>
-    <ds:schemaRef ds:uri="http://www.w3.org/XML/1998/namespace"/>
-    <ds:schemaRef ds:uri="http://schemas.microsoft.com/office/infopath/2007/PartnerControls"/>
-    <ds:schemaRef ds:uri="http://purl.org/dc/terms/"/>
-    <ds:schemaRef ds:uri="http://purl.org/dc/elements/1.1/"/>
-  </ds:schemaRefs>
-</ds:datastoreItem>
 </file>
--- a/zadanie_01/lists_imp/dojebanaprezentacjaolistachidlaczegomojaimplementacjajestlepszaastdssiepale.pptx
+++ b/zadanie_01/lists_imp/dojebanaprezentacjaolistachidlaczegomojaimplementacjajestlepszaastdssiepale.pptx
@@ -303,7 +303,7 @@
           <a:p>
             <a:fld id="{A22BCD6F-2A98-4151-B6C3-C15192657300}" type="datetimeFigureOut">
               <a:rPr lang="en-GB" smtClean="0"/>
-              <a:t>05/05/2025</a:t>
+              <a:t>06/05/2025</a:t>
             </a:fld>
             <a:endParaRPr lang="en-GB"/>
           </a:p>
@@ -601,7 +601,7 @@
           <a:p>
             <a:fld id="{A22BCD6F-2A98-4151-B6C3-C15192657300}" type="datetimeFigureOut">
               <a:rPr lang="en-GB" smtClean="0"/>
-              <a:t>05/05/2025</a:t>
+              <a:t>06/05/2025</a:t>
             </a:fld>
             <a:endParaRPr lang="en-GB"/>
           </a:p>
@@ -793,7 +793,7 @@
           <a:p>
             <a:fld id="{A22BCD6F-2A98-4151-B6C3-C15192657300}" type="datetimeFigureOut">
               <a:rPr lang="en-GB" smtClean="0"/>
-              <a:t>05/05/2025</a:t>
+              <a:t>06/05/2025</a:t>
             </a:fld>
             <a:endParaRPr lang="en-GB"/>
           </a:p>
@@ -1054,7 +1054,7 @@
           <a:p>
             <a:fld id="{A22BCD6F-2A98-4151-B6C3-C15192657300}" type="datetimeFigureOut">
               <a:rPr lang="en-GB" smtClean="0"/>
-              <a:t>05/05/2025</a:t>
+              <a:t>06/05/2025</a:t>
             </a:fld>
             <a:endParaRPr lang="en-GB"/>
           </a:p>
@@ -1478,7 +1478,7 @@
           <a:p>
             <a:fld id="{A22BCD6F-2A98-4151-B6C3-C15192657300}" type="datetimeFigureOut">
               <a:rPr lang="en-GB" smtClean="0"/>
-              <a:t>05/05/2025</a:t>
+              <a:t>06/05/2025</a:t>
             </a:fld>
             <a:endParaRPr lang="en-GB"/>
           </a:p>
@@ -2015,7 +2015,7 @@
           <a:p>
             <a:fld id="{A22BCD6F-2A98-4151-B6C3-C15192657300}" type="datetimeFigureOut">
               <a:rPr lang="en-GB" smtClean="0"/>
-              <a:t>05/05/2025</a:t>
+              <a:t>06/05/2025</a:t>
             </a:fld>
             <a:endParaRPr lang="en-GB"/>
           </a:p>
@@ -2879,7 +2879,7 @@
           <a:p>
             <a:fld id="{A22BCD6F-2A98-4151-B6C3-C15192657300}" type="datetimeFigureOut">
               <a:rPr lang="en-GB" smtClean="0"/>
-              <a:t>05/05/2025</a:t>
+              <a:t>06/05/2025</a:t>
             </a:fld>
             <a:endParaRPr lang="en-GB"/>
           </a:p>
@@ -3049,7 +3049,7 @@
           <a:p>
             <a:fld id="{A22BCD6F-2A98-4151-B6C3-C15192657300}" type="datetimeFigureOut">
               <a:rPr lang="en-GB" smtClean="0"/>
-              <a:t>05/05/2025</a:t>
+              <a:t>06/05/2025</a:t>
             </a:fld>
             <a:endParaRPr lang="en-GB"/>
           </a:p>
@@ -3233,7 +3233,7 @@
           <a:p>
             <a:fld id="{A22BCD6F-2A98-4151-B6C3-C15192657300}" type="datetimeFigureOut">
               <a:rPr lang="en-GB" smtClean="0"/>
-              <a:t>05/05/2025</a:t>
+              <a:t>06/05/2025</a:t>
             </a:fld>
             <a:endParaRPr lang="en-GB"/>
           </a:p>
@@ -3403,7 +3403,7 @@
           <a:p>
             <a:fld id="{A22BCD6F-2A98-4151-B6C3-C15192657300}" type="datetimeFigureOut">
               <a:rPr lang="en-GB" smtClean="0"/>
-              <a:t>05/05/2025</a:t>
+              <a:t>06/05/2025</a:t>
             </a:fld>
             <a:endParaRPr lang="en-GB"/>
           </a:p>
@@ -3647,7 +3647,7 @@
           <a:p>
             <a:fld id="{A22BCD6F-2A98-4151-B6C3-C15192657300}" type="datetimeFigureOut">
               <a:rPr lang="en-GB" smtClean="0"/>
-              <a:t>05/05/2025</a:t>
+              <a:t>06/05/2025</a:t>
             </a:fld>
             <a:endParaRPr lang="en-GB"/>
           </a:p>
@@ -3883,7 +3883,7 @@
           <a:p>
             <a:fld id="{A22BCD6F-2A98-4151-B6C3-C15192657300}" type="datetimeFigureOut">
               <a:rPr lang="en-GB" smtClean="0"/>
-              <a:t>05/05/2025</a:t>
+              <a:t>06/05/2025</a:t>
             </a:fld>
             <a:endParaRPr lang="en-GB"/>
           </a:p>
@@ -4349,7 +4349,7 @@
           <a:p>
             <a:fld id="{A22BCD6F-2A98-4151-B6C3-C15192657300}" type="datetimeFigureOut">
               <a:rPr lang="en-GB" smtClean="0"/>
-              <a:t>05/05/2025</a:t>
+              <a:t>06/05/2025</a:t>
             </a:fld>
             <a:endParaRPr lang="en-GB"/>
           </a:p>
@@ -4467,7 +4467,7 @@
           <a:p>
             <a:fld id="{A22BCD6F-2A98-4151-B6C3-C15192657300}" type="datetimeFigureOut">
               <a:rPr lang="en-GB" smtClean="0"/>
-              <a:t>05/05/2025</a:t>
+              <a:t>06/05/2025</a:t>
             </a:fld>
             <a:endParaRPr lang="en-GB"/>
           </a:p>
@@ -4562,7 +4562,7 @@
           <a:p>
             <a:fld id="{A22BCD6F-2A98-4151-B6C3-C15192657300}" type="datetimeFigureOut">
               <a:rPr lang="en-GB" smtClean="0"/>
-              <a:t>05/05/2025</a:t>
+              <a:t>06/05/2025</a:t>
             </a:fld>
             <a:endParaRPr lang="en-GB"/>
           </a:p>
@@ -4817,7 +4817,7 @@
           <a:p>
             <a:fld id="{A22BCD6F-2A98-4151-B6C3-C15192657300}" type="datetimeFigureOut">
               <a:rPr lang="en-GB" smtClean="0"/>
-              <a:t>05/05/2025</a:t>
+              <a:t>06/05/2025</a:t>
             </a:fld>
             <a:endParaRPr lang="en-GB"/>
           </a:p>
@@ -5117,7 +5117,7 @@
           <a:p>
             <a:fld id="{A22BCD6F-2A98-4151-B6C3-C15192657300}" type="datetimeFigureOut">
               <a:rPr lang="en-GB" smtClean="0"/>
-              <a:t>05/05/2025</a:t>
+              <a:t>06/05/2025</a:t>
             </a:fld>
             <a:endParaRPr lang="en-GB"/>
           </a:p>
@@ -5351,7 +5351,7 @@
           <a:p>
             <a:fld id="{A22BCD6F-2A98-4151-B6C3-C15192657300}" type="datetimeFigureOut">
               <a:rPr lang="en-GB" smtClean="0"/>
-              <a:t>05/05/2025</a:t>
+              <a:t>06/05/2025</a:t>
             </a:fld>
             <a:endParaRPr lang="en-GB"/>
           </a:p>
@@ -6280,6 +6280,9 @@
             </a:r>
           </a:p>
           <a:p>
+            <a:endParaRPr lang="pl-PL"/>
+          </a:p>
+          <a:p>
             <a:endParaRPr lang="pl-PL" dirty="0"/>
           </a:p>
           <a:p>
@@ -6974,15 +6977,6 @@
 </file>
 
 <file path=customXml/item2.xml><?xml version="1.0" encoding="utf-8"?>
-<?mso-contentType ?>
-<FormTemplates xmlns="http://schemas.microsoft.com/sharepoint/v3/contenttype/forms">
-  <Display>DocumentLibraryForm</Display>
-  <Edit>DocumentLibraryForm</Edit>
-  <New>DocumentLibraryForm</New>
-</FormTemplates>
-</file>
-
-<file path=customXml/item3.xml><?xml version="1.0" encoding="utf-8"?>
 <ct:contentTypeSchema xmlns:ct="http://schemas.microsoft.com/office/2006/metadata/contentType" xmlns:ma="http://schemas.microsoft.com/office/2006/metadata/properties/metaAttributes" ct:_="" ma:_="" ma:contentTypeName="Document" ma:contentTypeID="0x01010042C9A2195F8A9743914FAF80DF601095" ma:contentTypeVersion="6" ma:contentTypeDescription="Create a new document." ma:contentTypeScope="" ma:versionID="d91d3d04eb61452613d9ea8ede476ee8">
   <xsd:schema xmlns:xsd="http://www.w3.org/2001/XMLSchema" xmlns:xs="http://www.w3.org/2001/XMLSchema" xmlns:p="http://schemas.microsoft.com/office/2006/metadata/properties" xmlns:ns3="017c4203-7f93-467a-94f4-d04448e4ab57" targetNamespace="http://schemas.microsoft.com/office/2006/metadata/properties" ma:root="true" ma:fieldsID="32702bdf9803e64160abec90f0a12e70" ns3:_="">
     <xsd:import namespace="017c4203-7f93-467a-94f4-d04448e4ab57"/>
@@ -7138,6 +7132,15 @@
 </ct:contentTypeSchema>
 </file>
 
+<file path=customXml/item3.xml><?xml version="1.0" encoding="utf-8"?>
+<?mso-contentType ?>
+<FormTemplates xmlns="http://schemas.microsoft.com/sharepoint/v3/contenttype/forms">
+  <Display>DocumentLibraryForm</Display>
+  <Edit>DocumentLibraryForm</Edit>
+  <New>DocumentLibraryForm</New>
+</FormTemplates>
+</file>
+
 <file path=customXml/itemProps1.xml><?xml version="1.0" encoding="utf-8"?>
 <ds:datastoreItem xmlns:ds="http://schemas.openxmlformats.org/officeDocument/2006/customXml" ds:itemID="{0A591B04-6FB6-4B2A-B143-11E1F84B3B59}">
   <ds:schemaRefs>
@@ -7155,14 +7158,6 @@
 </file>
 
 <file path=customXml/itemProps2.xml><?xml version="1.0" encoding="utf-8"?>
-<ds:datastoreItem xmlns:ds="http://schemas.openxmlformats.org/officeDocument/2006/customXml" ds:itemID="{797F1DD5-981A-4706-B1B7-905C560A0806}">
-  <ds:schemaRefs>
-    <ds:schemaRef ds:uri="http://schemas.microsoft.com/sharepoint/v3/contenttype/forms"/>
-  </ds:schemaRefs>
-</ds:datastoreItem>
-</file>
-
-<file path=customXml/itemProps3.xml><?xml version="1.0" encoding="utf-8"?>
 <ds:datastoreItem xmlns:ds="http://schemas.openxmlformats.org/officeDocument/2006/customXml" ds:itemID="{D5403F0B-3815-49EE-8805-54290AFE9139}">
   <ds:schemaRefs>
     <ds:schemaRef ds:uri="http://schemas.microsoft.com/office/2006/metadata/contentType"/>
@@ -7178,4 +7173,12 @@
     <ds:schemaRef ds:uri="http://schemas.microsoft.com/internal/obd"/>
   </ds:schemaRefs>
 </ds:datastoreItem>
+</file>
+
+<file path=customXml/itemProps3.xml><?xml version="1.0" encoding="utf-8"?>
+<ds:datastoreItem xmlns:ds="http://schemas.openxmlformats.org/officeDocument/2006/customXml" ds:itemID="{797F1DD5-981A-4706-B1B7-905C560A0806}">
+  <ds:schemaRefs>
+    <ds:schemaRef ds:uri="http://schemas.microsoft.com/sharepoint/v3/contenttype/forms"/>
+  </ds:schemaRefs>
+</ds:datastoreItem>
 </file>